--- a/Defense of Project Slides.pptx
+++ b/Defense of Project Slides.pptx
@@ -5,20 +5,33 @@
     <p:sldMasterId id="2147483648" r:id="rId1"/>
   </p:sldMasterIdLst>
   <p:notesMasterIdLst>
-    <p:notesMasterId r:id="rId13"/>
+    <p:notesMasterId r:id="rId26"/>
   </p:notesMasterIdLst>
   <p:sldIdLst>
     <p:sldId id="256" r:id="rId2"/>
-    <p:sldId id="258" r:id="rId3"/>
-    <p:sldId id="259" r:id="rId4"/>
-    <p:sldId id="261" r:id="rId5"/>
-    <p:sldId id="260" r:id="rId6"/>
-    <p:sldId id="263" r:id="rId7"/>
-    <p:sldId id="264" r:id="rId8"/>
+    <p:sldId id="268" r:id="rId3"/>
+    <p:sldId id="258" r:id="rId4"/>
+    <p:sldId id="257" r:id="rId5"/>
+    <p:sldId id="259" r:id="rId6"/>
+    <p:sldId id="260" r:id="rId7"/>
+    <p:sldId id="270" r:id="rId8"/>
     <p:sldId id="262" r:id="rId9"/>
-    <p:sldId id="266" r:id="rId10"/>
-    <p:sldId id="265" r:id="rId11"/>
-    <p:sldId id="257" r:id="rId12"/>
+    <p:sldId id="267" r:id="rId10"/>
+    <p:sldId id="278" r:id="rId11"/>
+    <p:sldId id="263" r:id="rId12"/>
+    <p:sldId id="271" r:id="rId13"/>
+    <p:sldId id="261" r:id="rId14"/>
+    <p:sldId id="269" r:id="rId15"/>
+    <p:sldId id="272" r:id="rId16"/>
+    <p:sldId id="273" r:id="rId17"/>
+    <p:sldId id="274" r:id="rId18"/>
+    <p:sldId id="275" r:id="rId19"/>
+    <p:sldId id="264" r:id="rId20"/>
+    <p:sldId id="276" r:id="rId21"/>
+    <p:sldId id="277" r:id="rId22"/>
+    <p:sldId id="279" r:id="rId23"/>
+    <p:sldId id="266" r:id="rId24"/>
+    <p:sldId id="265" r:id="rId25"/>
   </p:sldIdLst>
   <p:sldSz cx="12192000" cy="6858000"/>
   <p:notesSz cx="6858000" cy="9144000"/>
@@ -207,7 +220,7 @@
           <a:p>
             <a:fld id="{D504451B-3959-43AA-A567-40519660A860}" type="datetimeFigureOut">
               <a:rPr lang="en-US" smtClean="0"/>
-              <a:t>6/3/2023</a:t>
+              <a:t>6/9/2023</a:t>
             </a:fld>
             <a:endParaRPr lang="en-US"/>
           </a:p>
@@ -475,6 +488,90 @@
 </p:notesMaster>
 </file>
 
+<file path=ppt/notesSlides/notesSlide1.xml><?xml version="1.0" encoding="utf-8"?>
+<p:notes xmlns:a="http://schemas.openxmlformats.org/drawingml/2006/main" xmlns:r="http://schemas.openxmlformats.org/officeDocument/2006/relationships" xmlns:p="http://schemas.openxmlformats.org/presentationml/2006/main">
+  <p:cSld>
+    <p:spTree>
+      <p:nvGrpSpPr>
+        <p:cNvPr id="1" name=""/>
+        <p:cNvGrpSpPr/>
+        <p:nvPr/>
+      </p:nvGrpSpPr>
+      <p:grpSpPr>
+        <a:xfrm>
+          <a:off x="0" y="0"/>
+          <a:ext cx="0" cy="0"/>
+          <a:chOff x="0" y="0"/>
+          <a:chExt cx="0" cy="0"/>
+        </a:xfrm>
+      </p:grpSpPr>
+      <p:sp>
+        <p:nvSpPr>
+          <p:cNvPr id="2" name="Slide Image Placeholder 1"/>
+          <p:cNvSpPr>
+            <a:spLocks noGrp="1" noRot="1" noChangeAspect="1"/>
+          </p:cNvSpPr>
+          <p:nvPr>
+            <p:ph type="sldImg"/>
+          </p:nvPr>
+        </p:nvSpPr>
+        <p:spPr/>
+      </p:sp>
+      <p:sp>
+        <p:nvSpPr>
+          <p:cNvPr id="3" name="Notes Placeholder 2"/>
+          <p:cNvSpPr>
+            <a:spLocks noGrp="1"/>
+          </p:cNvSpPr>
+          <p:nvPr>
+            <p:ph type="body" idx="1"/>
+          </p:nvPr>
+        </p:nvSpPr>
+        <p:spPr/>
+        <p:txBody>
+          <a:bodyPr/>
+          <a:lstStyle/>
+          <a:p>
+            <a:endParaRPr lang="en-US" dirty="0"/>
+          </a:p>
+        </p:txBody>
+      </p:sp>
+      <p:sp>
+        <p:nvSpPr>
+          <p:cNvPr id="4" name="Slide Number Placeholder 3"/>
+          <p:cNvSpPr>
+            <a:spLocks noGrp="1"/>
+          </p:cNvSpPr>
+          <p:nvPr>
+            <p:ph type="sldNum" sz="quarter" idx="10"/>
+          </p:nvPr>
+        </p:nvSpPr>
+        <p:spPr/>
+        <p:txBody>
+          <a:bodyPr/>
+          <a:lstStyle/>
+          <a:p>
+            <a:fld id="{455E767D-84BD-43FE-B3CC-2CA97AFE0A47}" type="slidenum">
+              <a:rPr lang="en-US" smtClean="0"/>
+              <a:t>8</a:t>
+            </a:fld>
+            <a:endParaRPr lang="en-US"/>
+          </a:p>
+        </p:txBody>
+      </p:sp>
+    </p:spTree>
+    <p:extLst>
+      <p:ext uri="{BB962C8B-B14F-4D97-AF65-F5344CB8AC3E}">
+        <p14:creationId xmlns:p14="http://schemas.microsoft.com/office/powerpoint/2010/main" val="3906780181"/>
+      </p:ext>
+    </p:extLst>
+  </p:cSld>
+  <p:clrMapOvr>
+    <a:masterClrMapping/>
+  </p:clrMapOvr>
+</p:notes>
+</file>
+
 <file path=ppt/slideLayouts/slideLayout1.xml><?xml version="1.0" encoding="utf-8"?>
 <p:sldLayout xmlns:a="http://schemas.openxmlformats.org/drawingml/2006/main" xmlns:r="http://schemas.openxmlformats.org/officeDocument/2006/relationships" xmlns:p="http://schemas.openxmlformats.org/presentationml/2006/main" type="title" preserve="1">
   <p:cSld name="Title Slide">
@@ -606,7 +703,7 @@
           <a:p>
             <a:fld id="{6961250F-E74E-4C6E-94DF-871491231E31}" type="datetime1">
               <a:rPr lang="en-US" smtClean="0"/>
-              <a:t>6/3/2023</a:t>
+              <a:t>6/9/2023</a:t>
             </a:fld>
             <a:endParaRPr lang="en-US"/>
           </a:p>
@@ -776,7 +873,7 @@
           <a:p>
             <a:fld id="{8AF071B4-BA90-4083-81AC-C9DDE0183C19}" type="datetime1">
               <a:rPr lang="en-US" smtClean="0"/>
-              <a:t>6/3/2023</a:t>
+              <a:t>6/9/2023</a:t>
             </a:fld>
             <a:endParaRPr lang="en-US"/>
           </a:p>
@@ -956,7 +1053,7 @@
           <a:p>
             <a:fld id="{8F60AFFC-712D-496B-B61B-859F25DC161E}" type="datetime1">
               <a:rPr lang="en-US" smtClean="0"/>
-              <a:t>6/3/2023</a:t>
+              <a:t>6/9/2023</a:t>
             </a:fld>
             <a:endParaRPr lang="en-US"/>
           </a:p>
@@ -1126,7 +1223,7 @@
           <a:p>
             <a:fld id="{61066859-9ABD-47EE-A13A-7683241B4E0D}" type="datetime1">
               <a:rPr lang="en-US" smtClean="0"/>
-              <a:t>6/3/2023</a:t>
+              <a:t>6/9/2023</a:t>
             </a:fld>
             <a:endParaRPr lang="en-US"/>
           </a:p>
@@ -1372,7 +1469,7 @@
           <a:p>
             <a:fld id="{3269892B-84AD-4139-B130-65EF41FFFCFC}" type="datetime1">
               <a:rPr lang="en-US" smtClean="0"/>
-              <a:t>6/3/2023</a:t>
+              <a:t>6/9/2023</a:t>
             </a:fld>
             <a:endParaRPr lang="en-US"/>
           </a:p>
@@ -1604,7 +1701,7 @@
           <a:p>
             <a:fld id="{5610E6AA-6CD9-458C-8E68-557B8A7FD425}" type="datetime1">
               <a:rPr lang="en-US" smtClean="0"/>
-              <a:t>6/3/2023</a:t>
+              <a:t>6/9/2023</a:t>
             </a:fld>
             <a:endParaRPr lang="en-US"/>
           </a:p>
@@ -1971,7 +2068,7 @@
           <a:p>
             <a:fld id="{FB80FD5D-14B9-4166-B2D1-4950F7E6B3ED}" type="datetime1">
               <a:rPr lang="en-US" smtClean="0"/>
-              <a:t>6/3/2023</a:t>
+              <a:t>6/9/2023</a:t>
             </a:fld>
             <a:endParaRPr lang="en-US"/>
           </a:p>
@@ -2089,7 +2186,7 @@
           <a:p>
             <a:fld id="{6F03DCA8-244E-4222-8624-68DD0D09C383}" type="datetime1">
               <a:rPr lang="en-US" smtClean="0"/>
-              <a:t>6/3/2023</a:t>
+              <a:t>6/9/2023</a:t>
             </a:fld>
             <a:endParaRPr lang="en-US"/>
           </a:p>
@@ -2184,7 +2281,7 @@
           <a:p>
             <a:fld id="{9AC1DFE2-D31E-40D3-892C-61D3D11978F4}" type="datetime1">
               <a:rPr lang="en-US" smtClean="0"/>
-              <a:t>6/3/2023</a:t>
+              <a:t>6/9/2023</a:t>
             </a:fld>
             <a:endParaRPr lang="en-US"/>
           </a:p>
@@ -2461,7 +2558,7 @@
           <a:p>
             <a:fld id="{9648D72A-9B60-4D77-92AF-3A2AFA679832}" type="datetime1">
               <a:rPr lang="en-US" smtClean="0"/>
-              <a:t>6/3/2023</a:t>
+              <a:t>6/9/2023</a:t>
             </a:fld>
             <a:endParaRPr lang="en-US"/>
           </a:p>
@@ -2714,7 +2811,7 @@
           <a:p>
             <a:fld id="{53FF2DE8-95CC-4CC4-8122-7CF4CDF6E147}" type="datetime1">
               <a:rPr lang="en-US" smtClean="0"/>
-              <a:t>6/3/2023</a:t>
+              <a:t>6/9/2023</a:t>
             </a:fld>
             <a:endParaRPr lang="en-US"/>
           </a:p>
@@ -2927,7 +3024,7 @@
           <a:p>
             <a:fld id="{6ED01A26-2140-4065-AC2F-5ABABACBD2CD}" type="datetime1">
               <a:rPr lang="en-US" smtClean="0"/>
-              <a:t>6/3/2023</a:t>
+              <a:t>6/9/2023</a:t>
             </a:fld>
             <a:endParaRPr lang="en-US"/>
           </a:p>
@@ -4073,12 +4170,7 @@
             <p:ph type="title"/>
           </p:nvPr>
         </p:nvSpPr>
-        <p:spPr>
-          <a:xfrm>
-            <a:off x="1062135" y="2483174"/>
-            <a:ext cx="10515600" cy="1325563"/>
-          </a:xfrm>
-        </p:spPr>
+        <p:spPr/>
         <p:txBody>
           <a:bodyPr/>
           <a:lstStyle/>
@@ -4088,7 +4180,7 @@
                 <a:latin typeface="Times New Roman" panose="02020603050405020304" pitchFamily="18" charset="0"/>
                 <a:cs typeface="Times New Roman" panose="02020603050405020304" pitchFamily="18" charset="0"/>
               </a:rPr>
-              <a:t>THANK YOU ALL!!!</a:t>
+              <a:t>Contd..</a:t>
             </a:r>
             <a:endParaRPr lang="en-US" dirty="0">
               <a:latin typeface="Times New Roman" panose="02020603050405020304" pitchFamily="18" charset="0"/>
@@ -4099,6 +4191,69 @@
       </p:sp>
       <p:sp>
         <p:nvSpPr>
+          <p:cNvPr id="3" name="Content Placeholder 2"/>
+          <p:cNvSpPr>
+            <a:spLocks noGrp="1"/>
+          </p:cNvSpPr>
+          <p:nvPr>
+            <p:ph idx="1"/>
+          </p:nvPr>
+        </p:nvSpPr>
+        <p:spPr/>
+        <p:txBody>
+          <a:bodyPr/>
+          <a:lstStyle/>
+          <a:p>
+            <a:r>
+              <a:rPr lang="en-US" dirty="0" smtClean="0">
+                <a:latin typeface="Times New Roman" panose="02020603050405020304" pitchFamily="18" charset="0"/>
+                <a:cs typeface="Times New Roman" panose="02020603050405020304" pitchFamily="18" charset="0"/>
+              </a:rPr>
+              <a:t>Higher </a:t>
+            </a:r>
+            <a:r>
+              <a:rPr lang="en-US" dirty="0">
+                <a:latin typeface="Times New Roman" panose="02020603050405020304" pitchFamily="18" charset="0"/>
+                <a:cs typeface="Times New Roman" panose="02020603050405020304" pitchFamily="18" charset="0"/>
+              </a:rPr>
+              <a:t>Reputation means Higher Exposure</a:t>
+            </a:r>
+            <a:r>
+              <a:rPr lang="en-US" dirty="0" smtClean="0">
+                <a:latin typeface="Times New Roman" panose="02020603050405020304" pitchFamily="18" charset="0"/>
+                <a:cs typeface="Times New Roman" panose="02020603050405020304" pitchFamily="18" charset="0"/>
+              </a:rPr>
+              <a:t>.[4]</a:t>
+            </a:r>
+            <a:endParaRPr lang="en-US" dirty="0">
+              <a:latin typeface="Times New Roman" panose="02020603050405020304" pitchFamily="18" charset="0"/>
+              <a:cs typeface="Times New Roman" panose="02020603050405020304" pitchFamily="18" charset="0"/>
+            </a:endParaRPr>
+          </a:p>
+          <a:p>
+            <a:r>
+              <a:rPr lang="en-US" dirty="0">
+                <a:latin typeface="Times New Roman" panose="02020603050405020304" pitchFamily="18" charset="0"/>
+                <a:cs typeface="Times New Roman" panose="02020603050405020304" pitchFamily="18" charset="0"/>
+              </a:rPr>
+              <a:t>GitHub Discussions faces challenges due to topic duplication with Issues, leading to confusion and redundancy</a:t>
+            </a:r>
+            <a:r>
+              <a:rPr lang="en-US" dirty="0" smtClean="0">
+                <a:latin typeface="Times New Roman" panose="02020603050405020304" pitchFamily="18" charset="0"/>
+                <a:cs typeface="Times New Roman" panose="02020603050405020304" pitchFamily="18" charset="0"/>
+              </a:rPr>
+              <a:t>.[5]</a:t>
+            </a:r>
+            <a:endParaRPr lang="en-US" dirty="0">
+              <a:latin typeface="Times New Roman" panose="02020603050405020304" pitchFamily="18" charset="0"/>
+              <a:cs typeface="Times New Roman" panose="02020603050405020304" pitchFamily="18" charset="0"/>
+            </a:endParaRPr>
+          </a:p>
+        </p:txBody>
+      </p:sp>
+      <p:sp>
+        <p:nvSpPr>
           <p:cNvPr id="4" name="Date Placeholder 3"/>
           <p:cNvSpPr>
             <a:spLocks noGrp="1"/>
@@ -4114,7 +4269,7 @@
           <a:p>
             <a:fld id="{61066859-9ABD-47EE-A13A-7683241B4E0D}" type="datetime1">
               <a:rPr lang="en-US" smtClean="0"/>
-              <a:t>6/3/2023</a:t>
+              <a:t>6/9/2023</a:t>
             </a:fld>
             <a:endParaRPr lang="en-US"/>
           </a:p>
@@ -4146,7 +4301,7 @@
     </p:spTree>
     <p:extLst>
       <p:ext uri="{BB962C8B-B14F-4D97-AF65-F5344CB8AC3E}">
-        <p14:creationId xmlns:p14="http://schemas.microsoft.com/office/powerpoint/2010/main" val="1911401906"/>
+        <p14:creationId xmlns:p14="http://schemas.microsoft.com/office/powerpoint/2010/main" val="2787508002"/>
       </p:ext>
     </p:extLst>
   </p:cSld>
@@ -4200,12 +4355,350 @@
                 <a:latin typeface="Times New Roman" panose="02020603050405020304" pitchFamily="18" charset="0"/>
                 <a:cs typeface="Times New Roman" panose="02020603050405020304" pitchFamily="18" charset="0"/>
               </a:rPr>
-              <a:t>Background</a:t>
+              <a:t>Proposed Methodology</a:t>
             </a:r>
             <a:endParaRPr lang="en-US" dirty="0">
               <a:latin typeface="Times New Roman" panose="02020603050405020304" pitchFamily="18" charset="0"/>
               <a:cs typeface="Times New Roman" panose="02020603050405020304" pitchFamily="18" charset="0"/>
             </a:endParaRPr>
+          </a:p>
+        </p:txBody>
+      </p:sp>
+      <p:sp>
+        <p:nvSpPr>
+          <p:cNvPr id="3" name="Content Placeholder 2"/>
+          <p:cNvSpPr>
+            <a:spLocks noGrp="1"/>
+          </p:cNvSpPr>
+          <p:nvPr>
+            <p:ph idx="1"/>
+          </p:nvPr>
+        </p:nvSpPr>
+        <p:spPr/>
+        <p:txBody>
+          <a:bodyPr>
+            <a:normAutofit/>
+          </a:bodyPr>
+          <a:lstStyle/>
+          <a:p>
+            <a:r>
+              <a:rPr lang="en-US" sz="3200" dirty="0" smtClean="0">
+                <a:latin typeface="Times New Roman" panose="02020603050405020304" pitchFamily="18" charset="0"/>
+                <a:cs typeface="Times New Roman" panose="02020603050405020304" pitchFamily="18" charset="0"/>
+              </a:rPr>
+              <a:t>Feasibility Study</a:t>
+            </a:r>
+          </a:p>
+          <a:p>
+            <a:pPr lvl="1"/>
+            <a:r>
+              <a:rPr lang="en-US" sz="2800" dirty="0" smtClean="0">
+                <a:latin typeface="Times New Roman" panose="02020603050405020304" pitchFamily="18" charset="0"/>
+                <a:cs typeface="Times New Roman" panose="02020603050405020304" pitchFamily="18" charset="0"/>
+              </a:rPr>
+              <a:t>Economic </a:t>
+            </a:r>
+            <a:r>
+              <a:rPr lang="en-US" sz="2800" dirty="0">
+                <a:latin typeface="Times New Roman" panose="02020603050405020304" pitchFamily="18" charset="0"/>
+                <a:cs typeface="Times New Roman" panose="02020603050405020304" pitchFamily="18" charset="0"/>
+              </a:rPr>
+              <a:t>Feasibility </a:t>
+            </a:r>
+            <a:endParaRPr lang="en-US" sz="2800" dirty="0" smtClean="0">
+              <a:latin typeface="Times New Roman" panose="02020603050405020304" pitchFamily="18" charset="0"/>
+              <a:cs typeface="Times New Roman" panose="02020603050405020304" pitchFamily="18" charset="0"/>
+            </a:endParaRPr>
+          </a:p>
+          <a:p>
+            <a:pPr lvl="1"/>
+            <a:r>
+              <a:rPr lang="en-US" sz="2800" dirty="0" smtClean="0">
+                <a:latin typeface="Times New Roman" panose="02020603050405020304" pitchFamily="18" charset="0"/>
+                <a:cs typeface="Times New Roman" panose="02020603050405020304" pitchFamily="18" charset="0"/>
+              </a:rPr>
+              <a:t>Technical Feasibility</a:t>
+            </a:r>
+          </a:p>
+          <a:p>
+            <a:pPr lvl="1"/>
+            <a:r>
+              <a:rPr lang="en-US" sz="2800" dirty="0">
+                <a:latin typeface="Times New Roman" panose="02020603050405020304" pitchFamily="18" charset="0"/>
+                <a:cs typeface="Times New Roman" panose="02020603050405020304" pitchFamily="18" charset="0"/>
+              </a:rPr>
+              <a:t>Operational Feasibility</a:t>
+            </a:r>
+            <a:endParaRPr lang="en-US" sz="2800" dirty="0" smtClean="0">
+              <a:latin typeface="Times New Roman" panose="02020603050405020304" pitchFamily="18" charset="0"/>
+              <a:cs typeface="Times New Roman" panose="02020603050405020304" pitchFamily="18" charset="0"/>
+            </a:endParaRPr>
+          </a:p>
+        </p:txBody>
+      </p:sp>
+      <p:sp>
+        <p:nvSpPr>
+          <p:cNvPr id="4" name="Date Placeholder 3"/>
+          <p:cNvSpPr>
+            <a:spLocks noGrp="1"/>
+          </p:cNvSpPr>
+          <p:nvPr>
+            <p:ph type="dt" sz="half" idx="10"/>
+          </p:nvPr>
+        </p:nvSpPr>
+        <p:spPr/>
+        <p:txBody>
+          <a:bodyPr/>
+          <a:lstStyle/>
+          <a:p>
+            <a:fld id="{61066859-9ABD-47EE-A13A-7683241B4E0D}" type="datetime1">
+              <a:rPr lang="en-US" smtClean="0"/>
+              <a:t>6/9/2023</a:t>
+            </a:fld>
+            <a:endParaRPr lang="en-US"/>
+          </a:p>
+        </p:txBody>
+      </p:sp>
+      <p:sp>
+        <p:nvSpPr>
+          <p:cNvPr id="5" name="Slide Number Placeholder 4"/>
+          <p:cNvSpPr>
+            <a:spLocks noGrp="1"/>
+          </p:cNvSpPr>
+          <p:nvPr>
+            <p:ph type="sldNum" sz="quarter" idx="12"/>
+          </p:nvPr>
+        </p:nvSpPr>
+        <p:spPr/>
+        <p:txBody>
+          <a:bodyPr/>
+          <a:lstStyle/>
+          <a:p>
+            <a:fld id="{EC5C04CC-AAE0-4DA8-BE54-D7078AB31EEA}" type="slidenum">
+              <a:rPr lang="en-US" smtClean="0"/>
+              <a:t>10</a:t>
+            </a:fld>
+            <a:endParaRPr lang="en-US"/>
+          </a:p>
+        </p:txBody>
+      </p:sp>
+    </p:spTree>
+    <p:extLst>
+      <p:ext uri="{BB962C8B-B14F-4D97-AF65-F5344CB8AC3E}">
+        <p14:creationId xmlns:p14="http://schemas.microsoft.com/office/powerpoint/2010/main" val="1282512683"/>
+      </p:ext>
+    </p:extLst>
+  </p:cSld>
+  <p:clrMapOvr>
+    <a:masterClrMapping/>
+  </p:clrMapOvr>
+  <p:timing>
+    <p:tnLst>
+      <p:par>
+        <p:cTn id="1" dur="indefinite" restart="never" nodeType="tmRoot"/>
+      </p:par>
+    </p:tnLst>
+  </p:timing>
+</p:sld>
+</file>
+
+<file path=ppt/slides/slide12.xml><?xml version="1.0" encoding="utf-8"?>
+<p:sld xmlns:a="http://schemas.openxmlformats.org/drawingml/2006/main" xmlns:r="http://schemas.openxmlformats.org/officeDocument/2006/relationships" xmlns:p="http://schemas.openxmlformats.org/presentationml/2006/main">
+  <p:cSld>
+    <p:spTree>
+      <p:nvGrpSpPr>
+        <p:cNvPr id="1" name=""/>
+        <p:cNvGrpSpPr/>
+        <p:nvPr/>
+      </p:nvGrpSpPr>
+      <p:grpSpPr>
+        <a:xfrm>
+          <a:off x="0" y="0"/>
+          <a:ext cx="0" cy="0"/>
+          <a:chOff x="0" y="0"/>
+          <a:chExt cx="0" cy="0"/>
+        </a:xfrm>
+      </p:grpSpPr>
+      <p:sp>
+        <p:nvSpPr>
+          <p:cNvPr id="2" name="Title 1"/>
+          <p:cNvSpPr>
+            <a:spLocks noGrp="1"/>
+          </p:cNvSpPr>
+          <p:nvPr>
+            <p:ph type="title"/>
+          </p:nvPr>
+        </p:nvSpPr>
+        <p:spPr/>
+        <p:txBody>
+          <a:bodyPr/>
+          <a:lstStyle/>
+          <a:p>
+            <a:r>
+              <a:rPr lang="en-US" dirty="0" smtClean="0">
+                <a:latin typeface="Times New Roman" panose="02020603050405020304" pitchFamily="18" charset="0"/>
+                <a:cs typeface="Times New Roman" panose="02020603050405020304" pitchFamily="18" charset="0"/>
+              </a:rPr>
+              <a:t>Iterative Model</a:t>
+            </a:r>
+            <a:endParaRPr lang="en-US" dirty="0">
+              <a:latin typeface="Times New Roman" panose="02020603050405020304" pitchFamily="18" charset="0"/>
+              <a:cs typeface="Times New Roman" panose="02020603050405020304" pitchFamily="18" charset="0"/>
+            </a:endParaRPr>
+          </a:p>
+        </p:txBody>
+      </p:sp>
+      <p:sp>
+        <p:nvSpPr>
+          <p:cNvPr id="4" name="Date Placeholder 3"/>
+          <p:cNvSpPr>
+            <a:spLocks noGrp="1"/>
+          </p:cNvSpPr>
+          <p:nvPr>
+            <p:ph type="dt" sz="half" idx="10"/>
+          </p:nvPr>
+        </p:nvSpPr>
+        <p:spPr/>
+        <p:txBody>
+          <a:bodyPr/>
+          <a:lstStyle/>
+          <a:p>
+            <a:fld id="{61066859-9ABD-47EE-A13A-7683241B4E0D}" type="datetime1">
+              <a:rPr lang="en-US" smtClean="0"/>
+              <a:t>6/9/2023</a:t>
+            </a:fld>
+            <a:endParaRPr lang="en-US"/>
+          </a:p>
+        </p:txBody>
+      </p:sp>
+      <p:sp>
+        <p:nvSpPr>
+          <p:cNvPr id="5" name="Slide Number Placeholder 4"/>
+          <p:cNvSpPr>
+            <a:spLocks noGrp="1"/>
+          </p:cNvSpPr>
+          <p:nvPr>
+            <p:ph type="sldNum" sz="quarter" idx="12"/>
+          </p:nvPr>
+        </p:nvSpPr>
+        <p:spPr/>
+        <p:txBody>
+          <a:bodyPr/>
+          <a:lstStyle/>
+          <a:p>
+            <a:fld id="{EC5C04CC-AAE0-4DA8-BE54-D7078AB31EEA}" type="slidenum">
+              <a:rPr lang="en-US" smtClean="0"/>
+              <a:t>11</a:t>
+            </a:fld>
+            <a:endParaRPr lang="en-US"/>
+          </a:p>
+        </p:txBody>
+      </p:sp>
+      <p:pic>
+        <p:nvPicPr>
+          <p:cNvPr id="2052" name="Picture 4" descr="Iterative Model (Software Engineering) - javatpoint"/>
+          <p:cNvPicPr>
+            <a:picLocks noGrp="1" noChangeAspect="1" noChangeArrowheads="1"/>
+          </p:cNvPicPr>
+          <p:nvPr>
+            <p:ph idx="1"/>
+          </p:nvPr>
+        </p:nvPicPr>
+        <p:blipFill>
+          <a:blip r:embed="rId2">
+            <a:extLst>
+              <a:ext uri="{28A0092B-C50C-407E-A947-70E740481C1C}">
+                <a14:useLocalDpi xmlns:a14="http://schemas.microsoft.com/office/drawing/2010/main" val="0"/>
+              </a:ext>
+            </a:extLst>
+          </a:blip>
+          <a:srcRect/>
+          <a:stretch>
+            <a:fillRect/>
+          </a:stretch>
+        </p:blipFill>
+        <p:spPr bwMode="auto">
+          <a:xfrm>
+            <a:off x="2999903" y="1690688"/>
+            <a:ext cx="5667525" cy="4229653"/>
+          </a:xfrm>
+          <a:prstGeom prst="rect">
+            <a:avLst/>
+          </a:prstGeom>
+          <a:noFill/>
+          <a:extLst>
+            <a:ext uri="{909E8E84-426E-40DD-AFC4-6F175D3DCCD1}">
+              <a14:hiddenFill xmlns:a14="http://schemas.microsoft.com/office/drawing/2010/main">
+                <a:solidFill>
+                  <a:srgbClr val="FFFFFF"/>
+                </a:solidFill>
+              </a14:hiddenFill>
+            </a:ext>
+          </a:extLst>
+        </p:spPr>
+      </p:pic>
+    </p:spTree>
+    <p:extLst>
+      <p:ext uri="{BB962C8B-B14F-4D97-AF65-F5344CB8AC3E}">
+        <p14:creationId xmlns:p14="http://schemas.microsoft.com/office/powerpoint/2010/main" val="3820559442"/>
+      </p:ext>
+    </p:extLst>
+  </p:cSld>
+  <p:clrMapOvr>
+    <a:masterClrMapping/>
+  </p:clrMapOvr>
+  <p:timing>
+    <p:tnLst>
+      <p:par>
+        <p:cTn id="1" dur="indefinite" restart="never" nodeType="tmRoot"/>
+      </p:par>
+    </p:tnLst>
+  </p:timing>
+</p:sld>
+</file>
+
+<file path=ppt/slides/slide13.xml><?xml version="1.0" encoding="utf-8"?>
+<p:sld xmlns:a="http://schemas.openxmlformats.org/drawingml/2006/main" xmlns:r="http://schemas.openxmlformats.org/officeDocument/2006/relationships" xmlns:p="http://schemas.openxmlformats.org/presentationml/2006/main">
+  <p:cSld>
+    <p:spTree>
+      <p:nvGrpSpPr>
+        <p:cNvPr id="1" name=""/>
+        <p:cNvGrpSpPr/>
+        <p:nvPr/>
+      </p:nvGrpSpPr>
+      <p:grpSpPr>
+        <a:xfrm>
+          <a:off x="0" y="0"/>
+          <a:ext cx="0" cy="0"/>
+          <a:chOff x="0" y="0"/>
+          <a:chExt cx="0" cy="0"/>
+        </a:xfrm>
+      </p:grpSpPr>
+      <p:sp>
+        <p:nvSpPr>
+          <p:cNvPr id="2" name="Title 1"/>
+          <p:cNvSpPr>
+            <a:spLocks noGrp="1"/>
+          </p:cNvSpPr>
+          <p:nvPr>
+            <p:ph type="title"/>
+          </p:nvPr>
+        </p:nvSpPr>
+        <p:spPr/>
+        <p:txBody>
+          <a:bodyPr/>
+          <a:lstStyle/>
+          <a:p>
+            <a:r>
+              <a:rPr lang="en-US" dirty="0" smtClean="0">
+                <a:latin typeface="Times New Roman"/>
+                <a:ea typeface="Times New Roman"/>
+                <a:cs typeface="Times New Roman"/>
+                <a:sym typeface="Times New Roman"/>
+              </a:rPr>
+              <a:t>Functional Requirements</a:t>
+            </a:r>
+            <a:endParaRPr lang="en-US" dirty="0"/>
           </a:p>
         </p:txBody>
       </p:sp>
@@ -4226,16 +4719,1094 @@
           </a:xfrm>
         </p:spPr>
         <p:txBody>
-          <a:bodyPr/>
-          <a:lstStyle/>
-          <a:p>
-            <a:pPr algn="just"/>
+          <a:bodyPr>
+            <a:normAutofit/>
+          </a:bodyPr>
+          <a:lstStyle/>
+          <a:p>
+            <a:pPr marL="457200" lvl="0" indent="-368300">
+              <a:buSzPts val="2200"/>
+              <a:buFont typeface="Times New Roman"/>
+              <a:buChar char="•"/>
+            </a:pPr>
+            <a:r>
+              <a:rPr lang="en-US" dirty="0">
+                <a:latin typeface="Times New Roman"/>
+                <a:ea typeface="Times New Roman"/>
+                <a:cs typeface="Times New Roman"/>
+                <a:sym typeface="Times New Roman"/>
+              </a:rPr>
+              <a:t>User Registration/Login</a:t>
+            </a:r>
+          </a:p>
+          <a:p>
+            <a:pPr marL="457200" lvl="0" indent="-368300">
+              <a:spcBef>
+                <a:spcPts val="0"/>
+              </a:spcBef>
+              <a:buSzPts val="2200"/>
+              <a:buFont typeface="Times New Roman"/>
+              <a:buChar char="•"/>
+            </a:pPr>
+            <a:r>
+              <a:rPr lang="en-US" dirty="0" smtClean="0">
+                <a:latin typeface="Times New Roman"/>
+                <a:ea typeface="Times New Roman"/>
+                <a:cs typeface="Times New Roman"/>
+                <a:sym typeface="Times New Roman"/>
+              </a:rPr>
+              <a:t>User </a:t>
+            </a:r>
+            <a:r>
+              <a:rPr lang="en-US" dirty="0">
+                <a:latin typeface="Times New Roman"/>
+                <a:ea typeface="Times New Roman"/>
+                <a:cs typeface="Times New Roman"/>
+                <a:sym typeface="Times New Roman"/>
+              </a:rPr>
+              <a:t>Profile Management</a:t>
+            </a:r>
+          </a:p>
+          <a:p>
+            <a:pPr marL="457200" lvl="0" indent="-368300">
+              <a:spcBef>
+                <a:spcPts val="0"/>
+              </a:spcBef>
+              <a:buSzPts val="2200"/>
+              <a:buFont typeface="Times New Roman"/>
+              <a:buChar char="•"/>
+            </a:pPr>
+            <a:r>
+              <a:rPr lang="en-US" dirty="0" smtClean="0">
+                <a:latin typeface="Times New Roman"/>
+                <a:ea typeface="Times New Roman"/>
+                <a:cs typeface="Times New Roman"/>
+                <a:sym typeface="Times New Roman"/>
+              </a:rPr>
+              <a:t>Connection </a:t>
+            </a:r>
+            <a:r>
+              <a:rPr lang="en-US" dirty="0">
+                <a:latin typeface="Times New Roman"/>
+                <a:ea typeface="Times New Roman"/>
+                <a:cs typeface="Times New Roman"/>
+                <a:sym typeface="Times New Roman"/>
+              </a:rPr>
+              <a:t>Management</a:t>
+            </a:r>
+          </a:p>
+          <a:p>
+            <a:pPr marL="457200" lvl="0" indent="-368300">
+              <a:spcBef>
+                <a:spcPts val="0"/>
+              </a:spcBef>
+              <a:buSzPts val="2200"/>
+              <a:buFont typeface="Times New Roman"/>
+              <a:buChar char="•"/>
+            </a:pPr>
+            <a:r>
+              <a:rPr lang="en-US" dirty="0" smtClean="0">
+                <a:latin typeface="Times New Roman"/>
+                <a:ea typeface="Times New Roman"/>
+                <a:cs typeface="Times New Roman"/>
+                <a:sym typeface="Times New Roman"/>
+              </a:rPr>
+              <a:t>Discussion/News </a:t>
+            </a:r>
+            <a:r>
+              <a:rPr lang="en-US" dirty="0">
+                <a:latin typeface="Times New Roman"/>
+                <a:ea typeface="Times New Roman"/>
+                <a:cs typeface="Times New Roman"/>
+                <a:sym typeface="Times New Roman"/>
+              </a:rPr>
+              <a:t>Feed</a:t>
+            </a:r>
+          </a:p>
+          <a:p>
+            <a:pPr marL="457200" lvl="0" indent="-368300">
+              <a:spcBef>
+                <a:spcPts val="0"/>
+              </a:spcBef>
+              <a:buSzPts val="2200"/>
+              <a:buFont typeface="Times New Roman"/>
+              <a:buChar char="•"/>
+            </a:pPr>
+            <a:r>
+              <a:rPr lang="en-US" dirty="0" smtClean="0">
+                <a:latin typeface="Times New Roman"/>
+                <a:ea typeface="Times New Roman"/>
+                <a:cs typeface="Times New Roman"/>
+                <a:sym typeface="Times New Roman"/>
+              </a:rPr>
+              <a:t>Messaging</a:t>
+            </a:r>
+            <a:endParaRPr lang="en-US" dirty="0">
+              <a:latin typeface="Times New Roman"/>
+              <a:ea typeface="Times New Roman"/>
+              <a:cs typeface="Times New Roman"/>
+              <a:sym typeface="Times New Roman"/>
+            </a:endParaRPr>
+          </a:p>
+          <a:p>
+            <a:pPr marL="457200" lvl="0" indent="-368300">
+              <a:spcBef>
+                <a:spcPts val="0"/>
+              </a:spcBef>
+              <a:buSzPts val="2200"/>
+              <a:buFont typeface="Times New Roman"/>
+              <a:buChar char="•"/>
+            </a:pPr>
+            <a:r>
+              <a:rPr lang="en-US" dirty="0" smtClean="0">
+                <a:latin typeface="Times New Roman"/>
+                <a:ea typeface="Times New Roman"/>
+                <a:cs typeface="Times New Roman"/>
+                <a:sym typeface="Times New Roman"/>
+              </a:rPr>
+              <a:t>Notifications</a:t>
+            </a:r>
+            <a:endParaRPr lang="en-US" dirty="0">
+              <a:latin typeface="Times New Roman"/>
+              <a:ea typeface="Times New Roman"/>
+              <a:cs typeface="Times New Roman"/>
+              <a:sym typeface="Times New Roman"/>
+            </a:endParaRPr>
+          </a:p>
+          <a:p>
+            <a:pPr marL="0" lvl="0" indent="0">
+              <a:buClr>
+                <a:schemeClr val="dk1"/>
+              </a:buClr>
+              <a:buSzPts val="1100"/>
+              <a:buNone/>
+            </a:pPr>
+            <a:endParaRPr lang="en-US" dirty="0">
+              <a:latin typeface="Times New Roman"/>
+              <a:ea typeface="Times New Roman"/>
+              <a:cs typeface="Times New Roman"/>
+              <a:sym typeface="Times New Roman"/>
+            </a:endParaRPr>
+          </a:p>
+          <a:p>
+            <a:pPr marL="0" lvl="0" indent="0">
+              <a:buClr>
+                <a:schemeClr val="dk1"/>
+              </a:buClr>
+              <a:buSzPts val="1100"/>
+              <a:buNone/>
+            </a:pPr>
+            <a:endParaRPr lang="en-US" dirty="0">
+              <a:latin typeface="Times New Roman"/>
+              <a:ea typeface="Times New Roman"/>
+              <a:cs typeface="Times New Roman"/>
+              <a:sym typeface="Times New Roman"/>
+            </a:endParaRPr>
+          </a:p>
+          <a:p>
+            <a:pPr marL="0" lvl="0" indent="0">
+              <a:buNone/>
+            </a:pPr>
+            <a:endParaRPr lang="en-US" dirty="0">
+              <a:latin typeface="Times New Roman"/>
+              <a:ea typeface="Times New Roman"/>
+              <a:cs typeface="Times New Roman"/>
+              <a:sym typeface="Times New Roman"/>
+            </a:endParaRPr>
+          </a:p>
+          <a:p>
+            <a:endParaRPr lang="en-US" sz="3600" dirty="0"/>
+          </a:p>
+        </p:txBody>
+      </p:sp>
+      <p:sp>
+        <p:nvSpPr>
+          <p:cNvPr id="4" name="Date Placeholder 3"/>
+          <p:cNvSpPr>
+            <a:spLocks noGrp="1"/>
+          </p:cNvSpPr>
+          <p:nvPr>
+            <p:ph type="dt" sz="half" idx="10"/>
+          </p:nvPr>
+        </p:nvSpPr>
+        <p:spPr/>
+        <p:txBody>
+          <a:bodyPr/>
+          <a:lstStyle/>
+          <a:p>
+            <a:fld id="{61066859-9ABD-47EE-A13A-7683241B4E0D}" type="datetime1">
+              <a:rPr lang="en-US" smtClean="0"/>
+              <a:t>6/9/2023</a:t>
+            </a:fld>
+            <a:endParaRPr lang="en-US"/>
+          </a:p>
+        </p:txBody>
+      </p:sp>
+      <p:sp>
+        <p:nvSpPr>
+          <p:cNvPr id="5" name="Slide Number Placeholder 4"/>
+          <p:cNvSpPr>
+            <a:spLocks noGrp="1"/>
+          </p:cNvSpPr>
+          <p:nvPr>
+            <p:ph type="sldNum" sz="quarter" idx="12"/>
+          </p:nvPr>
+        </p:nvSpPr>
+        <p:spPr/>
+        <p:txBody>
+          <a:bodyPr/>
+          <a:lstStyle/>
+          <a:p>
+            <a:fld id="{EC5C04CC-AAE0-4DA8-BE54-D7078AB31EEA}" type="slidenum">
+              <a:rPr lang="en-US" smtClean="0"/>
+              <a:t>12</a:t>
+            </a:fld>
+            <a:endParaRPr lang="en-US"/>
+          </a:p>
+        </p:txBody>
+      </p:sp>
+    </p:spTree>
+    <p:extLst>
+      <p:ext uri="{BB962C8B-B14F-4D97-AF65-F5344CB8AC3E}">
+        <p14:creationId xmlns:p14="http://schemas.microsoft.com/office/powerpoint/2010/main" val="1200180017"/>
+      </p:ext>
+    </p:extLst>
+  </p:cSld>
+  <p:clrMapOvr>
+    <a:masterClrMapping/>
+  </p:clrMapOvr>
+  <p:timing>
+    <p:tnLst>
+      <p:par>
+        <p:cTn id="1" dur="indefinite" restart="never" nodeType="tmRoot"/>
+      </p:par>
+    </p:tnLst>
+  </p:timing>
+</p:sld>
+</file>
+
+<file path=ppt/slides/slide14.xml><?xml version="1.0" encoding="utf-8"?>
+<p:sld xmlns:a="http://schemas.openxmlformats.org/drawingml/2006/main" xmlns:r="http://schemas.openxmlformats.org/officeDocument/2006/relationships" xmlns:p="http://schemas.openxmlformats.org/presentationml/2006/main">
+  <p:cSld>
+    <p:spTree>
+      <p:nvGrpSpPr>
+        <p:cNvPr id="1" name=""/>
+        <p:cNvGrpSpPr/>
+        <p:nvPr/>
+      </p:nvGrpSpPr>
+      <p:grpSpPr>
+        <a:xfrm>
+          <a:off x="0" y="0"/>
+          <a:ext cx="0" cy="0"/>
+          <a:chOff x="0" y="0"/>
+          <a:chExt cx="0" cy="0"/>
+        </a:xfrm>
+      </p:grpSpPr>
+      <p:sp>
+        <p:nvSpPr>
+          <p:cNvPr id="2" name="Title 1"/>
+          <p:cNvSpPr>
+            <a:spLocks noGrp="1"/>
+          </p:cNvSpPr>
+          <p:nvPr>
+            <p:ph type="title"/>
+          </p:nvPr>
+        </p:nvSpPr>
+        <p:spPr/>
+        <p:txBody>
+          <a:bodyPr/>
+          <a:lstStyle/>
+          <a:p>
+            <a:r>
+              <a:rPr lang="en-US" dirty="0" smtClean="0">
+                <a:latin typeface="Times New Roman"/>
+                <a:ea typeface="Times New Roman"/>
+                <a:cs typeface="Times New Roman"/>
+                <a:sym typeface="Times New Roman"/>
+              </a:rPr>
+              <a:t>Non Functional Requirements</a:t>
+            </a:r>
+            <a:endParaRPr lang="en-US" dirty="0"/>
+          </a:p>
+        </p:txBody>
+      </p:sp>
+      <p:sp>
+        <p:nvSpPr>
+          <p:cNvPr id="3" name="Content Placeholder 2"/>
+          <p:cNvSpPr>
+            <a:spLocks noGrp="1"/>
+          </p:cNvSpPr>
+          <p:nvPr>
+            <p:ph idx="1"/>
+          </p:nvPr>
+        </p:nvSpPr>
+        <p:spPr>
+          <a:xfrm>
+            <a:off x="838200" y="1690688"/>
+            <a:ext cx="10515600" cy="4351338"/>
+          </a:xfrm>
+        </p:spPr>
+        <p:txBody>
+          <a:bodyPr>
+            <a:normAutofit/>
+          </a:bodyPr>
+          <a:lstStyle/>
+          <a:p>
+            <a:r>
+              <a:rPr lang="en-US" dirty="0" smtClean="0">
+                <a:latin typeface="Times New Roman" panose="02020603050405020304" pitchFamily="18" charset="0"/>
+                <a:cs typeface="Times New Roman" panose="02020603050405020304" pitchFamily="18" charset="0"/>
+              </a:rPr>
+              <a:t>Performance</a:t>
+            </a:r>
+          </a:p>
+          <a:p>
+            <a:r>
+              <a:rPr lang="en-US" dirty="0" smtClean="0">
+                <a:latin typeface="Times New Roman" panose="02020603050405020304" pitchFamily="18" charset="0"/>
+                <a:cs typeface="Times New Roman" panose="02020603050405020304" pitchFamily="18" charset="0"/>
+              </a:rPr>
+              <a:t>Authentication Security</a:t>
+            </a:r>
+            <a:endParaRPr lang="en-US" dirty="0">
+              <a:latin typeface="Times New Roman" panose="02020603050405020304" pitchFamily="18" charset="0"/>
+              <a:cs typeface="Times New Roman" panose="02020603050405020304" pitchFamily="18" charset="0"/>
+            </a:endParaRPr>
+          </a:p>
+          <a:p>
+            <a:r>
+              <a:rPr lang="en-US" dirty="0" smtClean="0">
+                <a:latin typeface="Times New Roman" panose="02020603050405020304" pitchFamily="18" charset="0"/>
+                <a:cs typeface="Times New Roman" panose="02020603050405020304" pitchFamily="18" charset="0"/>
+              </a:rPr>
+              <a:t>Better UX design</a:t>
+            </a:r>
+          </a:p>
+          <a:p>
+            <a:r>
+              <a:rPr lang="en-US" dirty="0" smtClean="0">
+                <a:latin typeface="Times New Roman" panose="02020603050405020304" pitchFamily="18" charset="0"/>
+                <a:cs typeface="Times New Roman" panose="02020603050405020304" pitchFamily="18" charset="0"/>
+              </a:rPr>
+              <a:t>Responsive Site</a:t>
+            </a:r>
+            <a:endParaRPr lang="en-US" dirty="0">
+              <a:latin typeface="Times New Roman" panose="02020603050405020304" pitchFamily="18" charset="0"/>
+              <a:cs typeface="Times New Roman" panose="02020603050405020304" pitchFamily="18" charset="0"/>
+            </a:endParaRPr>
+          </a:p>
+        </p:txBody>
+      </p:sp>
+      <p:sp>
+        <p:nvSpPr>
+          <p:cNvPr id="4" name="Date Placeholder 3"/>
+          <p:cNvSpPr>
+            <a:spLocks noGrp="1"/>
+          </p:cNvSpPr>
+          <p:nvPr>
+            <p:ph type="dt" sz="half" idx="10"/>
+          </p:nvPr>
+        </p:nvSpPr>
+        <p:spPr/>
+        <p:txBody>
+          <a:bodyPr/>
+          <a:lstStyle/>
+          <a:p>
+            <a:fld id="{61066859-9ABD-47EE-A13A-7683241B4E0D}" type="datetime1">
+              <a:rPr lang="en-US" smtClean="0"/>
+              <a:t>6/9/2023</a:t>
+            </a:fld>
+            <a:endParaRPr lang="en-US"/>
+          </a:p>
+        </p:txBody>
+      </p:sp>
+      <p:sp>
+        <p:nvSpPr>
+          <p:cNvPr id="5" name="Slide Number Placeholder 4"/>
+          <p:cNvSpPr>
+            <a:spLocks noGrp="1"/>
+          </p:cNvSpPr>
+          <p:nvPr>
+            <p:ph type="sldNum" sz="quarter" idx="12"/>
+          </p:nvPr>
+        </p:nvSpPr>
+        <p:spPr/>
+        <p:txBody>
+          <a:bodyPr/>
+          <a:lstStyle/>
+          <a:p>
+            <a:fld id="{EC5C04CC-AAE0-4DA8-BE54-D7078AB31EEA}" type="slidenum">
+              <a:rPr lang="en-US" smtClean="0"/>
+              <a:t>13</a:t>
+            </a:fld>
+            <a:endParaRPr lang="en-US"/>
+          </a:p>
+        </p:txBody>
+      </p:sp>
+    </p:spTree>
+    <p:extLst>
+      <p:ext uri="{BB962C8B-B14F-4D97-AF65-F5344CB8AC3E}">
+        <p14:creationId xmlns:p14="http://schemas.microsoft.com/office/powerpoint/2010/main" val="765413004"/>
+      </p:ext>
+    </p:extLst>
+  </p:cSld>
+  <p:clrMapOvr>
+    <a:masterClrMapping/>
+  </p:clrMapOvr>
+  <p:timing>
+    <p:tnLst>
+      <p:par>
+        <p:cTn id="1" dur="indefinite" restart="never" nodeType="tmRoot"/>
+      </p:par>
+    </p:tnLst>
+  </p:timing>
+</p:sld>
+</file>
+
+<file path=ppt/slides/slide15.xml><?xml version="1.0" encoding="utf-8"?>
+<p:sld xmlns:a="http://schemas.openxmlformats.org/drawingml/2006/main" xmlns:r="http://schemas.openxmlformats.org/officeDocument/2006/relationships" xmlns:p="http://schemas.openxmlformats.org/presentationml/2006/main">
+  <p:cSld>
+    <p:spTree>
+      <p:nvGrpSpPr>
+        <p:cNvPr id="1" name=""/>
+        <p:cNvGrpSpPr/>
+        <p:nvPr/>
+      </p:nvGrpSpPr>
+      <p:grpSpPr>
+        <a:xfrm>
+          <a:off x="0" y="0"/>
+          <a:ext cx="0" cy="0"/>
+          <a:chOff x="0" y="0"/>
+          <a:chExt cx="0" cy="0"/>
+        </a:xfrm>
+      </p:grpSpPr>
+      <p:sp>
+        <p:nvSpPr>
+          <p:cNvPr id="2" name="Title 1"/>
+          <p:cNvSpPr>
+            <a:spLocks noGrp="1"/>
+          </p:cNvSpPr>
+          <p:nvPr>
+            <p:ph type="title"/>
+          </p:nvPr>
+        </p:nvSpPr>
+        <p:spPr/>
+        <p:txBody>
+          <a:bodyPr/>
+          <a:lstStyle/>
+          <a:p>
+            <a:r>
+              <a:rPr lang="en-US" dirty="0" smtClean="0">
+                <a:latin typeface="Times New Roman" panose="02020603050405020304" pitchFamily="18" charset="0"/>
+                <a:cs typeface="Times New Roman" panose="02020603050405020304" pitchFamily="18" charset="0"/>
+              </a:rPr>
+              <a:t>System Design (Architecture)</a:t>
+            </a:r>
+            <a:endParaRPr lang="en-US" dirty="0">
+              <a:latin typeface="Times New Roman" panose="02020603050405020304" pitchFamily="18" charset="0"/>
+              <a:cs typeface="Times New Roman" panose="02020603050405020304" pitchFamily="18" charset="0"/>
+            </a:endParaRPr>
+          </a:p>
+        </p:txBody>
+      </p:sp>
+      <p:pic>
+        <p:nvPicPr>
+          <p:cNvPr id="6" name="Content Placeholder 5"/>
+          <p:cNvPicPr>
+            <a:picLocks noGrp="1" noChangeAspect="1"/>
+          </p:cNvPicPr>
+          <p:nvPr>
+            <p:ph idx="1"/>
+          </p:nvPr>
+        </p:nvPicPr>
+        <p:blipFill>
+          <a:blip r:embed="rId2">
+            <a:extLst>
+              <a:ext uri="{28A0092B-C50C-407E-A947-70E740481C1C}">
+                <a14:useLocalDpi xmlns:a14="http://schemas.microsoft.com/office/drawing/2010/main" val="0"/>
+              </a:ext>
+            </a:extLst>
+          </a:blip>
+          <a:stretch>
+            <a:fillRect/>
+          </a:stretch>
+        </p:blipFill>
+        <p:spPr>
+          <a:xfrm>
+            <a:off x="2878591" y="1968759"/>
+            <a:ext cx="6129812" cy="3370797"/>
+          </a:xfrm>
+        </p:spPr>
+      </p:pic>
+      <p:sp>
+        <p:nvSpPr>
+          <p:cNvPr id="4" name="Date Placeholder 3"/>
+          <p:cNvSpPr>
+            <a:spLocks noGrp="1"/>
+          </p:cNvSpPr>
+          <p:nvPr>
+            <p:ph type="dt" sz="half" idx="10"/>
+          </p:nvPr>
+        </p:nvSpPr>
+        <p:spPr/>
+        <p:txBody>
+          <a:bodyPr/>
+          <a:lstStyle/>
+          <a:p>
+            <a:fld id="{61066859-9ABD-47EE-A13A-7683241B4E0D}" type="datetime1">
+              <a:rPr lang="en-US" smtClean="0"/>
+              <a:t>6/9/2023</a:t>
+            </a:fld>
+            <a:endParaRPr lang="en-US"/>
+          </a:p>
+        </p:txBody>
+      </p:sp>
+      <p:sp>
+        <p:nvSpPr>
+          <p:cNvPr id="5" name="Slide Number Placeholder 4"/>
+          <p:cNvSpPr>
+            <a:spLocks noGrp="1"/>
+          </p:cNvSpPr>
+          <p:nvPr>
+            <p:ph type="sldNum" sz="quarter" idx="12"/>
+          </p:nvPr>
+        </p:nvSpPr>
+        <p:spPr/>
+        <p:txBody>
+          <a:bodyPr/>
+          <a:lstStyle/>
+          <a:p>
+            <a:fld id="{EC5C04CC-AAE0-4DA8-BE54-D7078AB31EEA}" type="slidenum">
+              <a:rPr lang="en-US" smtClean="0"/>
+              <a:t>14</a:t>
+            </a:fld>
+            <a:endParaRPr lang="en-US"/>
+          </a:p>
+        </p:txBody>
+      </p:sp>
+    </p:spTree>
+    <p:extLst>
+      <p:ext uri="{BB962C8B-B14F-4D97-AF65-F5344CB8AC3E}">
+        <p14:creationId xmlns:p14="http://schemas.microsoft.com/office/powerpoint/2010/main" val="3023833490"/>
+      </p:ext>
+    </p:extLst>
+  </p:cSld>
+  <p:clrMapOvr>
+    <a:masterClrMapping/>
+  </p:clrMapOvr>
+  <p:timing>
+    <p:tnLst>
+      <p:par>
+        <p:cTn id="1" dur="indefinite" restart="never" nodeType="tmRoot"/>
+      </p:par>
+    </p:tnLst>
+  </p:timing>
+</p:sld>
+</file>
+
+<file path=ppt/slides/slide16.xml><?xml version="1.0" encoding="utf-8"?>
+<p:sld xmlns:a="http://schemas.openxmlformats.org/drawingml/2006/main" xmlns:r="http://schemas.openxmlformats.org/officeDocument/2006/relationships" xmlns:p="http://schemas.openxmlformats.org/presentationml/2006/main">
+  <p:cSld>
+    <p:spTree>
+      <p:nvGrpSpPr>
+        <p:cNvPr id="1" name=""/>
+        <p:cNvGrpSpPr/>
+        <p:nvPr/>
+      </p:nvGrpSpPr>
+      <p:grpSpPr>
+        <a:xfrm>
+          <a:off x="0" y="0"/>
+          <a:ext cx="0" cy="0"/>
+          <a:chOff x="0" y="0"/>
+          <a:chExt cx="0" cy="0"/>
+        </a:xfrm>
+      </p:grpSpPr>
+      <p:sp>
+        <p:nvSpPr>
+          <p:cNvPr id="2" name="Title 1"/>
+          <p:cNvSpPr>
+            <a:spLocks noGrp="1"/>
+          </p:cNvSpPr>
+          <p:nvPr>
+            <p:ph type="title"/>
+          </p:nvPr>
+        </p:nvSpPr>
+        <p:spPr/>
+        <p:txBody>
+          <a:bodyPr/>
+          <a:lstStyle/>
+          <a:p>
             <a:r>
               <a:rPr lang="en-US" dirty="0">
                 <a:latin typeface="Times New Roman" panose="02020603050405020304" pitchFamily="18" charset="0"/>
                 <a:cs typeface="Times New Roman" panose="02020603050405020304" pitchFamily="18" charset="0"/>
               </a:rPr>
-              <a:t>The project was conceptualized based on personal experiences as an IT enthusiast and interactions with other professionals in the field. </a:t>
+              <a:t>System Design </a:t>
+            </a:r>
+            <a:r>
+              <a:rPr lang="en-US" dirty="0" smtClean="0">
+                <a:latin typeface="Times New Roman" panose="02020603050405020304" pitchFamily="18" charset="0"/>
+                <a:cs typeface="Times New Roman" panose="02020603050405020304" pitchFamily="18" charset="0"/>
+              </a:rPr>
+              <a:t>(Activity Diagram)</a:t>
+            </a:r>
+            <a:endParaRPr lang="en-US" dirty="0"/>
+          </a:p>
+        </p:txBody>
+      </p:sp>
+      <p:pic>
+        <p:nvPicPr>
+          <p:cNvPr id="6" name="Content Placeholder 5"/>
+          <p:cNvPicPr>
+            <a:picLocks noGrp="1" noChangeAspect="1"/>
+          </p:cNvPicPr>
+          <p:nvPr>
+            <p:ph idx="1"/>
+          </p:nvPr>
+        </p:nvPicPr>
+        <p:blipFill>
+          <a:blip r:embed="rId2" cstate="print">
+            <a:extLst>
+              <a:ext uri="{28A0092B-C50C-407E-A947-70E740481C1C}">
+                <a14:useLocalDpi xmlns:a14="http://schemas.microsoft.com/office/drawing/2010/main" val="0"/>
+              </a:ext>
+            </a:extLst>
+          </a:blip>
+          <a:stretch>
+            <a:fillRect/>
+          </a:stretch>
+        </p:blipFill>
+        <p:spPr>
+          <a:xfrm>
+            <a:off x="4282750" y="1201011"/>
+            <a:ext cx="3747297" cy="5520464"/>
+          </a:xfrm>
+        </p:spPr>
+      </p:pic>
+      <p:sp>
+        <p:nvSpPr>
+          <p:cNvPr id="4" name="Date Placeholder 3"/>
+          <p:cNvSpPr>
+            <a:spLocks noGrp="1"/>
+          </p:cNvSpPr>
+          <p:nvPr>
+            <p:ph type="dt" sz="half" idx="10"/>
+          </p:nvPr>
+        </p:nvSpPr>
+        <p:spPr/>
+        <p:txBody>
+          <a:bodyPr/>
+          <a:lstStyle/>
+          <a:p>
+            <a:fld id="{61066859-9ABD-47EE-A13A-7683241B4E0D}" type="datetime1">
+              <a:rPr lang="en-US" smtClean="0"/>
+              <a:t>6/9/2023</a:t>
+            </a:fld>
+            <a:endParaRPr lang="en-US"/>
+          </a:p>
+        </p:txBody>
+      </p:sp>
+      <p:sp>
+        <p:nvSpPr>
+          <p:cNvPr id="5" name="Slide Number Placeholder 4"/>
+          <p:cNvSpPr>
+            <a:spLocks noGrp="1"/>
+          </p:cNvSpPr>
+          <p:nvPr>
+            <p:ph type="sldNum" sz="quarter" idx="12"/>
+          </p:nvPr>
+        </p:nvSpPr>
+        <p:spPr/>
+        <p:txBody>
+          <a:bodyPr/>
+          <a:lstStyle/>
+          <a:p>
+            <a:fld id="{EC5C04CC-AAE0-4DA8-BE54-D7078AB31EEA}" type="slidenum">
+              <a:rPr lang="en-US" smtClean="0"/>
+              <a:t>15</a:t>
+            </a:fld>
+            <a:endParaRPr lang="en-US"/>
+          </a:p>
+        </p:txBody>
+      </p:sp>
+    </p:spTree>
+    <p:extLst>
+      <p:ext uri="{BB962C8B-B14F-4D97-AF65-F5344CB8AC3E}">
+        <p14:creationId xmlns:p14="http://schemas.microsoft.com/office/powerpoint/2010/main" val="2706015600"/>
+      </p:ext>
+    </p:extLst>
+  </p:cSld>
+  <p:clrMapOvr>
+    <a:masterClrMapping/>
+  </p:clrMapOvr>
+  <p:timing>
+    <p:tnLst>
+      <p:par>
+        <p:cTn id="1" dur="indefinite" restart="never" nodeType="tmRoot"/>
+      </p:par>
+    </p:tnLst>
+  </p:timing>
+</p:sld>
+</file>
+
+<file path=ppt/slides/slide17.xml><?xml version="1.0" encoding="utf-8"?>
+<p:sld xmlns:a="http://schemas.openxmlformats.org/drawingml/2006/main" xmlns:r="http://schemas.openxmlformats.org/officeDocument/2006/relationships" xmlns:p="http://schemas.openxmlformats.org/presentationml/2006/main">
+  <p:cSld>
+    <p:spTree>
+      <p:nvGrpSpPr>
+        <p:cNvPr id="1" name=""/>
+        <p:cNvGrpSpPr/>
+        <p:nvPr/>
+      </p:nvGrpSpPr>
+      <p:grpSpPr>
+        <a:xfrm>
+          <a:off x="0" y="0"/>
+          <a:ext cx="0" cy="0"/>
+          <a:chOff x="0" y="0"/>
+          <a:chExt cx="0" cy="0"/>
+        </a:xfrm>
+      </p:grpSpPr>
+      <p:sp>
+        <p:nvSpPr>
+          <p:cNvPr id="2" name="Title 1"/>
+          <p:cNvSpPr>
+            <a:spLocks noGrp="1"/>
+          </p:cNvSpPr>
+          <p:nvPr>
+            <p:ph type="title"/>
+          </p:nvPr>
+        </p:nvSpPr>
+        <p:spPr/>
+        <p:txBody>
+          <a:bodyPr/>
+          <a:lstStyle/>
+          <a:p>
+            <a:r>
+              <a:rPr lang="en-US" dirty="0" smtClean="0">
+                <a:latin typeface="Times New Roman" panose="02020603050405020304" pitchFamily="18" charset="0"/>
+                <a:cs typeface="Times New Roman" panose="02020603050405020304" pitchFamily="18" charset="0"/>
+              </a:rPr>
+              <a:t>ER Diagram</a:t>
+            </a:r>
+            <a:endParaRPr lang="en-US" dirty="0">
+              <a:latin typeface="Times New Roman" panose="02020603050405020304" pitchFamily="18" charset="0"/>
+              <a:cs typeface="Times New Roman" panose="02020603050405020304" pitchFamily="18" charset="0"/>
+            </a:endParaRPr>
+          </a:p>
+        </p:txBody>
+      </p:sp>
+      <p:pic>
+        <p:nvPicPr>
+          <p:cNvPr id="6" name="Content Placeholder 5"/>
+          <p:cNvPicPr>
+            <a:picLocks noGrp="1" noChangeAspect="1"/>
+          </p:cNvPicPr>
+          <p:nvPr>
+            <p:ph idx="1"/>
+          </p:nvPr>
+        </p:nvPicPr>
+        <p:blipFill>
+          <a:blip r:embed="rId2">
+            <a:extLst>
+              <a:ext uri="{28A0092B-C50C-407E-A947-70E740481C1C}">
+                <a14:useLocalDpi xmlns:a14="http://schemas.microsoft.com/office/drawing/2010/main" val="0"/>
+              </a:ext>
+            </a:extLst>
+          </a:blip>
+          <a:stretch>
+            <a:fillRect/>
+          </a:stretch>
+        </p:blipFill>
+        <p:spPr>
+          <a:xfrm>
+            <a:off x="1782148" y="1307811"/>
+            <a:ext cx="8770774" cy="4869152"/>
+          </a:xfrm>
+        </p:spPr>
+      </p:pic>
+      <p:sp>
+        <p:nvSpPr>
+          <p:cNvPr id="4" name="Date Placeholder 3"/>
+          <p:cNvSpPr>
+            <a:spLocks noGrp="1"/>
+          </p:cNvSpPr>
+          <p:nvPr>
+            <p:ph type="dt" sz="half" idx="10"/>
+          </p:nvPr>
+        </p:nvSpPr>
+        <p:spPr/>
+        <p:txBody>
+          <a:bodyPr/>
+          <a:lstStyle/>
+          <a:p>
+            <a:fld id="{61066859-9ABD-47EE-A13A-7683241B4E0D}" type="datetime1">
+              <a:rPr lang="en-US" smtClean="0"/>
+              <a:t>6/9/2023</a:t>
+            </a:fld>
+            <a:endParaRPr lang="en-US"/>
+          </a:p>
+        </p:txBody>
+      </p:sp>
+      <p:sp>
+        <p:nvSpPr>
+          <p:cNvPr id="5" name="Slide Number Placeholder 4"/>
+          <p:cNvSpPr>
+            <a:spLocks noGrp="1"/>
+          </p:cNvSpPr>
+          <p:nvPr>
+            <p:ph type="sldNum" sz="quarter" idx="12"/>
+          </p:nvPr>
+        </p:nvSpPr>
+        <p:spPr/>
+        <p:txBody>
+          <a:bodyPr/>
+          <a:lstStyle/>
+          <a:p>
+            <a:fld id="{EC5C04CC-AAE0-4DA8-BE54-D7078AB31EEA}" type="slidenum">
+              <a:rPr lang="en-US" smtClean="0"/>
+              <a:t>16</a:t>
+            </a:fld>
+            <a:endParaRPr lang="en-US"/>
+          </a:p>
+        </p:txBody>
+      </p:sp>
+    </p:spTree>
+    <p:extLst>
+      <p:ext uri="{BB962C8B-B14F-4D97-AF65-F5344CB8AC3E}">
+        <p14:creationId xmlns:p14="http://schemas.microsoft.com/office/powerpoint/2010/main" val="817472896"/>
+      </p:ext>
+    </p:extLst>
+  </p:cSld>
+  <p:clrMapOvr>
+    <a:masterClrMapping/>
+  </p:clrMapOvr>
+  <p:timing>
+    <p:tnLst>
+      <p:par>
+        <p:cTn id="1" dur="indefinite" restart="never" nodeType="tmRoot"/>
+      </p:par>
+    </p:tnLst>
+  </p:timing>
+</p:sld>
+</file>
+
+<file path=ppt/slides/slide18.xml><?xml version="1.0" encoding="utf-8"?>
+<p:sld xmlns:a="http://schemas.openxmlformats.org/drawingml/2006/main" xmlns:r="http://schemas.openxmlformats.org/officeDocument/2006/relationships" xmlns:p="http://schemas.openxmlformats.org/presentationml/2006/main">
+  <p:cSld>
+    <p:spTree>
+      <p:nvGrpSpPr>
+        <p:cNvPr id="1" name=""/>
+        <p:cNvGrpSpPr/>
+        <p:nvPr/>
+      </p:nvGrpSpPr>
+      <p:grpSpPr>
+        <a:xfrm>
+          <a:off x="0" y="0"/>
+          <a:ext cx="0" cy="0"/>
+          <a:chOff x="0" y="0"/>
+          <a:chExt cx="0" cy="0"/>
+        </a:xfrm>
+      </p:grpSpPr>
+      <p:sp>
+        <p:nvSpPr>
+          <p:cNvPr id="2" name="Title 1"/>
+          <p:cNvSpPr>
+            <a:spLocks noGrp="1"/>
+          </p:cNvSpPr>
+          <p:nvPr>
+            <p:ph type="title"/>
+          </p:nvPr>
+        </p:nvSpPr>
+        <p:spPr/>
+        <p:txBody>
+          <a:bodyPr/>
+          <a:lstStyle/>
+          <a:p>
+            <a:r>
+              <a:rPr lang="en-US" dirty="0" smtClean="0">
+                <a:latin typeface="Times New Roman" panose="02020603050405020304" pitchFamily="18" charset="0"/>
+                <a:cs typeface="Times New Roman" panose="02020603050405020304" pitchFamily="18" charset="0"/>
+              </a:rPr>
+              <a:t>DFD Context Level</a:t>
+            </a:r>
+            <a:endParaRPr lang="en-US" dirty="0">
+              <a:latin typeface="Times New Roman" panose="02020603050405020304" pitchFamily="18" charset="0"/>
+              <a:cs typeface="Times New Roman" panose="02020603050405020304" pitchFamily="18" charset="0"/>
+            </a:endParaRPr>
+          </a:p>
+        </p:txBody>
+      </p:sp>
+      <p:pic>
+        <p:nvPicPr>
+          <p:cNvPr id="6" name="Content Placeholder 5"/>
+          <p:cNvPicPr>
+            <a:picLocks noGrp="1" noChangeAspect="1"/>
+          </p:cNvPicPr>
+          <p:nvPr>
+            <p:ph idx="1"/>
+          </p:nvPr>
+        </p:nvPicPr>
+        <p:blipFill>
+          <a:blip r:embed="rId2">
+            <a:extLst>
+              <a:ext uri="{28A0092B-C50C-407E-A947-70E740481C1C}">
+                <a14:useLocalDpi xmlns:a14="http://schemas.microsoft.com/office/drawing/2010/main" val="0"/>
+              </a:ext>
+            </a:extLst>
+          </a:blip>
+          <a:stretch>
+            <a:fillRect/>
+          </a:stretch>
+        </p:blipFill>
+        <p:spPr>
+          <a:xfrm>
+            <a:off x="3228393" y="1690688"/>
+            <a:ext cx="5770676" cy="4592987"/>
+          </a:xfrm>
+        </p:spPr>
+      </p:pic>
+      <p:sp>
+        <p:nvSpPr>
+          <p:cNvPr id="4" name="Date Placeholder 3"/>
+          <p:cNvSpPr>
+            <a:spLocks noGrp="1"/>
+          </p:cNvSpPr>
+          <p:nvPr>
+            <p:ph type="dt" sz="half" idx="10"/>
+          </p:nvPr>
+        </p:nvSpPr>
+        <p:spPr/>
+        <p:txBody>
+          <a:bodyPr/>
+          <a:lstStyle/>
+          <a:p>
+            <a:fld id="{61066859-9ABD-47EE-A13A-7683241B4E0D}" type="datetime1">
+              <a:rPr lang="en-US" smtClean="0"/>
+              <a:t>6/9/2023</a:t>
+            </a:fld>
+            <a:endParaRPr lang="en-US"/>
+          </a:p>
+        </p:txBody>
+      </p:sp>
+      <p:sp>
+        <p:nvSpPr>
+          <p:cNvPr id="5" name="Slide Number Placeholder 4"/>
+          <p:cNvSpPr>
+            <a:spLocks noGrp="1"/>
+          </p:cNvSpPr>
+          <p:nvPr>
+            <p:ph type="sldNum" sz="quarter" idx="12"/>
+          </p:nvPr>
+        </p:nvSpPr>
+        <p:spPr/>
+        <p:txBody>
+          <a:bodyPr/>
+          <a:lstStyle/>
+          <a:p>
+            <a:fld id="{EC5C04CC-AAE0-4DA8-BE54-D7078AB31EEA}" type="slidenum">
+              <a:rPr lang="en-US" smtClean="0"/>
+              <a:t>17</a:t>
+            </a:fld>
+            <a:endParaRPr lang="en-US"/>
+          </a:p>
+        </p:txBody>
+      </p:sp>
+    </p:spTree>
+    <p:extLst>
+      <p:ext uri="{BB962C8B-B14F-4D97-AF65-F5344CB8AC3E}">
+        <p14:creationId xmlns:p14="http://schemas.microsoft.com/office/powerpoint/2010/main" val="413944797"/>
+      </p:ext>
+    </p:extLst>
+  </p:cSld>
+  <p:clrMapOvr>
+    <a:masterClrMapping/>
+  </p:clrMapOvr>
+  <p:timing>
+    <p:tnLst>
+      <p:par>
+        <p:cTn id="1" dur="indefinite" restart="never" nodeType="tmRoot"/>
+      </p:par>
+    </p:tnLst>
+  </p:timing>
+</p:sld>
+</file>
+
+<file path=ppt/slides/slide19.xml><?xml version="1.0" encoding="utf-8"?>
+<p:sld xmlns:a="http://schemas.openxmlformats.org/drawingml/2006/main" xmlns:r="http://schemas.openxmlformats.org/officeDocument/2006/relationships" xmlns:p="http://schemas.openxmlformats.org/presentationml/2006/main">
+  <p:cSld>
+    <p:spTree>
+      <p:nvGrpSpPr>
+        <p:cNvPr id="1" name=""/>
+        <p:cNvGrpSpPr/>
+        <p:nvPr/>
+      </p:nvGrpSpPr>
+      <p:grpSpPr>
+        <a:xfrm>
+          <a:off x="0" y="0"/>
+          <a:ext cx="0" cy="0"/>
+          <a:chOff x="0" y="0"/>
+          <a:chExt cx="0" cy="0"/>
+        </a:xfrm>
+      </p:grpSpPr>
+      <p:sp>
+        <p:nvSpPr>
+          <p:cNvPr id="2" name="Title 1"/>
+          <p:cNvSpPr>
+            <a:spLocks noGrp="1"/>
+          </p:cNvSpPr>
+          <p:nvPr>
+            <p:ph type="title"/>
+          </p:nvPr>
+        </p:nvSpPr>
+        <p:spPr/>
+        <p:txBody>
+          <a:bodyPr/>
+          <a:lstStyle/>
+          <a:p>
+            <a:r>
+              <a:rPr lang="en-US" dirty="0" smtClean="0">
+                <a:latin typeface="Times New Roman" panose="02020603050405020304" pitchFamily="18" charset="0"/>
+                <a:cs typeface="Times New Roman" panose="02020603050405020304" pitchFamily="18" charset="0"/>
+              </a:rPr>
+              <a:t>Tools Used</a:t>
+            </a:r>
+            <a:endParaRPr lang="en-US" dirty="0">
+              <a:latin typeface="Times New Roman" panose="02020603050405020304" pitchFamily="18" charset="0"/>
+              <a:cs typeface="Times New Roman" panose="02020603050405020304" pitchFamily="18" charset="0"/>
+            </a:endParaRPr>
+          </a:p>
+        </p:txBody>
+      </p:sp>
+      <p:sp>
+        <p:nvSpPr>
+          <p:cNvPr id="3" name="Content Placeholder 2"/>
+          <p:cNvSpPr>
+            <a:spLocks noGrp="1"/>
+          </p:cNvSpPr>
+          <p:nvPr>
+            <p:ph idx="1"/>
+          </p:nvPr>
+        </p:nvSpPr>
+        <p:spPr/>
+        <p:txBody>
+          <a:bodyPr>
+            <a:normAutofit/>
+          </a:bodyPr>
+          <a:lstStyle/>
+          <a:p>
+            <a:r>
+              <a:rPr lang="en-US" dirty="0" smtClean="0">
+                <a:latin typeface="Times New Roman" panose="02020603050405020304" pitchFamily="18" charset="0"/>
+                <a:cs typeface="Times New Roman" panose="02020603050405020304" pitchFamily="18" charset="0"/>
+              </a:rPr>
+              <a:t>VCS : </a:t>
+            </a:r>
+            <a:r>
+              <a:rPr lang="en-US" dirty="0" err="1" smtClean="0">
+                <a:latin typeface="Times New Roman" panose="02020603050405020304" pitchFamily="18" charset="0"/>
+                <a:cs typeface="Times New Roman" panose="02020603050405020304" pitchFamily="18" charset="0"/>
+              </a:rPr>
+              <a:t>Git</a:t>
             </a:r>
             <a:endParaRPr lang="en-US" dirty="0" smtClean="0">
               <a:latin typeface="Times New Roman" panose="02020603050405020304" pitchFamily="18" charset="0"/>
@@ -4243,20 +5814,19 @@
             </a:endParaRPr>
           </a:p>
           <a:p>
-            <a:pPr algn="just"/>
             <a:r>
               <a:rPr lang="en-US" dirty="0" smtClean="0">
                 <a:latin typeface="Times New Roman" panose="02020603050405020304" pitchFamily="18" charset="0"/>
                 <a:cs typeface="Times New Roman" panose="02020603050405020304" pitchFamily="18" charset="0"/>
               </a:rPr>
-              <a:t>Through </a:t>
-            </a:r>
-            <a:r>
-              <a:rPr lang="en-US" dirty="0">
+              <a:t>Design : </a:t>
+            </a:r>
+            <a:r>
+              <a:rPr lang="en-US" dirty="0" err="1" smtClean="0">
                 <a:latin typeface="Times New Roman" panose="02020603050405020304" pitchFamily="18" charset="0"/>
                 <a:cs typeface="Times New Roman" panose="02020603050405020304" pitchFamily="18" charset="0"/>
               </a:rPr>
-              <a:t>discussions and research, it became evident that existing social media platforms often lack the specificity and targeted features required by IT professionals. </a:t>
+              <a:t>Figma</a:t>
             </a:r>
             <a:endParaRPr lang="en-US" dirty="0" smtClean="0">
               <a:latin typeface="Times New Roman" panose="02020603050405020304" pitchFamily="18" charset="0"/>
@@ -4264,27 +5834,127 @@
             </a:endParaRPr>
           </a:p>
           <a:p>
-            <a:pPr algn="just"/>
             <a:r>
               <a:rPr lang="en-US" dirty="0" smtClean="0">
                 <a:latin typeface="Times New Roman" panose="02020603050405020304" pitchFamily="18" charset="0"/>
                 <a:cs typeface="Times New Roman" panose="02020603050405020304" pitchFamily="18" charset="0"/>
               </a:rPr>
-              <a:t>The </a:t>
-            </a:r>
-            <a:r>
-              <a:rPr lang="en-US" dirty="0">
+              <a:t>Repository </a:t>
+            </a:r>
+            <a:r>
+              <a:rPr lang="en-US" dirty="0" smtClean="0">
                 <a:latin typeface="Times New Roman" panose="02020603050405020304" pitchFamily="18" charset="0"/>
                 <a:cs typeface="Times New Roman" panose="02020603050405020304" pitchFamily="18" charset="0"/>
               </a:rPr>
-              <a:t>project aims to address this gap by creating a dedicated space where IT professionals can engage with one another, share their expertise, and find valuable resources.</a:t>
-            </a:r>
-          </a:p>
-        </p:txBody>
-      </p:sp>
-      <p:sp>
-        <p:nvSpPr>
-          <p:cNvPr id="4" name="Slide Number Placeholder 3"/>
+              <a:t>Management : GitHub</a:t>
+            </a:r>
+            <a:endParaRPr lang="en-US" dirty="0">
+              <a:latin typeface="Times New Roman" panose="02020603050405020304" pitchFamily="18" charset="0"/>
+              <a:cs typeface="Times New Roman" panose="02020603050405020304" pitchFamily="18" charset="0"/>
+            </a:endParaRPr>
+          </a:p>
+          <a:p>
+            <a:r>
+              <a:rPr lang="en-US" dirty="0" smtClean="0">
+                <a:latin typeface="Times New Roman" panose="02020603050405020304" pitchFamily="18" charset="0"/>
+                <a:cs typeface="Times New Roman" panose="02020603050405020304" pitchFamily="18" charset="0"/>
+              </a:rPr>
+              <a:t>Frontend : HTML, CSS, </a:t>
+            </a:r>
+            <a:r>
+              <a:rPr lang="en-US" dirty="0" smtClean="0">
+                <a:latin typeface="Times New Roman" panose="02020603050405020304" pitchFamily="18" charset="0"/>
+                <a:cs typeface="Times New Roman" panose="02020603050405020304" pitchFamily="18" charset="0"/>
+              </a:rPr>
+              <a:t>JS and React </a:t>
+            </a:r>
+            <a:r>
+              <a:rPr lang="en-US" dirty="0" err="1" smtClean="0">
+                <a:latin typeface="Times New Roman" panose="02020603050405020304" pitchFamily="18" charset="0"/>
+                <a:cs typeface="Times New Roman" panose="02020603050405020304" pitchFamily="18" charset="0"/>
+              </a:rPr>
+              <a:t>Js</a:t>
+            </a:r>
+            <a:endParaRPr lang="en-US" dirty="0" smtClean="0">
+              <a:latin typeface="Times New Roman" panose="02020603050405020304" pitchFamily="18" charset="0"/>
+              <a:cs typeface="Times New Roman" panose="02020603050405020304" pitchFamily="18" charset="0"/>
+            </a:endParaRPr>
+          </a:p>
+          <a:p>
+            <a:r>
+              <a:rPr lang="en-US" dirty="0" smtClean="0">
+                <a:latin typeface="Times New Roman" panose="02020603050405020304" pitchFamily="18" charset="0"/>
+                <a:cs typeface="Times New Roman" panose="02020603050405020304" pitchFamily="18" charset="0"/>
+              </a:rPr>
+              <a:t>Database : </a:t>
+            </a:r>
+            <a:r>
+              <a:rPr lang="en-US" dirty="0" smtClean="0">
+                <a:latin typeface="Times New Roman" panose="02020603050405020304" pitchFamily="18" charset="0"/>
+                <a:cs typeface="Times New Roman" panose="02020603050405020304" pitchFamily="18" charset="0"/>
+              </a:rPr>
+              <a:t>My</a:t>
+            </a:r>
+            <a:r>
+              <a:rPr lang="en-US" dirty="0" smtClean="0">
+                <a:latin typeface="Times New Roman" panose="02020603050405020304" pitchFamily="18" charset="0"/>
+                <a:cs typeface="Times New Roman" panose="02020603050405020304" pitchFamily="18" charset="0"/>
+              </a:rPr>
+              <a:t>SQL </a:t>
+            </a:r>
+            <a:endParaRPr lang="en-US" dirty="0" smtClean="0">
+              <a:latin typeface="Times New Roman" panose="02020603050405020304" pitchFamily="18" charset="0"/>
+              <a:cs typeface="Times New Roman" panose="02020603050405020304" pitchFamily="18" charset="0"/>
+            </a:endParaRPr>
+          </a:p>
+          <a:p>
+            <a:r>
+              <a:rPr lang="en-US" dirty="0" smtClean="0">
+                <a:latin typeface="Times New Roman" panose="02020603050405020304" pitchFamily="18" charset="0"/>
+                <a:cs typeface="Times New Roman" panose="02020603050405020304" pitchFamily="18" charset="0"/>
+              </a:rPr>
+              <a:t>Backend : </a:t>
+            </a:r>
+            <a:r>
+              <a:rPr lang="en-US" dirty="0" smtClean="0">
+                <a:latin typeface="Times New Roman" panose="02020603050405020304" pitchFamily="18" charset="0"/>
+                <a:cs typeface="Times New Roman" panose="02020603050405020304" pitchFamily="18" charset="0"/>
+              </a:rPr>
+              <a:t>PHP</a:t>
+            </a:r>
+            <a:endParaRPr lang="en-US" dirty="0">
+              <a:latin typeface="Times New Roman" panose="02020603050405020304" pitchFamily="18" charset="0"/>
+              <a:cs typeface="Times New Roman" panose="02020603050405020304" pitchFamily="18" charset="0"/>
+            </a:endParaRPr>
+          </a:p>
+        </p:txBody>
+      </p:sp>
+      <p:sp>
+        <p:nvSpPr>
+          <p:cNvPr id="4" name="Date Placeholder 3"/>
+          <p:cNvSpPr>
+            <a:spLocks noGrp="1"/>
+          </p:cNvSpPr>
+          <p:nvPr>
+            <p:ph type="dt" sz="half" idx="10"/>
+          </p:nvPr>
+        </p:nvSpPr>
+        <p:spPr/>
+        <p:txBody>
+          <a:bodyPr/>
+          <a:lstStyle/>
+          <a:p>
+            <a:fld id="{61066859-9ABD-47EE-A13A-7683241B4E0D}" type="datetime1">
+              <a:rPr lang="en-US" smtClean="0"/>
+              <a:t>6/9/2023</a:t>
+            </a:fld>
+            <a:endParaRPr lang="en-US"/>
+          </a:p>
+        </p:txBody>
+      </p:sp>
+      <p:sp>
+        <p:nvSpPr>
+          <p:cNvPr id="5" name="Slide Number Placeholder 4"/>
           <p:cNvSpPr>
             <a:spLocks noGrp="1"/>
           </p:cNvSpPr>
@@ -4299,39 +5969,221 @@
           <a:p>
             <a:fld id="{EC5C04CC-AAE0-4DA8-BE54-D7078AB31EEA}" type="slidenum">
               <a:rPr lang="en-US" smtClean="0"/>
-              <a:t>10</a:t>
+              <a:t>18</a:t>
             </a:fld>
-            <a:endParaRPr lang="en-US" dirty="0"/>
-          </a:p>
-        </p:txBody>
-      </p:sp>
-      <p:sp>
-        <p:nvSpPr>
-          <p:cNvPr id="5" name="Date Placeholder 4"/>
-          <p:cNvSpPr>
-            <a:spLocks noGrp="1"/>
-          </p:cNvSpPr>
-          <p:nvPr>
-            <p:ph type="dt" sz="half" idx="10"/>
-          </p:nvPr>
-        </p:nvSpPr>
-        <p:spPr/>
-        <p:txBody>
-          <a:bodyPr/>
-          <a:lstStyle/>
-          <a:p>
-            <a:fld id="{EDC2E9A8-9B6C-49D4-8298-F9AA7E468CBB}" type="datetime1">
-              <a:rPr lang="en-US" smtClean="0"/>
-              <a:t>6/3/2023</a:t>
-            </a:fld>
-            <a:endParaRPr lang="en-US"/>
-          </a:p>
-        </p:txBody>
-      </p:sp>
+            <a:endParaRPr lang="en-US"/>
+          </a:p>
+        </p:txBody>
+      </p:sp>
+      <p:pic>
+        <p:nvPicPr>
+          <p:cNvPr id="3078" name="Picture 6" descr="Figma Logo PNG vector in SVG, PDF, AI, CDR format"/>
+          <p:cNvPicPr>
+            <a:picLocks noChangeAspect="1" noChangeArrowheads="1"/>
+          </p:cNvPicPr>
+          <p:nvPr/>
+        </p:nvPicPr>
+        <p:blipFill>
+          <a:blip r:embed="rId2" cstate="print">
+            <a:extLst>
+              <a:ext uri="{28A0092B-C50C-407E-A947-70E740481C1C}">
+                <a14:useLocalDpi xmlns:a14="http://schemas.microsoft.com/office/drawing/2010/main" val="0"/>
+              </a:ext>
+            </a:extLst>
+          </a:blip>
+          <a:srcRect/>
+          <a:stretch>
+            <a:fillRect/>
+          </a:stretch>
+        </p:blipFill>
+        <p:spPr bwMode="auto">
+          <a:xfrm>
+            <a:off x="7511142" y="1007779"/>
+            <a:ext cx="1462249" cy="1097531"/>
+          </a:xfrm>
+          <a:prstGeom prst="rect">
+            <a:avLst/>
+          </a:prstGeom>
+          <a:noFill/>
+          <a:extLst>
+            <a:ext uri="{909E8E84-426E-40DD-AFC4-6F175D3DCCD1}">
+              <a14:hiddenFill xmlns:a14="http://schemas.microsoft.com/office/drawing/2010/main">
+                <a:solidFill>
+                  <a:srgbClr val="FFFFFF"/>
+                </a:solidFill>
+              </a14:hiddenFill>
+            </a:ext>
+          </a:extLst>
+        </p:spPr>
+      </p:pic>
+      <p:pic>
+        <p:nvPicPr>
+          <p:cNvPr id="3080" name="Picture 8" descr="P92 IT Solutions - HTML, CSS and JavaScript"/>
+          <p:cNvPicPr>
+            <a:picLocks noChangeAspect="1" noChangeArrowheads="1"/>
+          </p:cNvPicPr>
+          <p:nvPr/>
+        </p:nvPicPr>
+        <p:blipFill>
+          <a:blip r:embed="rId3">
+            <a:extLst>
+              <a:ext uri="{28A0092B-C50C-407E-A947-70E740481C1C}">
+                <a14:useLocalDpi xmlns:a14="http://schemas.microsoft.com/office/drawing/2010/main" val="0"/>
+              </a:ext>
+            </a:extLst>
+          </a:blip>
+          <a:srcRect/>
+          <a:stretch>
+            <a:fillRect/>
+          </a:stretch>
+        </p:blipFill>
+        <p:spPr bwMode="auto">
+          <a:xfrm>
+            <a:off x="7511142" y="2155346"/>
+            <a:ext cx="2138331" cy="1800873"/>
+          </a:xfrm>
+          <a:prstGeom prst="rect">
+            <a:avLst/>
+          </a:prstGeom>
+          <a:noFill/>
+          <a:extLst>
+            <a:ext uri="{909E8E84-426E-40DD-AFC4-6F175D3DCCD1}">
+              <a14:hiddenFill xmlns:a14="http://schemas.microsoft.com/office/drawing/2010/main">
+                <a:solidFill>
+                  <a:srgbClr val="FFFFFF"/>
+                </a:solidFill>
+              </a14:hiddenFill>
+            </a:ext>
+          </a:extLst>
+        </p:spPr>
+      </p:pic>
+      <p:pic>
+        <p:nvPicPr>
+          <p:cNvPr id="3082" name="Picture 10" descr="React (software) - Wikipedia"/>
+          <p:cNvPicPr>
+            <a:picLocks noChangeAspect="1" noChangeArrowheads="1"/>
+          </p:cNvPicPr>
+          <p:nvPr/>
+        </p:nvPicPr>
+        <p:blipFill>
+          <a:blip r:embed="rId4" cstate="print">
+            <a:extLst>
+              <a:ext uri="{28A0092B-C50C-407E-A947-70E740481C1C}">
+                <a14:useLocalDpi xmlns:a14="http://schemas.microsoft.com/office/drawing/2010/main" val="0"/>
+              </a:ext>
+            </a:extLst>
+          </a:blip>
+          <a:srcRect/>
+          <a:stretch>
+            <a:fillRect/>
+          </a:stretch>
+        </p:blipFill>
+        <p:spPr bwMode="auto">
+          <a:xfrm>
+            <a:off x="9819626" y="660282"/>
+            <a:ext cx="1534174" cy="1333453"/>
+          </a:xfrm>
+          <a:prstGeom prst="rect">
+            <a:avLst/>
+          </a:prstGeom>
+          <a:noFill/>
+          <a:extLst>
+            <a:ext uri="{909E8E84-426E-40DD-AFC4-6F175D3DCCD1}">
+              <a14:hiddenFill xmlns:a14="http://schemas.microsoft.com/office/drawing/2010/main">
+                <a:solidFill>
+                  <a:srgbClr val="FFFFFF"/>
+                </a:solidFill>
+              </a14:hiddenFill>
+            </a:ext>
+          </a:extLst>
+        </p:spPr>
+      </p:pic>
+      <p:pic>
+        <p:nvPicPr>
+          <p:cNvPr id="3086" name="Picture 14" descr="PHP - Wikipedia"/>
+          <p:cNvPicPr>
+            <a:picLocks noChangeAspect="1" noChangeArrowheads="1"/>
+          </p:cNvPicPr>
+          <p:nvPr/>
+        </p:nvPicPr>
+        <p:blipFill>
+          <a:blip r:embed="rId5" cstate="print">
+            <a:extLst>
+              <a:ext uri="{28A0092B-C50C-407E-A947-70E740481C1C}">
+                <a14:useLocalDpi xmlns:a14="http://schemas.microsoft.com/office/drawing/2010/main" val="0"/>
+              </a:ext>
+            </a:extLst>
+          </a:blip>
+          <a:srcRect/>
+          <a:stretch>
+            <a:fillRect/>
+          </a:stretch>
+        </p:blipFill>
+        <p:spPr bwMode="auto">
+          <a:xfrm>
+            <a:off x="9819626" y="2873217"/>
+            <a:ext cx="2166948" cy="1170152"/>
+          </a:xfrm>
+          <a:prstGeom prst="rect">
+            <a:avLst/>
+          </a:prstGeom>
+          <a:noFill/>
+          <a:extLst>
+            <a:ext uri="{909E8E84-426E-40DD-AFC4-6F175D3DCCD1}">
+              <a14:hiddenFill xmlns:a14="http://schemas.microsoft.com/office/drawing/2010/main">
+                <a:solidFill>
+                  <a:srgbClr val="FFFFFF"/>
+                </a:solidFill>
+              </a14:hiddenFill>
+            </a:ext>
+          </a:extLst>
+        </p:spPr>
+      </p:pic>
+      <p:pic>
+        <p:nvPicPr>
+          <p:cNvPr id="3090" name="Picture 18" descr="MySQL SVG Vector Logos - Vector Logo Zone"/>
+          <p:cNvPicPr>
+            <a:picLocks noChangeAspect="1" noChangeArrowheads="1"/>
+          </p:cNvPicPr>
+          <p:nvPr/>
+        </p:nvPicPr>
+        <p:blipFill>
+          <a:blip r:embed="rId6" cstate="print">
+            <a:extLst>
+              <a:ext uri="{28A0092B-C50C-407E-A947-70E740481C1C}">
+                <a14:useLocalDpi xmlns:a14="http://schemas.microsoft.com/office/drawing/2010/main" val="0"/>
+              </a:ext>
+            </a:extLst>
+          </a:blip>
+          <a:srcRect/>
+          <a:stretch>
+            <a:fillRect/>
+          </a:stretch>
+        </p:blipFill>
+        <p:spPr bwMode="auto">
+          <a:xfrm>
+            <a:off x="6766559" y="4178306"/>
+            <a:ext cx="3355975" cy="1677988"/>
+          </a:xfrm>
+          <a:prstGeom prst="rect">
+            <a:avLst/>
+          </a:prstGeom>
+          <a:noFill/>
+          <a:extLst>
+            <a:ext uri="{909E8E84-426E-40DD-AFC4-6F175D3DCCD1}">
+              <a14:hiddenFill xmlns:a14="http://schemas.microsoft.com/office/drawing/2010/main">
+                <a:solidFill>
+                  <a:srgbClr val="FFFFFF"/>
+                </a:solidFill>
+              </a14:hiddenFill>
+            </a:ext>
+          </a:extLst>
+        </p:spPr>
+      </p:pic>
     </p:spTree>
     <p:extLst>
       <p:ext uri="{BB962C8B-B14F-4D97-AF65-F5344CB8AC3E}">
-        <p14:creationId xmlns:p14="http://schemas.microsoft.com/office/powerpoint/2010/main" val="4178703044"/>
+        <p14:creationId xmlns:p14="http://schemas.microsoft.com/office/powerpoint/2010/main" val="3871640837"/>
       </p:ext>
     </p:extLst>
   </p:cSld>
@@ -4375,22 +6227,18 @@
             <p:ph type="title"/>
           </p:nvPr>
         </p:nvSpPr>
-        <p:spPr>
-          <a:xfrm>
-            <a:off x="838200" y="296114"/>
-            <a:ext cx="10515600" cy="1325563"/>
-          </a:xfrm>
-        </p:spPr>
-        <p:txBody>
-          <a:bodyPr/>
-          <a:lstStyle/>
-          <a:p>
+        <p:spPr/>
+        <p:txBody>
+          <a:bodyPr/>
+          <a:lstStyle/>
+          <a:p>
+            <a:pPr algn="ctr"/>
             <a:r>
               <a:rPr lang="en-US" dirty="0" smtClean="0">
                 <a:latin typeface="Times New Roman" panose="02020603050405020304" pitchFamily="18" charset="0"/>
                 <a:cs typeface="Times New Roman" panose="02020603050405020304" pitchFamily="18" charset="0"/>
               </a:rPr>
-              <a:t>Motivation</a:t>
+              <a:t>Introduction</a:t>
             </a:r>
             <a:endParaRPr lang="en-US" dirty="0">
               <a:latin typeface="Times New Roman" panose="02020603050405020304" pitchFamily="18" charset="0"/>
@@ -4409,115 +6257,33 @@
             <p:ph idx="1"/>
           </p:nvPr>
         </p:nvSpPr>
-        <p:spPr>
-          <a:xfrm>
-            <a:off x="838200" y="1506537"/>
-            <a:ext cx="10515600" cy="5032375"/>
-          </a:xfrm>
-        </p:spPr>
-        <p:txBody>
-          <a:bodyPr/>
-          <a:lstStyle/>
-          <a:p>
-            <a:r>
-              <a:rPr lang="en-US" dirty="0" smtClean="0">
-                <a:latin typeface="Tahoma" panose="020B0604030504040204" pitchFamily="34" charset="0"/>
-                <a:ea typeface="Tahoma" panose="020B0604030504040204" pitchFamily="34" charset="0"/>
-                <a:cs typeface="Tahoma" panose="020B0604030504040204" pitchFamily="34" charset="0"/>
-              </a:rPr>
-              <a:t>Exposure for </a:t>
-            </a:r>
-            <a:r>
-              <a:rPr lang="en-US" dirty="0" smtClean="0">
-                <a:latin typeface="Tahoma" panose="020B0604030504040204" pitchFamily="34" charset="0"/>
-                <a:ea typeface="Tahoma" panose="020B0604030504040204" pitchFamily="34" charset="0"/>
-                <a:cs typeface="Tahoma" panose="020B0604030504040204" pitchFamily="34" charset="0"/>
-              </a:rPr>
-              <a:t>Newcomers</a:t>
-            </a:r>
-            <a:endParaRPr lang="en-US" dirty="0" smtClean="0">
-              <a:latin typeface="Tahoma" panose="020B0604030504040204" pitchFamily="34" charset="0"/>
-              <a:ea typeface="Tahoma" panose="020B0604030504040204" pitchFamily="34" charset="0"/>
-              <a:cs typeface="Tahoma" panose="020B0604030504040204" pitchFamily="34" charset="0"/>
+        <p:spPr/>
+        <p:txBody>
+          <a:bodyPr>
+            <a:normAutofit/>
+          </a:bodyPr>
+          <a:lstStyle/>
+          <a:p>
+            <a:pPr marL="0" indent="0" algn="ctr">
+              <a:buNone/>
+            </a:pPr>
+            <a:r>
+              <a:rPr lang="en-US" sz="4400" dirty="0" smtClean="0">
+                <a:latin typeface="Times New Roman" panose="02020603050405020304" pitchFamily="18" charset="0"/>
+                <a:cs typeface="Times New Roman" panose="02020603050405020304" pitchFamily="18" charset="0"/>
+              </a:rPr>
+              <a:t>What is Code Connect?</a:t>
+            </a:r>
+          </a:p>
+          <a:p>
+            <a:pPr marL="0" indent="0" algn="ctr">
+              <a:buNone/>
+            </a:pPr>
+            <a:endParaRPr lang="en-US" sz="4400" dirty="0">
+              <a:latin typeface="Times New Roman" panose="02020603050405020304" pitchFamily="18" charset="0"/>
+              <a:cs typeface="Times New Roman" panose="02020603050405020304" pitchFamily="18" charset="0"/>
             </a:endParaRPr>
           </a:p>
-          <a:p>
-            <a:r>
-              <a:rPr lang="en-US" dirty="0" smtClean="0">
-                <a:latin typeface="Tahoma" panose="020B0604030504040204" pitchFamily="34" charset="0"/>
-                <a:ea typeface="Tahoma" panose="020B0604030504040204" pitchFamily="34" charset="0"/>
-                <a:cs typeface="Tahoma" panose="020B0604030504040204" pitchFamily="34" charset="0"/>
-              </a:rPr>
-              <a:t>Community Building</a:t>
-            </a:r>
-            <a:endParaRPr lang="en-US" dirty="0" smtClean="0">
-              <a:latin typeface="Tahoma" panose="020B0604030504040204" pitchFamily="34" charset="0"/>
-              <a:ea typeface="Tahoma" panose="020B0604030504040204" pitchFamily="34" charset="0"/>
-              <a:cs typeface="Tahoma" panose="020B0604030504040204" pitchFamily="34" charset="0"/>
-            </a:endParaRPr>
-          </a:p>
-          <a:p>
-            <a:r>
-              <a:rPr lang="en-US" dirty="0" smtClean="0">
-                <a:latin typeface="Tahoma" panose="020B0604030504040204" pitchFamily="34" charset="0"/>
-                <a:ea typeface="Tahoma" panose="020B0604030504040204" pitchFamily="34" charset="0"/>
-                <a:cs typeface="Tahoma" panose="020B0604030504040204" pitchFamily="34" charset="0"/>
-              </a:rPr>
-              <a:t>Knowledge </a:t>
-            </a:r>
-            <a:r>
-              <a:rPr lang="en-US" dirty="0">
-                <a:latin typeface="Tahoma" panose="020B0604030504040204" pitchFamily="34" charset="0"/>
-                <a:ea typeface="Tahoma" panose="020B0604030504040204" pitchFamily="34" charset="0"/>
-                <a:cs typeface="Tahoma" panose="020B0604030504040204" pitchFamily="34" charset="0"/>
-              </a:rPr>
-              <a:t>Sharing and </a:t>
-            </a:r>
-            <a:r>
-              <a:rPr lang="en-US" dirty="0" smtClean="0">
-                <a:latin typeface="Tahoma" panose="020B0604030504040204" pitchFamily="34" charset="0"/>
-                <a:ea typeface="Tahoma" panose="020B0604030504040204" pitchFamily="34" charset="0"/>
-                <a:cs typeface="Tahoma" panose="020B0604030504040204" pitchFamily="34" charset="0"/>
-              </a:rPr>
-              <a:t>Learning</a:t>
-            </a:r>
-            <a:endParaRPr lang="en-US" dirty="0" smtClean="0">
-              <a:latin typeface="Tahoma" panose="020B0604030504040204" pitchFamily="34" charset="0"/>
-              <a:ea typeface="Tahoma" panose="020B0604030504040204" pitchFamily="34" charset="0"/>
-              <a:cs typeface="Tahoma" panose="020B0604030504040204" pitchFamily="34" charset="0"/>
-            </a:endParaRPr>
-          </a:p>
-          <a:p>
-            <a:r>
-              <a:rPr lang="en-US" dirty="0" smtClean="0">
-                <a:latin typeface="Tahoma" panose="020B0604030504040204" pitchFamily="34" charset="0"/>
-                <a:ea typeface="Tahoma" panose="020B0604030504040204" pitchFamily="34" charset="0"/>
-                <a:cs typeface="Tahoma" panose="020B0604030504040204" pitchFamily="34" charset="0"/>
-              </a:rPr>
-              <a:t>Personal </a:t>
-            </a:r>
-            <a:r>
-              <a:rPr lang="en-US" dirty="0">
-                <a:latin typeface="Tahoma" panose="020B0604030504040204" pitchFamily="34" charset="0"/>
-                <a:ea typeface="Tahoma" panose="020B0604030504040204" pitchFamily="34" charset="0"/>
-                <a:cs typeface="Tahoma" panose="020B0604030504040204" pitchFamily="34" charset="0"/>
-              </a:rPr>
-              <a:t>Growth and </a:t>
-            </a:r>
-            <a:r>
-              <a:rPr lang="en-US" dirty="0" smtClean="0">
-                <a:latin typeface="Tahoma" panose="020B0604030504040204" pitchFamily="34" charset="0"/>
-                <a:ea typeface="Tahoma" panose="020B0604030504040204" pitchFamily="34" charset="0"/>
-                <a:cs typeface="Tahoma" panose="020B0604030504040204" pitchFamily="34" charset="0"/>
-              </a:rPr>
-              <a:t>Challenge</a:t>
-            </a:r>
-            <a:endParaRPr lang="en-US" dirty="0" smtClean="0">
-              <a:latin typeface="Tahoma" panose="020B0604030504040204" pitchFamily="34" charset="0"/>
-              <a:ea typeface="Tahoma" panose="020B0604030504040204" pitchFamily="34" charset="0"/>
-              <a:cs typeface="Tahoma" panose="020B0604030504040204" pitchFamily="34" charset="0"/>
-            </a:endParaRPr>
-          </a:p>
         </p:txBody>
       </p:sp>
       <p:sp>
@@ -4537,7 +6303,7 @@
           <a:p>
             <a:fld id="{61066859-9ABD-47EE-A13A-7683241B4E0D}" type="datetime1">
               <a:rPr lang="en-US" smtClean="0"/>
-              <a:t>6/3/2023</a:t>
+              <a:t>6/9/2023</a:t>
             </a:fld>
             <a:endParaRPr lang="en-US"/>
           </a:p>
@@ -4569,7 +6335,991 @@
     </p:spTree>
     <p:extLst>
       <p:ext uri="{BB962C8B-B14F-4D97-AF65-F5344CB8AC3E}">
-        <p14:creationId xmlns:p14="http://schemas.microsoft.com/office/powerpoint/2010/main" val="1221769157"/>
+        <p14:creationId xmlns:p14="http://schemas.microsoft.com/office/powerpoint/2010/main" val="594890162"/>
+      </p:ext>
+    </p:extLst>
+  </p:cSld>
+  <p:clrMapOvr>
+    <a:masterClrMapping/>
+  </p:clrMapOvr>
+  <p:timing>
+    <p:tnLst>
+      <p:par>
+        <p:cTn id="1" dur="indefinite" restart="never" nodeType="tmRoot"/>
+      </p:par>
+    </p:tnLst>
+  </p:timing>
+</p:sld>
+</file>
+
+<file path=ppt/slides/slide20.xml><?xml version="1.0" encoding="utf-8"?>
+<p:sld xmlns:a="http://schemas.openxmlformats.org/drawingml/2006/main" xmlns:r="http://schemas.openxmlformats.org/officeDocument/2006/relationships" xmlns:p="http://schemas.openxmlformats.org/presentationml/2006/main">
+  <p:cSld>
+    <p:spTree>
+      <p:nvGrpSpPr>
+        <p:cNvPr id="1" name=""/>
+        <p:cNvGrpSpPr/>
+        <p:nvPr/>
+      </p:nvGrpSpPr>
+      <p:grpSpPr>
+        <a:xfrm>
+          <a:off x="0" y="0"/>
+          <a:ext cx="0" cy="0"/>
+          <a:chOff x="0" y="0"/>
+          <a:chExt cx="0" cy="0"/>
+        </a:xfrm>
+      </p:grpSpPr>
+      <p:sp>
+        <p:nvSpPr>
+          <p:cNvPr id="2" name="Title 1"/>
+          <p:cNvSpPr>
+            <a:spLocks noGrp="1"/>
+          </p:cNvSpPr>
+          <p:nvPr>
+            <p:ph type="title"/>
+          </p:nvPr>
+        </p:nvSpPr>
+        <p:spPr/>
+        <p:txBody>
+          <a:bodyPr/>
+          <a:lstStyle/>
+          <a:p>
+            <a:r>
+              <a:rPr lang="en-US" dirty="0" smtClean="0">
+                <a:latin typeface="Times New Roman" panose="02020603050405020304" pitchFamily="18" charset="0"/>
+                <a:cs typeface="Times New Roman" panose="02020603050405020304" pitchFamily="18" charset="0"/>
+              </a:rPr>
+              <a:t>Expected Results</a:t>
+            </a:r>
+            <a:endParaRPr lang="en-US" dirty="0">
+              <a:latin typeface="Times New Roman" panose="02020603050405020304" pitchFamily="18" charset="0"/>
+              <a:cs typeface="Times New Roman" panose="02020603050405020304" pitchFamily="18" charset="0"/>
+            </a:endParaRPr>
+          </a:p>
+        </p:txBody>
+      </p:sp>
+      <p:sp>
+        <p:nvSpPr>
+          <p:cNvPr id="3" name="Content Placeholder 2"/>
+          <p:cNvSpPr>
+            <a:spLocks noGrp="1"/>
+          </p:cNvSpPr>
+          <p:nvPr>
+            <p:ph idx="1"/>
+          </p:nvPr>
+        </p:nvSpPr>
+        <p:spPr/>
+        <p:txBody>
+          <a:bodyPr/>
+          <a:lstStyle/>
+          <a:p>
+            <a:r>
+              <a:rPr lang="en-US" dirty="0"/>
+              <a:t>The platform’s expected outcome is to create a vibrant and supportive ecosystem that empowers creative it professionals and enriches their professional lives</a:t>
+            </a:r>
+          </a:p>
+        </p:txBody>
+      </p:sp>
+      <p:sp>
+        <p:nvSpPr>
+          <p:cNvPr id="4" name="Date Placeholder 3"/>
+          <p:cNvSpPr>
+            <a:spLocks noGrp="1"/>
+          </p:cNvSpPr>
+          <p:nvPr>
+            <p:ph type="dt" sz="half" idx="10"/>
+          </p:nvPr>
+        </p:nvSpPr>
+        <p:spPr/>
+        <p:txBody>
+          <a:bodyPr/>
+          <a:lstStyle/>
+          <a:p>
+            <a:fld id="{61066859-9ABD-47EE-A13A-7683241B4E0D}" type="datetime1">
+              <a:rPr lang="en-US" smtClean="0"/>
+              <a:t>6/9/2023</a:t>
+            </a:fld>
+            <a:endParaRPr lang="en-US"/>
+          </a:p>
+        </p:txBody>
+      </p:sp>
+      <p:sp>
+        <p:nvSpPr>
+          <p:cNvPr id="5" name="Slide Number Placeholder 4"/>
+          <p:cNvSpPr>
+            <a:spLocks noGrp="1"/>
+          </p:cNvSpPr>
+          <p:nvPr>
+            <p:ph type="sldNum" sz="quarter" idx="12"/>
+          </p:nvPr>
+        </p:nvSpPr>
+        <p:spPr/>
+        <p:txBody>
+          <a:bodyPr/>
+          <a:lstStyle/>
+          <a:p>
+            <a:fld id="{EC5C04CC-AAE0-4DA8-BE54-D7078AB31EEA}" type="slidenum">
+              <a:rPr lang="en-US" smtClean="0"/>
+              <a:t>19</a:t>
+            </a:fld>
+            <a:endParaRPr lang="en-US"/>
+          </a:p>
+        </p:txBody>
+      </p:sp>
+    </p:spTree>
+    <p:extLst>
+      <p:ext uri="{BB962C8B-B14F-4D97-AF65-F5344CB8AC3E}">
+        <p14:creationId xmlns:p14="http://schemas.microsoft.com/office/powerpoint/2010/main" val="2335270561"/>
+      </p:ext>
+    </p:extLst>
+  </p:cSld>
+  <p:clrMapOvr>
+    <a:masterClrMapping/>
+  </p:clrMapOvr>
+  <p:timing>
+    <p:tnLst>
+      <p:par>
+        <p:cTn id="1" dur="indefinite" restart="never" nodeType="tmRoot"/>
+      </p:par>
+    </p:tnLst>
+  </p:timing>
+</p:sld>
+</file>
+
+<file path=ppt/slides/slide21.xml><?xml version="1.0" encoding="utf-8"?>
+<p:sld xmlns:a="http://schemas.openxmlformats.org/drawingml/2006/main" xmlns:r="http://schemas.openxmlformats.org/officeDocument/2006/relationships" xmlns:p="http://schemas.openxmlformats.org/presentationml/2006/main">
+  <p:cSld>
+    <p:spTree>
+      <p:nvGrpSpPr>
+        <p:cNvPr id="1" name=""/>
+        <p:cNvGrpSpPr/>
+        <p:nvPr/>
+      </p:nvGrpSpPr>
+      <p:grpSpPr>
+        <a:xfrm>
+          <a:off x="0" y="0"/>
+          <a:ext cx="0" cy="0"/>
+          <a:chOff x="0" y="0"/>
+          <a:chExt cx="0" cy="0"/>
+        </a:xfrm>
+      </p:grpSpPr>
+      <p:sp>
+        <p:nvSpPr>
+          <p:cNvPr id="2" name="Title 1"/>
+          <p:cNvSpPr>
+            <a:spLocks noGrp="1"/>
+          </p:cNvSpPr>
+          <p:nvPr>
+            <p:ph type="title"/>
+          </p:nvPr>
+        </p:nvSpPr>
+        <p:spPr/>
+        <p:txBody>
+          <a:bodyPr/>
+          <a:lstStyle/>
+          <a:p>
+            <a:r>
+              <a:rPr lang="en-US" dirty="0" smtClean="0">
+                <a:latin typeface="Times New Roman" panose="02020603050405020304" pitchFamily="18" charset="0"/>
+                <a:cs typeface="Times New Roman" panose="02020603050405020304" pitchFamily="18" charset="0"/>
+              </a:rPr>
+              <a:t>Timeline</a:t>
+            </a:r>
+            <a:endParaRPr lang="en-US" dirty="0">
+              <a:latin typeface="Times New Roman" panose="02020603050405020304" pitchFamily="18" charset="0"/>
+              <a:cs typeface="Times New Roman" panose="02020603050405020304" pitchFamily="18" charset="0"/>
+            </a:endParaRPr>
+          </a:p>
+        </p:txBody>
+      </p:sp>
+      <p:pic>
+        <p:nvPicPr>
+          <p:cNvPr id="6" name="Content Placeholder 5"/>
+          <p:cNvPicPr>
+            <a:picLocks noGrp="1" noChangeAspect="1"/>
+          </p:cNvPicPr>
+          <p:nvPr>
+            <p:ph idx="1"/>
+          </p:nvPr>
+        </p:nvPicPr>
+        <p:blipFill rotWithShape="1">
+          <a:blip r:embed="rId2">
+            <a:extLst>
+              <a:ext uri="{28A0092B-C50C-407E-A947-70E740481C1C}">
+                <a14:useLocalDpi xmlns:a14="http://schemas.microsoft.com/office/drawing/2010/main" val="0"/>
+              </a:ext>
+            </a:extLst>
+          </a:blip>
+          <a:srcRect t="18719" b="8421"/>
+          <a:stretch/>
+        </p:blipFill>
+        <p:spPr>
+          <a:xfrm>
+            <a:off x="1417320" y="1260644"/>
+            <a:ext cx="9128760" cy="4988425"/>
+          </a:xfrm>
+        </p:spPr>
+      </p:pic>
+      <p:sp>
+        <p:nvSpPr>
+          <p:cNvPr id="4" name="Date Placeholder 3"/>
+          <p:cNvSpPr>
+            <a:spLocks noGrp="1"/>
+          </p:cNvSpPr>
+          <p:nvPr>
+            <p:ph type="dt" sz="half" idx="10"/>
+          </p:nvPr>
+        </p:nvSpPr>
+        <p:spPr/>
+        <p:txBody>
+          <a:bodyPr/>
+          <a:lstStyle/>
+          <a:p>
+            <a:fld id="{61066859-9ABD-47EE-A13A-7683241B4E0D}" type="datetime1">
+              <a:rPr lang="en-US" smtClean="0"/>
+              <a:t>6/9/2023</a:t>
+            </a:fld>
+            <a:endParaRPr lang="en-US"/>
+          </a:p>
+        </p:txBody>
+      </p:sp>
+      <p:sp>
+        <p:nvSpPr>
+          <p:cNvPr id="5" name="Slide Number Placeholder 4"/>
+          <p:cNvSpPr>
+            <a:spLocks noGrp="1"/>
+          </p:cNvSpPr>
+          <p:nvPr>
+            <p:ph type="sldNum" sz="quarter" idx="12"/>
+          </p:nvPr>
+        </p:nvSpPr>
+        <p:spPr/>
+        <p:txBody>
+          <a:bodyPr/>
+          <a:lstStyle/>
+          <a:p>
+            <a:fld id="{EC5C04CC-AAE0-4DA8-BE54-D7078AB31EEA}" type="slidenum">
+              <a:rPr lang="en-US" smtClean="0"/>
+              <a:t>20</a:t>
+            </a:fld>
+            <a:endParaRPr lang="en-US"/>
+          </a:p>
+        </p:txBody>
+      </p:sp>
+    </p:spTree>
+    <p:extLst>
+      <p:ext uri="{BB962C8B-B14F-4D97-AF65-F5344CB8AC3E}">
+        <p14:creationId xmlns:p14="http://schemas.microsoft.com/office/powerpoint/2010/main" val="3166438205"/>
+      </p:ext>
+    </p:extLst>
+  </p:cSld>
+  <p:clrMapOvr>
+    <a:masterClrMapping/>
+  </p:clrMapOvr>
+  <p:timing>
+    <p:tnLst>
+      <p:par>
+        <p:cTn id="1" dur="indefinite" restart="never" nodeType="tmRoot"/>
+      </p:par>
+    </p:tnLst>
+  </p:timing>
+</p:sld>
+</file>
+
+<file path=ppt/slides/slide22.xml><?xml version="1.0" encoding="utf-8"?>
+<p:sld xmlns:a="http://schemas.openxmlformats.org/drawingml/2006/main" xmlns:r="http://schemas.openxmlformats.org/officeDocument/2006/relationships" xmlns:p="http://schemas.openxmlformats.org/presentationml/2006/main">
+  <p:cSld>
+    <p:spTree>
+      <p:nvGrpSpPr>
+        <p:cNvPr id="1" name=""/>
+        <p:cNvGrpSpPr/>
+        <p:nvPr/>
+      </p:nvGrpSpPr>
+      <p:grpSpPr>
+        <a:xfrm>
+          <a:off x="0" y="0"/>
+          <a:ext cx="0" cy="0"/>
+          <a:chOff x="0" y="0"/>
+          <a:chExt cx="0" cy="0"/>
+        </a:xfrm>
+      </p:grpSpPr>
+      <p:sp>
+        <p:nvSpPr>
+          <p:cNvPr id="2" name="Title 1"/>
+          <p:cNvSpPr>
+            <a:spLocks noGrp="1"/>
+          </p:cNvSpPr>
+          <p:nvPr>
+            <p:ph type="title"/>
+          </p:nvPr>
+        </p:nvSpPr>
+        <p:spPr/>
+        <p:txBody>
+          <a:bodyPr/>
+          <a:lstStyle/>
+          <a:p>
+            <a:r>
+              <a:rPr lang="en-US" dirty="0" smtClean="0">
+                <a:latin typeface="Times New Roman" panose="02020603050405020304" pitchFamily="18" charset="0"/>
+                <a:cs typeface="Times New Roman" panose="02020603050405020304" pitchFamily="18" charset="0"/>
+              </a:rPr>
+              <a:t>References</a:t>
+            </a:r>
+            <a:endParaRPr lang="en-US" dirty="0">
+              <a:latin typeface="Times New Roman" panose="02020603050405020304" pitchFamily="18" charset="0"/>
+              <a:cs typeface="Times New Roman" panose="02020603050405020304" pitchFamily="18" charset="0"/>
+            </a:endParaRPr>
+          </a:p>
+        </p:txBody>
+      </p:sp>
+      <p:sp>
+        <p:nvSpPr>
+          <p:cNvPr id="3" name="Content Placeholder 2"/>
+          <p:cNvSpPr>
+            <a:spLocks noGrp="1"/>
+          </p:cNvSpPr>
+          <p:nvPr>
+            <p:ph idx="1"/>
+          </p:nvPr>
+        </p:nvSpPr>
+        <p:spPr/>
+        <p:txBody>
+          <a:bodyPr>
+            <a:normAutofit fontScale="70000" lnSpcReduction="20000"/>
+          </a:bodyPr>
+          <a:lstStyle/>
+          <a:p>
+            <a:r>
+              <a:rPr lang="en-US" dirty="0" smtClean="0"/>
+              <a:t>[1] </a:t>
+            </a:r>
+            <a:r>
+              <a:rPr lang="en-US" dirty="0"/>
+              <a:t>Anton </a:t>
+            </a:r>
+            <a:r>
+              <a:rPr lang="en-US" dirty="0" err="1"/>
+              <a:t>Korshunov</a:t>
+            </a:r>
+            <a:r>
+              <a:rPr lang="en-US" dirty="0"/>
+              <a:t>, Ivan </a:t>
+            </a:r>
+            <a:r>
+              <a:rPr lang="en-US" dirty="0" err="1"/>
+              <a:t>Beloborodov</a:t>
+            </a:r>
+            <a:r>
+              <a:rPr lang="en-US" dirty="0"/>
+              <a:t>, </a:t>
+            </a:r>
+            <a:r>
+              <a:rPr lang="en-US" dirty="0" err="1"/>
+              <a:t>Nazar</a:t>
+            </a:r>
+            <a:r>
+              <a:rPr lang="en-US" dirty="0"/>
+              <a:t> </a:t>
+            </a:r>
+            <a:r>
+              <a:rPr lang="en-US" dirty="0" err="1"/>
+              <a:t>Buzun</a:t>
+            </a:r>
+            <a:r>
+              <a:rPr lang="en-US" dirty="0"/>
+              <a:t>, </a:t>
+            </a:r>
+            <a:r>
+              <a:rPr lang="en-US" dirty="0" err="1"/>
+              <a:t>Valeriy</a:t>
+            </a:r>
+            <a:r>
+              <a:rPr lang="en-US" dirty="0"/>
+              <a:t> </a:t>
+            </a:r>
+            <a:r>
+              <a:rPr lang="en-US" dirty="0" err="1"/>
+              <a:t>Avanesov</a:t>
+            </a:r>
+            <a:r>
+              <a:rPr lang="en-US" dirty="0"/>
+              <a:t>, Roman </a:t>
+            </a:r>
+            <a:r>
+              <a:rPr lang="en-US" dirty="0" err="1"/>
+              <a:t>Pastukhov</a:t>
+            </a:r>
+            <a:r>
+              <a:rPr lang="en-US" dirty="0"/>
+              <a:t>, </a:t>
+            </a:r>
+            <a:r>
+              <a:rPr lang="en-US" dirty="0" err="1"/>
+              <a:t>Kyrylo</a:t>
+            </a:r>
+            <a:r>
+              <a:rPr lang="en-US" dirty="0"/>
+              <a:t> </a:t>
+            </a:r>
+            <a:r>
+              <a:rPr lang="en-US" dirty="0" err="1"/>
+              <a:t>Chykhradze</a:t>
+            </a:r>
+            <a:r>
+              <a:rPr lang="en-US" dirty="0"/>
+              <a:t>, Ilya </a:t>
+            </a:r>
+            <a:r>
+              <a:rPr lang="en-US" dirty="0" err="1"/>
+              <a:t>Kozlov</a:t>
+            </a:r>
+            <a:r>
+              <a:rPr lang="en-US" dirty="0"/>
+              <a:t>, Andrey </a:t>
+            </a:r>
+            <a:r>
+              <a:rPr lang="en-US" dirty="0" err="1"/>
+              <a:t>Gomzin</a:t>
+            </a:r>
+            <a:r>
+              <a:rPr lang="en-US" dirty="0"/>
+              <a:t>, Ivan </a:t>
+            </a:r>
+            <a:r>
+              <a:rPr lang="en-US" dirty="0" err="1"/>
+              <a:t>Andrianov</a:t>
+            </a:r>
+            <a:r>
+              <a:rPr lang="en-US" dirty="0"/>
+              <a:t>, Andrey </a:t>
+            </a:r>
+            <a:r>
+              <a:rPr lang="en-US" dirty="0" err="1"/>
+              <a:t>Sysoev</a:t>
+            </a:r>
+            <a:r>
+              <a:rPr lang="en-US" dirty="0"/>
+              <a:t>, et al</a:t>
+            </a:r>
+            <a:r>
+              <a:rPr lang="en-US" b="1" dirty="0"/>
+              <a:t>. Social network analysis: methods and applications</a:t>
+            </a:r>
+            <a:r>
+              <a:rPr lang="en-US" dirty="0"/>
+              <a:t>. </a:t>
+            </a:r>
+            <a:r>
+              <a:rPr lang="en-US" dirty="0" smtClean="0"/>
+              <a:t>Proceedings </a:t>
+            </a:r>
+            <a:r>
+              <a:rPr lang="en-US" dirty="0"/>
+              <a:t>of the Institute for System Programming of the RAS (Proceedings of ISP RAS), 26(1):439–456, 2014. </a:t>
+            </a:r>
+            <a:endParaRPr lang="en-US" dirty="0" smtClean="0"/>
+          </a:p>
+          <a:p>
+            <a:r>
+              <a:rPr lang="en-US" dirty="0" smtClean="0"/>
+              <a:t>[</a:t>
+            </a:r>
+            <a:r>
+              <a:rPr lang="en-US" dirty="0"/>
+              <a:t>2] Tanja Koch, Charlene Gerber, and Jeremias J De Klerk</a:t>
+            </a:r>
+            <a:r>
+              <a:rPr lang="en-US" b="1" dirty="0"/>
+              <a:t>. The impact of social media on recruitment: Are you </a:t>
+            </a:r>
+            <a:r>
+              <a:rPr lang="en-US" b="1" dirty="0" err="1"/>
+              <a:t>linkedin</a:t>
+            </a:r>
+            <a:r>
+              <a:rPr lang="en-US" b="1" dirty="0"/>
+              <a:t>? </a:t>
+            </a:r>
+            <a:r>
+              <a:rPr lang="en-US" dirty="0"/>
+              <a:t>SA Journal of Human Resource Management, 16(1):1–14, 2018. </a:t>
+            </a:r>
+            <a:endParaRPr lang="en-US" dirty="0" smtClean="0"/>
+          </a:p>
+          <a:p>
+            <a:r>
+              <a:rPr lang="en-US" dirty="0" smtClean="0"/>
+              <a:t>[</a:t>
+            </a:r>
+            <a:r>
+              <a:rPr lang="en-US" dirty="0"/>
+              <a:t>3] </a:t>
+            </a:r>
+            <a:r>
+              <a:rPr lang="en-US" dirty="0" err="1"/>
+              <a:t>Ifeoma</a:t>
+            </a:r>
+            <a:r>
+              <a:rPr lang="en-US" dirty="0"/>
+              <a:t> </a:t>
+            </a:r>
+            <a:r>
+              <a:rPr lang="en-US" dirty="0" err="1"/>
+              <a:t>Adaji</a:t>
+            </a:r>
+            <a:r>
+              <a:rPr lang="en-US" dirty="0"/>
+              <a:t> and </a:t>
+            </a:r>
+            <a:r>
+              <a:rPr lang="en-US" dirty="0" err="1"/>
+              <a:t>Julita</a:t>
+            </a:r>
+            <a:r>
+              <a:rPr lang="en-US" dirty="0"/>
+              <a:t> </a:t>
+            </a:r>
+            <a:r>
+              <a:rPr lang="en-US" dirty="0" err="1"/>
+              <a:t>Vassileva</a:t>
+            </a:r>
+            <a:r>
+              <a:rPr lang="en-US" dirty="0"/>
+              <a:t>. </a:t>
+            </a:r>
+            <a:r>
+              <a:rPr lang="en-US" b="1" dirty="0"/>
+              <a:t>Towards understanding user participation in stack overflow using profile data.</a:t>
+            </a:r>
+            <a:r>
+              <a:rPr lang="en-US" dirty="0"/>
+              <a:t> In Social Informatics: 8th International </a:t>
+            </a:r>
+            <a:r>
+              <a:rPr lang="en-US" dirty="0" smtClean="0"/>
+              <a:t>Conference</a:t>
+            </a:r>
+            <a:r>
+              <a:rPr lang="en-US" dirty="0"/>
+              <a:t>, </a:t>
+            </a:r>
+            <a:r>
+              <a:rPr lang="en-US" dirty="0" err="1"/>
+              <a:t>SocInfo</a:t>
+            </a:r>
+            <a:r>
+              <a:rPr lang="en-US" dirty="0"/>
+              <a:t> 2016, Bellevue, WA, USA, November 11-14, 2016, Proceedings, Part II 8, pages 3–13. Springer, 2016</a:t>
+            </a:r>
+            <a:r>
+              <a:rPr lang="en-US" dirty="0" smtClean="0"/>
+              <a:t>.</a:t>
+            </a:r>
+          </a:p>
+          <a:p>
+            <a:r>
+              <a:rPr lang="en-US" dirty="0" smtClean="0"/>
+              <a:t> </a:t>
+            </a:r>
+            <a:r>
+              <a:rPr lang="en-US" dirty="0"/>
+              <a:t>[4] </a:t>
+            </a:r>
+            <a:r>
+              <a:rPr lang="en-US" dirty="0" err="1"/>
+              <a:t>Dorota</a:t>
+            </a:r>
+            <a:r>
+              <a:rPr lang="en-US" dirty="0"/>
+              <a:t> </a:t>
+            </a:r>
+            <a:r>
+              <a:rPr lang="en-US" dirty="0" err="1"/>
+              <a:t>Celinska</a:t>
+            </a:r>
+            <a:r>
+              <a:rPr lang="en-US" dirty="0"/>
+              <a:t>. </a:t>
+            </a:r>
+            <a:r>
+              <a:rPr lang="en-US" b="1" dirty="0"/>
+              <a:t>Coding together in a social network: collaboration among ´ </a:t>
+            </a:r>
+            <a:r>
+              <a:rPr lang="en-US" b="1" dirty="0" err="1"/>
+              <a:t>github</a:t>
+            </a:r>
+            <a:r>
+              <a:rPr lang="en-US" b="1" dirty="0"/>
+              <a:t> users</a:t>
+            </a:r>
+            <a:r>
+              <a:rPr lang="en-US" dirty="0"/>
+              <a:t>. In Proceedings of the 9th international conference on social media and society, pages 31–40, 2018. </a:t>
+            </a:r>
+            <a:endParaRPr lang="en-US" dirty="0" smtClean="0"/>
+          </a:p>
+          <a:p>
+            <a:r>
+              <a:rPr lang="en-US" dirty="0" smtClean="0"/>
+              <a:t>[</a:t>
+            </a:r>
+            <a:r>
+              <a:rPr lang="en-US" dirty="0"/>
+              <a:t>5] Hideaki </a:t>
+            </a:r>
+            <a:r>
+              <a:rPr lang="en-US" dirty="0" err="1"/>
+              <a:t>Hata</a:t>
+            </a:r>
+            <a:r>
+              <a:rPr lang="en-US" dirty="0"/>
+              <a:t>, Nicole </a:t>
+            </a:r>
+            <a:r>
+              <a:rPr lang="en-US" dirty="0" err="1"/>
+              <a:t>Novielli</a:t>
+            </a:r>
+            <a:r>
+              <a:rPr lang="en-US" dirty="0"/>
+              <a:t>, Sebastian </a:t>
+            </a:r>
+            <a:r>
+              <a:rPr lang="en-US" dirty="0" err="1"/>
+              <a:t>Baltes</a:t>
+            </a:r>
+            <a:r>
+              <a:rPr lang="en-US" dirty="0"/>
+              <a:t>, </a:t>
+            </a:r>
+            <a:r>
+              <a:rPr lang="en-US" dirty="0" err="1"/>
+              <a:t>Raula</a:t>
+            </a:r>
+            <a:r>
+              <a:rPr lang="en-US" dirty="0"/>
+              <a:t> </a:t>
+            </a:r>
+            <a:r>
+              <a:rPr lang="en-US" dirty="0" err="1"/>
+              <a:t>Gaikovina</a:t>
+            </a:r>
+            <a:r>
+              <a:rPr lang="en-US" dirty="0"/>
+              <a:t> Kula, and Christoph </a:t>
+            </a:r>
+            <a:r>
+              <a:rPr lang="en-US" dirty="0" err="1"/>
+              <a:t>Treude</a:t>
+            </a:r>
+            <a:r>
+              <a:rPr lang="en-US" dirty="0"/>
+              <a:t>. </a:t>
+            </a:r>
+            <a:r>
+              <a:rPr lang="en-US" b="1" dirty="0" err="1"/>
+              <a:t>Github</a:t>
+            </a:r>
+            <a:r>
+              <a:rPr lang="en-US" b="1" dirty="0"/>
+              <a:t> discussions: An exploratory study of early adoption. </a:t>
+            </a:r>
+            <a:r>
+              <a:rPr lang="en-US" dirty="0"/>
+              <a:t>Empirical Software Engineering, 27:1–32, 2022.</a:t>
+            </a:r>
+            <a:endParaRPr lang="en-US" dirty="0">
+              <a:latin typeface="Times New Roman" panose="02020603050405020304" pitchFamily="18" charset="0"/>
+              <a:cs typeface="Times New Roman" panose="02020603050405020304" pitchFamily="18" charset="0"/>
+            </a:endParaRPr>
+          </a:p>
+        </p:txBody>
+      </p:sp>
+      <p:sp>
+        <p:nvSpPr>
+          <p:cNvPr id="4" name="Date Placeholder 3"/>
+          <p:cNvSpPr>
+            <a:spLocks noGrp="1"/>
+          </p:cNvSpPr>
+          <p:nvPr>
+            <p:ph type="dt" sz="half" idx="10"/>
+          </p:nvPr>
+        </p:nvSpPr>
+        <p:spPr/>
+        <p:txBody>
+          <a:bodyPr/>
+          <a:lstStyle/>
+          <a:p>
+            <a:fld id="{61066859-9ABD-47EE-A13A-7683241B4E0D}" type="datetime1">
+              <a:rPr lang="en-US" smtClean="0"/>
+              <a:t>6/9/2023</a:t>
+            </a:fld>
+            <a:endParaRPr lang="en-US"/>
+          </a:p>
+        </p:txBody>
+      </p:sp>
+      <p:sp>
+        <p:nvSpPr>
+          <p:cNvPr id="5" name="Slide Number Placeholder 4"/>
+          <p:cNvSpPr>
+            <a:spLocks noGrp="1"/>
+          </p:cNvSpPr>
+          <p:nvPr>
+            <p:ph type="sldNum" sz="quarter" idx="12"/>
+          </p:nvPr>
+        </p:nvSpPr>
+        <p:spPr/>
+        <p:txBody>
+          <a:bodyPr/>
+          <a:lstStyle/>
+          <a:p>
+            <a:fld id="{EC5C04CC-AAE0-4DA8-BE54-D7078AB31EEA}" type="slidenum">
+              <a:rPr lang="en-US" smtClean="0"/>
+              <a:t>21</a:t>
+            </a:fld>
+            <a:endParaRPr lang="en-US"/>
+          </a:p>
+        </p:txBody>
+      </p:sp>
+    </p:spTree>
+    <p:extLst>
+      <p:ext uri="{BB962C8B-B14F-4D97-AF65-F5344CB8AC3E}">
+        <p14:creationId xmlns:p14="http://schemas.microsoft.com/office/powerpoint/2010/main" val="158440558"/>
+      </p:ext>
+    </p:extLst>
+  </p:cSld>
+  <p:clrMapOvr>
+    <a:masterClrMapping/>
+  </p:clrMapOvr>
+  <p:timing>
+    <p:tnLst>
+      <p:par>
+        <p:cTn id="1" dur="indefinite" restart="never" nodeType="tmRoot"/>
+      </p:par>
+    </p:tnLst>
+  </p:timing>
+</p:sld>
+</file>
+
+<file path=ppt/slides/slide23.xml><?xml version="1.0" encoding="utf-8"?>
+<p:sld xmlns:a="http://schemas.openxmlformats.org/drawingml/2006/main" xmlns:r="http://schemas.openxmlformats.org/officeDocument/2006/relationships" xmlns:p="http://schemas.openxmlformats.org/presentationml/2006/main">
+  <p:cSld>
+    <p:spTree>
+      <p:nvGrpSpPr>
+        <p:cNvPr id="1" name=""/>
+        <p:cNvGrpSpPr/>
+        <p:nvPr/>
+      </p:nvGrpSpPr>
+      <p:grpSpPr>
+        <a:xfrm>
+          <a:off x="0" y="0"/>
+          <a:ext cx="0" cy="0"/>
+          <a:chOff x="0" y="0"/>
+          <a:chExt cx="0" cy="0"/>
+        </a:xfrm>
+      </p:grpSpPr>
+      <p:sp>
+        <p:nvSpPr>
+          <p:cNvPr id="2" name="Title 1"/>
+          <p:cNvSpPr>
+            <a:spLocks noGrp="1"/>
+          </p:cNvSpPr>
+          <p:nvPr>
+            <p:ph type="title"/>
+          </p:nvPr>
+        </p:nvSpPr>
+        <p:spPr>
+          <a:xfrm>
+            <a:off x="838200" y="2772423"/>
+            <a:ext cx="10515600" cy="1325563"/>
+          </a:xfrm>
+        </p:spPr>
+        <p:txBody>
+          <a:bodyPr/>
+          <a:lstStyle/>
+          <a:p>
+            <a:pPr algn="ctr"/>
+            <a:r>
+              <a:rPr lang="en-US" dirty="0" smtClean="0">
+                <a:latin typeface="Times New Roman" panose="02020603050405020304" pitchFamily="18" charset="0"/>
+                <a:cs typeface="Times New Roman" panose="02020603050405020304" pitchFamily="18" charset="0"/>
+              </a:rPr>
+              <a:t>Q/A Session</a:t>
+            </a:r>
+            <a:endParaRPr lang="en-US" dirty="0">
+              <a:latin typeface="Times New Roman" panose="02020603050405020304" pitchFamily="18" charset="0"/>
+              <a:cs typeface="Times New Roman" panose="02020603050405020304" pitchFamily="18" charset="0"/>
+            </a:endParaRPr>
+          </a:p>
+        </p:txBody>
+      </p:sp>
+      <p:sp>
+        <p:nvSpPr>
+          <p:cNvPr id="4" name="Date Placeholder 3"/>
+          <p:cNvSpPr>
+            <a:spLocks noGrp="1"/>
+          </p:cNvSpPr>
+          <p:nvPr>
+            <p:ph type="dt" sz="half" idx="10"/>
+          </p:nvPr>
+        </p:nvSpPr>
+        <p:spPr/>
+        <p:txBody>
+          <a:bodyPr/>
+          <a:lstStyle/>
+          <a:p>
+            <a:fld id="{61066859-9ABD-47EE-A13A-7683241B4E0D}" type="datetime1">
+              <a:rPr lang="en-US" smtClean="0"/>
+              <a:t>6/9/2023</a:t>
+            </a:fld>
+            <a:endParaRPr lang="en-US"/>
+          </a:p>
+        </p:txBody>
+      </p:sp>
+      <p:sp>
+        <p:nvSpPr>
+          <p:cNvPr id="5" name="Slide Number Placeholder 4"/>
+          <p:cNvSpPr>
+            <a:spLocks noGrp="1"/>
+          </p:cNvSpPr>
+          <p:nvPr>
+            <p:ph type="sldNum" sz="quarter" idx="12"/>
+          </p:nvPr>
+        </p:nvSpPr>
+        <p:spPr/>
+        <p:txBody>
+          <a:bodyPr/>
+          <a:lstStyle/>
+          <a:p>
+            <a:fld id="{EC5C04CC-AAE0-4DA8-BE54-D7078AB31EEA}" type="slidenum">
+              <a:rPr lang="en-US" smtClean="0"/>
+              <a:t>22</a:t>
+            </a:fld>
+            <a:endParaRPr lang="en-US"/>
+          </a:p>
+        </p:txBody>
+      </p:sp>
+    </p:spTree>
+    <p:extLst>
+      <p:ext uri="{BB962C8B-B14F-4D97-AF65-F5344CB8AC3E}">
+        <p14:creationId xmlns:p14="http://schemas.microsoft.com/office/powerpoint/2010/main" val="728221586"/>
+      </p:ext>
+    </p:extLst>
+  </p:cSld>
+  <p:clrMapOvr>
+    <a:masterClrMapping/>
+  </p:clrMapOvr>
+  <p:timing>
+    <p:tnLst>
+      <p:par>
+        <p:cTn id="1" dur="indefinite" restart="never" nodeType="tmRoot"/>
+      </p:par>
+    </p:tnLst>
+  </p:timing>
+</p:sld>
+</file>
+
+<file path=ppt/slides/slide24.xml><?xml version="1.0" encoding="utf-8"?>
+<p:sld xmlns:a="http://schemas.openxmlformats.org/drawingml/2006/main" xmlns:r="http://schemas.openxmlformats.org/officeDocument/2006/relationships" xmlns:p="http://schemas.openxmlformats.org/presentationml/2006/main">
+  <p:cSld>
+    <p:spTree>
+      <p:nvGrpSpPr>
+        <p:cNvPr id="1" name=""/>
+        <p:cNvGrpSpPr/>
+        <p:nvPr/>
+      </p:nvGrpSpPr>
+      <p:grpSpPr>
+        <a:xfrm>
+          <a:off x="0" y="0"/>
+          <a:ext cx="0" cy="0"/>
+          <a:chOff x="0" y="0"/>
+          <a:chExt cx="0" cy="0"/>
+        </a:xfrm>
+      </p:grpSpPr>
+      <p:sp>
+        <p:nvSpPr>
+          <p:cNvPr id="2" name="Title 1"/>
+          <p:cNvSpPr>
+            <a:spLocks noGrp="1"/>
+          </p:cNvSpPr>
+          <p:nvPr>
+            <p:ph type="title"/>
+          </p:nvPr>
+        </p:nvSpPr>
+        <p:spPr>
+          <a:xfrm>
+            <a:off x="1062135" y="2483174"/>
+            <a:ext cx="10515600" cy="1325563"/>
+          </a:xfrm>
+        </p:spPr>
+        <p:txBody>
+          <a:bodyPr/>
+          <a:lstStyle/>
+          <a:p>
+            <a:r>
+              <a:rPr lang="en-US" dirty="0" smtClean="0">
+                <a:latin typeface="Times New Roman" panose="02020603050405020304" pitchFamily="18" charset="0"/>
+                <a:cs typeface="Times New Roman" panose="02020603050405020304" pitchFamily="18" charset="0"/>
+              </a:rPr>
+              <a:t>THANK YOU ALL!!!</a:t>
+            </a:r>
+            <a:endParaRPr lang="en-US" dirty="0">
+              <a:latin typeface="Times New Roman" panose="02020603050405020304" pitchFamily="18" charset="0"/>
+              <a:cs typeface="Times New Roman" panose="02020603050405020304" pitchFamily="18" charset="0"/>
+            </a:endParaRPr>
+          </a:p>
+        </p:txBody>
+      </p:sp>
+      <p:sp>
+        <p:nvSpPr>
+          <p:cNvPr id="4" name="Date Placeholder 3"/>
+          <p:cNvSpPr>
+            <a:spLocks noGrp="1"/>
+          </p:cNvSpPr>
+          <p:nvPr>
+            <p:ph type="dt" sz="half" idx="10"/>
+          </p:nvPr>
+        </p:nvSpPr>
+        <p:spPr/>
+        <p:txBody>
+          <a:bodyPr/>
+          <a:lstStyle/>
+          <a:p>
+            <a:fld id="{61066859-9ABD-47EE-A13A-7683241B4E0D}" type="datetime1">
+              <a:rPr lang="en-US" smtClean="0"/>
+              <a:t>6/9/2023</a:t>
+            </a:fld>
+            <a:endParaRPr lang="en-US"/>
+          </a:p>
+        </p:txBody>
+      </p:sp>
+      <p:sp>
+        <p:nvSpPr>
+          <p:cNvPr id="5" name="Slide Number Placeholder 4"/>
+          <p:cNvSpPr>
+            <a:spLocks noGrp="1"/>
+          </p:cNvSpPr>
+          <p:nvPr>
+            <p:ph type="sldNum" sz="quarter" idx="12"/>
+          </p:nvPr>
+        </p:nvSpPr>
+        <p:spPr/>
+        <p:txBody>
+          <a:bodyPr/>
+          <a:lstStyle/>
+          <a:p>
+            <a:fld id="{EC5C04CC-AAE0-4DA8-BE54-D7078AB31EEA}" type="slidenum">
+              <a:rPr lang="en-US" smtClean="0"/>
+              <a:t>23</a:t>
+            </a:fld>
+            <a:endParaRPr lang="en-US"/>
+          </a:p>
+        </p:txBody>
+      </p:sp>
+    </p:spTree>
+    <p:extLst>
+      <p:ext uri="{BB962C8B-B14F-4D97-AF65-F5344CB8AC3E}">
+        <p14:creationId xmlns:p14="http://schemas.microsoft.com/office/powerpoint/2010/main" val="1911401906"/>
       </p:ext>
     </p:extLst>
   </p:cSld>
@@ -4613,7 +7363,12 @@
             <p:ph type="title"/>
           </p:nvPr>
         </p:nvSpPr>
-        <p:spPr/>
+        <p:spPr>
+          <a:xfrm>
+            <a:off x="838200" y="296114"/>
+            <a:ext cx="10515600" cy="1325563"/>
+          </a:xfrm>
+        </p:spPr>
         <p:txBody>
           <a:bodyPr/>
           <a:lstStyle/>
@@ -4623,7 +7378,7 @@
                 <a:latin typeface="Times New Roman" panose="02020603050405020304" pitchFamily="18" charset="0"/>
                 <a:cs typeface="Times New Roman" panose="02020603050405020304" pitchFamily="18" charset="0"/>
               </a:rPr>
-              <a:t>Problem Statement</a:t>
+              <a:t>Motivation</a:t>
             </a:r>
             <a:endParaRPr lang="en-US" dirty="0">
               <a:latin typeface="Times New Roman" panose="02020603050405020304" pitchFamily="18" charset="0"/>
@@ -4642,116 +7397,86 @@
             <p:ph idx="1"/>
           </p:nvPr>
         </p:nvSpPr>
-        <p:spPr/>
-        <p:txBody>
-          <a:bodyPr/>
-          <a:lstStyle/>
-          <a:p>
+        <p:spPr>
+          <a:xfrm>
+            <a:off x="838200" y="1506537"/>
+            <a:ext cx="10515600" cy="5032375"/>
+          </a:xfrm>
+        </p:spPr>
+        <p:txBody>
+          <a:bodyPr/>
+          <a:lstStyle/>
+          <a:p>
+            <a:r>
+              <a:rPr lang="en-US" dirty="0" smtClean="0">
+                <a:latin typeface="Tahoma" panose="020B0604030504040204" pitchFamily="34" charset="0"/>
+                <a:ea typeface="Tahoma" panose="020B0604030504040204" pitchFamily="34" charset="0"/>
+                <a:cs typeface="Tahoma" panose="020B0604030504040204" pitchFamily="34" charset="0"/>
+              </a:rPr>
+              <a:t>Exposure for Newcomers</a:t>
+            </a:r>
+          </a:p>
+          <a:p>
+            <a:r>
+              <a:rPr lang="en-US" dirty="0" smtClean="0">
+                <a:latin typeface="Tahoma" panose="020B0604030504040204" pitchFamily="34" charset="0"/>
+                <a:ea typeface="Tahoma" panose="020B0604030504040204" pitchFamily="34" charset="0"/>
+                <a:cs typeface="Tahoma" panose="020B0604030504040204" pitchFamily="34" charset="0"/>
+              </a:rPr>
+              <a:t>Community Building</a:t>
+            </a:r>
+          </a:p>
+          <a:p>
+            <a:r>
+              <a:rPr lang="en-US" dirty="0" smtClean="0">
+                <a:latin typeface="Tahoma" panose="020B0604030504040204" pitchFamily="34" charset="0"/>
+                <a:ea typeface="Tahoma" panose="020B0604030504040204" pitchFamily="34" charset="0"/>
+                <a:cs typeface="Tahoma" panose="020B0604030504040204" pitchFamily="34" charset="0"/>
+              </a:rPr>
+              <a:t>Knowledge </a:t>
+            </a:r>
             <a:r>
               <a:rPr lang="en-US" dirty="0">
-                <a:latin typeface="Times New Roman" panose="02020603050405020304" pitchFamily="18" charset="0"/>
-                <a:cs typeface="Times New Roman" panose="02020603050405020304" pitchFamily="18" charset="0"/>
-              </a:rPr>
-              <a:t>Lack of </a:t>
+                <a:latin typeface="Tahoma" panose="020B0604030504040204" pitchFamily="34" charset="0"/>
+                <a:ea typeface="Tahoma" panose="020B0604030504040204" pitchFamily="34" charset="0"/>
+                <a:cs typeface="Tahoma" panose="020B0604030504040204" pitchFamily="34" charset="0"/>
+              </a:rPr>
+              <a:t>Sharing and </a:t>
             </a:r>
             <a:r>
               <a:rPr lang="en-US" dirty="0" smtClean="0">
-                <a:latin typeface="Times New Roman" panose="02020603050405020304" pitchFamily="18" charset="0"/>
-                <a:cs typeface="Times New Roman" panose="02020603050405020304" pitchFamily="18" charset="0"/>
-              </a:rPr>
-              <a:t>specific social media for </a:t>
+                <a:latin typeface="Tahoma" panose="020B0604030504040204" pitchFamily="34" charset="0"/>
+                <a:ea typeface="Tahoma" panose="020B0604030504040204" pitchFamily="34" charset="0"/>
+                <a:cs typeface="Tahoma" panose="020B0604030504040204" pitchFamily="34" charset="0"/>
+              </a:rPr>
+              <a:t>Learning</a:t>
+            </a:r>
+          </a:p>
+          <a:p>
+            <a:r>
+              <a:rPr lang="en-US" dirty="0" smtClean="0">
+                <a:latin typeface="Tahoma" panose="020B0604030504040204" pitchFamily="34" charset="0"/>
+                <a:ea typeface="Tahoma" panose="020B0604030504040204" pitchFamily="34" charset="0"/>
+                <a:cs typeface="Tahoma" panose="020B0604030504040204" pitchFamily="34" charset="0"/>
+              </a:rPr>
+              <a:t>Personal </a:t>
             </a:r>
             <a:r>
               <a:rPr lang="en-US" dirty="0">
-                <a:latin typeface="Times New Roman" panose="02020603050405020304" pitchFamily="18" charset="0"/>
-                <a:cs typeface="Times New Roman" panose="02020603050405020304" pitchFamily="18" charset="0"/>
-              </a:rPr>
-              <a:t>IT </a:t>
+                <a:latin typeface="Tahoma" panose="020B0604030504040204" pitchFamily="34" charset="0"/>
+                <a:ea typeface="Tahoma" panose="020B0604030504040204" pitchFamily="34" charset="0"/>
+                <a:cs typeface="Tahoma" panose="020B0604030504040204" pitchFamily="34" charset="0"/>
+              </a:rPr>
+              <a:t>Growth and </a:t>
             </a:r>
             <a:r>
               <a:rPr lang="en-US" dirty="0" smtClean="0">
-                <a:latin typeface="Times New Roman" panose="02020603050405020304" pitchFamily="18" charset="0"/>
-                <a:cs typeface="Times New Roman" panose="02020603050405020304" pitchFamily="18" charset="0"/>
-              </a:rPr>
-              <a:t>professionals</a:t>
-            </a:r>
-          </a:p>
-          <a:p>
-            <a:r>
-              <a:rPr lang="en-US" dirty="0" smtClean="0">
-                <a:latin typeface="Times New Roman" panose="02020603050405020304" pitchFamily="18" charset="0"/>
-                <a:cs typeface="Times New Roman" panose="02020603050405020304" pitchFamily="18" charset="0"/>
-              </a:rPr>
-              <a:t>Limited </a:t>
-            </a:r>
-            <a:r>
-              <a:rPr lang="en-US" dirty="0" smtClean="0">
-                <a:latin typeface="Times New Roman" panose="02020603050405020304" pitchFamily="18" charset="0"/>
-                <a:cs typeface="Times New Roman" panose="02020603050405020304" pitchFamily="18" charset="0"/>
-              </a:rPr>
-              <a:t>Facilities for sharing Resume</a:t>
-            </a:r>
-          </a:p>
-          <a:p>
-            <a:pPr lvl="1"/>
-            <a:r>
-              <a:rPr lang="en-US" dirty="0" smtClean="0">
-                <a:latin typeface="Times New Roman" panose="02020603050405020304" pitchFamily="18" charset="0"/>
-                <a:cs typeface="Times New Roman" panose="02020603050405020304" pitchFamily="18" charset="0"/>
-              </a:rPr>
-              <a:t>No specific resume management for IT </a:t>
-            </a:r>
-            <a:r>
-              <a:rPr lang="en-US" dirty="0" smtClean="0">
-                <a:latin typeface="Times New Roman" panose="02020603050405020304" pitchFamily="18" charset="0"/>
-                <a:cs typeface="Times New Roman" panose="02020603050405020304" pitchFamily="18" charset="0"/>
-              </a:rPr>
-              <a:t>professionals</a:t>
-            </a:r>
-          </a:p>
-          <a:p>
-            <a:pPr lvl="1"/>
-            <a:r>
-              <a:rPr lang="en-US" dirty="0" smtClean="0">
-                <a:latin typeface="Times New Roman" panose="02020603050405020304" pitchFamily="18" charset="0"/>
-                <a:cs typeface="Times New Roman" panose="02020603050405020304" pitchFamily="18" charset="0"/>
-              </a:rPr>
-              <a:t>Lack of portfolio management</a:t>
-            </a:r>
-            <a:endParaRPr lang="en-US" dirty="0" smtClean="0">
-              <a:latin typeface="Times New Roman" panose="02020603050405020304" pitchFamily="18" charset="0"/>
-              <a:cs typeface="Times New Roman" panose="02020603050405020304" pitchFamily="18" charset="0"/>
-            </a:endParaRPr>
-          </a:p>
-          <a:p>
-            <a:r>
-              <a:rPr lang="en-US" dirty="0" smtClean="0">
-                <a:latin typeface="Times New Roman" panose="02020603050405020304" pitchFamily="18" charset="0"/>
-                <a:cs typeface="Times New Roman" panose="02020603050405020304" pitchFamily="18" charset="0"/>
-              </a:rPr>
-              <a:t>Limited </a:t>
-            </a:r>
-            <a:r>
-              <a:rPr lang="en-US" dirty="0" smtClean="0">
-                <a:latin typeface="Times New Roman" panose="02020603050405020304" pitchFamily="18" charset="0"/>
-                <a:cs typeface="Times New Roman" panose="02020603050405020304" pitchFamily="18" charset="0"/>
-              </a:rPr>
-              <a:t>Exposure in other social media for specific IT professionals</a:t>
-            </a:r>
-          </a:p>
-          <a:p>
-            <a:pPr lvl="1"/>
-            <a:r>
-              <a:rPr lang="en-US" dirty="0" smtClean="0">
-                <a:latin typeface="Times New Roman" panose="02020603050405020304" pitchFamily="18" charset="0"/>
-                <a:cs typeface="Times New Roman" panose="02020603050405020304" pitchFamily="18" charset="0"/>
-              </a:rPr>
-              <a:t>Specially for new aspiring IT professionals</a:t>
-            </a:r>
-            <a:endParaRPr lang="en-US" dirty="0">
-              <a:latin typeface="Times New Roman" panose="02020603050405020304" pitchFamily="18" charset="0"/>
-              <a:cs typeface="Times New Roman" panose="02020603050405020304" pitchFamily="18" charset="0"/>
-            </a:endParaRPr>
+                <a:latin typeface="Tahoma" panose="020B0604030504040204" pitchFamily="34" charset="0"/>
+                <a:ea typeface="Tahoma" panose="020B0604030504040204" pitchFamily="34" charset="0"/>
+                <a:cs typeface="Tahoma" panose="020B0604030504040204" pitchFamily="34" charset="0"/>
+              </a:rPr>
+              <a:t>Challenge</a:t>
+            </a:r>
           </a:p>
         </p:txBody>
       </p:sp>
@@ -4772,7 +7497,7 @@
           <a:p>
             <a:fld id="{61066859-9ABD-47EE-A13A-7683241B4E0D}" type="datetime1">
               <a:rPr lang="en-US" smtClean="0"/>
-              <a:t>6/3/2023</a:t>
+              <a:t>6/9/2023</a:t>
             </a:fld>
             <a:endParaRPr lang="en-US"/>
           </a:p>
@@ -4804,7 +7529,7 @@
     </p:spTree>
     <p:extLst>
       <p:ext uri="{BB962C8B-B14F-4D97-AF65-F5344CB8AC3E}">
-        <p14:creationId xmlns:p14="http://schemas.microsoft.com/office/powerpoint/2010/main" val="1954468852"/>
+        <p14:creationId xmlns:p14="http://schemas.microsoft.com/office/powerpoint/2010/main" val="1221769157"/>
       </p:ext>
     </p:extLst>
   </p:cSld>
@@ -4854,15 +7579,16 @@
           <a:lstStyle/>
           <a:p>
             <a:r>
-              <a:rPr lang="en-US" dirty="0">
-                <a:latin typeface="Times New Roman"/>
-                <a:ea typeface="Times New Roman"/>
-                <a:cs typeface="Times New Roman"/>
-                <a:sym typeface="Times New Roman"/>
-              </a:rPr>
-              <a:t>Functionalities</a:t>
-            </a:r>
-            <a:endParaRPr lang="en-US" dirty="0"/>
+              <a:rPr lang="en-US" dirty="0" smtClean="0">
+                <a:latin typeface="Times New Roman" panose="02020603050405020304" pitchFamily="18" charset="0"/>
+                <a:cs typeface="Times New Roman" panose="02020603050405020304" pitchFamily="18" charset="0"/>
+              </a:rPr>
+              <a:t>Background</a:t>
+            </a:r>
+            <a:endParaRPr lang="en-US" dirty="0">
+              <a:latin typeface="Times New Roman" panose="02020603050405020304" pitchFamily="18" charset="0"/>
+              <a:cs typeface="Times New Roman" panose="02020603050405020304" pitchFamily="18" charset="0"/>
+            </a:endParaRPr>
           </a:p>
         </p:txBody>
       </p:sp>
@@ -4883,397 +7609,120 @@
           </a:xfrm>
         </p:spPr>
         <p:txBody>
-          <a:bodyPr>
-            <a:normAutofit/>
-          </a:bodyPr>
-          <a:lstStyle/>
-          <a:p>
-            <a:pPr marL="457200" lvl="0" indent="-368300">
-              <a:buSzPts val="2200"/>
-              <a:buFont typeface="Times New Roman"/>
-              <a:buChar char="•"/>
-            </a:pPr>
-            <a:r>
-              <a:rPr lang="en-US" sz="2200" dirty="0">
-                <a:latin typeface="Times New Roman"/>
-                <a:ea typeface="Times New Roman"/>
-                <a:cs typeface="Times New Roman"/>
-                <a:sym typeface="Times New Roman"/>
-              </a:rPr>
-              <a:t>User Registration/Login</a:t>
-            </a:r>
-          </a:p>
-          <a:p>
-            <a:pPr marL="914400" lvl="1" indent="-368300">
-              <a:spcBef>
-                <a:spcPts val="0"/>
-              </a:spcBef>
-              <a:buSzPts val="2200"/>
-              <a:buFont typeface="Times New Roman"/>
-              <a:buChar char="•"/>
-            </a:pPr>
-            <a:r>
-              <a:rPr lang="en-US" sz="2200" dirty="0">
-                <a:latin typeface="Times New Roman"/>
-                <a:ea typeface="Times New Roman"/>
-                <a:cs typeface="Times New Roman"/>
-                <a:sym typeface="Times New Roman"/>
-              </a:rPr>
-              <a:t>Register/login with Email/Phone number/</a:t>
-            </a:r>
-            <a:r>
-              <a:rPr lang="en-US" sz="2200" dirty="0" err="1">
-                <a:latin typeface="Times New Roman"/>
-                <a:ea typeface="Times New Roman"/>
-                <a:cs typeface="Times New Roman"/>
-                <a:sym typeface="Times New Roman"/>
-              </a:rPr>
-              <a:t>Github</a:t>
-            </a:r>
-            <a:endParaRPr lang="en-US" sz="2200" dirty="0">
-              <a:latin typeface="Times New Roman"/>
-              <a:ea typeface="Times New Roman"/>
-              <a:cs typeface="Times New Roman"/>
-              <a:sym typeface="Times New Roman"/>
+          <a:bodyPr/>
+          <a:lstStyle/>
+          <a:p>
+            <a:pPr algn="just"/>
+            <a:r>
+              <a:rPr lang="en-US" dirty="0">
+                <a:latin typeface="Times New Roman" panose="02020603050405020304" pitchFamily="18" charset="0"/>
+                <a:cs typeface="Times New Roman" panose="02020603050405020304" pitchFamily="18" charset="0"/>
+              </a:rPr>
+              <a:t>The project was conceptualized based on personal </a:t>
+            </a:r>
+            <a:r>
+              <a:rPr lang="en-US" dirty="0" smtClean="0">
+                <a:latin typeface="Times New Roman" panose="02020603050405020304" pitchFamily="18" charset="0"/>
+                <a:cs typeface="Times New Roman" panose="02020603050405020304" pitchFamily="18" charset="0"/>
+              </a:rPr>
+              <a:t>experiences. </a:t>
+            </a:r>
+            <a:endParaRPr lang="en-US" dirty="0" smtClean="0">
+              <a:latin typeface="Times New Roman" panose="02020603050405020304" pitchFamily="18" charset="0"/>
+              <a:cs typeface="Times New Roman" panose="02020603050405020304" pitchFamily="18" charset="0"/>
             </a:endParaRPr>
           </a:p>
           <a:p>
-            <a:pPr marL="457200" lvl="0" indent="-368300">
-              <a:spcBef>
-                <a:spcPts val="0"/>
-              </a:spcBef>
-              <a:buSzPts val="2200"/>
-              <a:buFont typeface="Times New Roman"/>
-              <a:buChar char="•"/>
-            </a:pPr>
-            <a:r>
-              <a:rPr lang="en-US" sz="2200" dirty="0">
-                <a:latin typeface="Times New Roman"/>
-                <a:ea typeface="Times New Roman"/>
-                <a:cs typeface="Times New Roman"/>
-                <a:sym typeface="Times New Roman"/>
-              </a:rPr>
-              <a:t>User Profile Management</a:t>
-            </a:r>
-          </a:p>
-          <a:p>
-            <a:pPr marL="914400" lvl="1" indent="-368300">
-              <a:spcBef>
-                <a:spcPts val="0"/>
-              </a:spcBef>
-              <a:buSzPts val="2200"/>
-              <a:buFont typeface="Times New Roman"/>
-              <a:buChar char="•"/>
-            </a:pPr>
-            <a:r>
-              <a:rPr lang="en-US" sz="2200" dirty="0">
-                <a:latin typeface="Times New Roman"/>
-                <a:ea typeface="Times New Roman"/>
-                <a:cs typeface="Times New Roman"/>
-                <a:sym typeface="Times New Roman"/>
-              </a:rPr>
-              <a:t>Portfolio </a:t>
-            </a:r>
-            <a:r>
-              <a:rPr lang="en-US" sz="2200" dirty="0" smtClean="0">
-                <a:latin typeface="Times New Roman"/>
-                <a:ea typeface="Times New Roman"/>
-                <a:cs typeface="Times New Roman"/>
-                <a:sym typeface="Times New Roman"/>
-              </a:rPr>
-              <a:t>Linking </a:t>
-            </a:r>
-            <a:endParaRPr lang="en-US" sz="2200" dirty="0">
-              <a:latin typeface="Times New Roman"/>
-              <a:ea typeface="Times New Roman"/>
-              <a:cs typeface="Times New Roman"/>
-              <a:sym typeface="Times New Roman"/>
+            <a:pPr algn="just"/>
+            <a:r>
+              <a:rPr lang="en-US" dirty="0" smtClean="0">
+                <a:latin typeface="Times New Roman" panose="02020603050405020304" pitchFamily="18" charset="0"/>
+                <a:cs typeface="Times New Roman" panose="02020603050405020304" pitchFamily="18" charset="0"/>
+              </a:rPr>
+              <a:t>Through </a:t>
+            </a:r>
+            <a:r>
+              <a:rPr lang="en-US" dirty="0">
+                <a:latin typeface="Times New Roman" panose="02020603050405020304" pitchFamily="18" charset="0"/>
+                <a:cs typeface="Times New Roman" panose="02020603050405020304" pitchFamily="18" charset="0"/>
+              </a:rPr>
+              <a:t>discussions and research, it became evident that existing social media platforms </a:t>
+            </a:r>
+            <a:r>
+              <a:rPr lang="en-US" dirty="0" smtClean="0">
+                <a:latin typeface="Times New Roman" panose="02020603050405020304" pitchFamily="18" charset="0"/>
+                <a:cs typeface="Times New Roman" panose="02020603050405020304" pitchFamily="18" charset="0"/>
+              </a:rPr>
+              <a:t>lack on our needs. </a:t>
+            </a:r>
+            <a:endParaRPr lang="en-US" dirty="0" smtClean="0">
+              <a:latin typeface="Times New Roman" panose="02020603050405020304" pitchFamily="18" charset="0"/>
+              <a:cs typeface="Times New Roman" panose="02020603050405020304" pitchFamily="18" charset="0"/>
             </a:endParaRPr>
           </a:p>
           <a:p>
-            <a:pPr marL="914400" lvl="1" indent="-368300">
-              <a:spcBef>
-                <a:spcPts val="0"/>
-              </a:spcBef>
-              <a:buSzPts val="2200"/>
-              <a:buFont typeface="Times New Roman"/>
-              <a:buChar char="•"/>
-            </a:pPr>
-            <a:r>
-              <a:rPr lang="en-US" sz="2200" dirty="0">
-                <a:latin typeface="Times New Roman"/>
-                <a:ea typeface="Times New Roman"/>
-                <a:cs typeface="Times New Roman"/>
-                <a:sym typeface="Times New Roman"/>
-              </a:rPr>
-              <a:t>CV </a:t>
-            </a:r>
-            <a:r>
-              <a:rPr lang="en-US" sz="2200" dirty="0" smtClean="0">
-                <a:latin typeface="Times New Roman"/>
-                <a:ea typeface="Times New Roman"/>
-                <a:cs typeface="Times New Roman"/>
-                <a:sym typeface="Times New Roman"/>
-              </a:rPr>
-              <a:t>Upload</a:t>
-            </a:r>
-            <a:endParaRPr lang="en-US" sz="2200" dirty="0">
-              <a:latin typeface="Times New Roman"/>
-              <a:ea typeface="Times New Roman"/>
-              <a:cs typeface="Times New Roman"/>
-              <a:sym typeface="Times New Roman"/>
+            <a:pPr algn="just"/>
+            <a:r>
+              <a:rPr lang="en-US" dirty="0" smtClean="0">
+                <a:latin typeface="Times New Roman" panose="02020603050405020304" pitchFamily="18" charset="0"/>
+                <a:cs typeface="Times New Roman" panose="02020603050405020304" pitchFamily="18" charset="0"/>
+              </a:rPr>
+              <a:t>The </a:t>
+            </a:r>
+            <a:r>
+              <a:rPr lang="en-US" dirty="0">
+                <a:latin typeface="Times New Roman" panose="02020603050405020304" pitchFamily="18" charset="0"/>
+                <a:cs typeface="Times New Roman" panose="02020603050405020304" pitchFamily="18" charset="0"/>
+              </a:rPr>
+              <a:t>project aims to address this gap by creating a dedicated </a:t>
+            </a:r>
+            <a:r>
+              <a:rPr lang="en-US" dirty="0" smtClean="0">
+                <a:latin typeface="Times New Roman" panose="02020603050405020304" pitchFamily="18" charset="0"/>
+                <a:cs typeface="Times New Roman" panose="02020603050405020304" pitchFamily="18" charset="0"/>
+              </a:rPr>
+              <a:t>space for </a:t>
+            </a:r>
+            <a:r>
+              <a:rPr lang="en-US" dirty="0">
+                <a:latin typeface="Times New Roman" panose="02020603050405020304" pitchFamily="18" charset="0"/>
+                <a:cs typeface="Times New Roman" panose="02020603050405020304" pitchFamily="18" charset="0"/>
+              </a:rPr>
+              <a:t>IT enthusiast.</a:t>
+            </a:r>
+            <a:endParaRPr lang="en-US" dirty="0">
+              <a:latin typeface="Times New Roman" panose="02020603050405020304" pitchFamily="18" charset="0"/>
+              <a:cs typeface="Times New Roman" panose="02020603050405020304" pitchFamily="18" charset="0"/>
             </a:endParaRPr>
           </a:p>
-          <a:p>
-            <a:pPr marL="457200" lvl="0" indent="-368300">
-              <a:spcBef>
-                <a:spcPts val="0"/>
-              </a:spcBef>
-              <a:buSzPts val="2200"/>
-              <a:buFont typeface="Times New Roman"/>
-              <a:buChar char="•"/>
-            </a:pPr>
-            <a:r>
-              <a:rPr lang="en-US" sz="2200" dirty="0">
-                <a:latin typeface="Times New Roman"/>
-                <a:ea typeface="Times New Roman"/>
-                <a:cs typeface="Times New Roman"/>
-                <a:sym typeface="Times New Roman"/>
-              </a:rPr>
-              <a:t>Connection Management</a:t>
-            </a:r>
-          </a:p>
-          <a:p>
-            <a:pPr marL="914400" lvl="1" indent="-368300">
-              <a:spcBef>
-                <a:spcPts val="0"/>
-              </a:spcBef>
-              <a:buSzPts val="2200"/>
-              <a:buFont typeface="Times New Roman"/>
-              <a:buChar char="•"/>
-            </a:pPr>
-            <a:r>
-              <a:rPr lang="en-US" sz="2200" dirty="0">
-                <a:latin typeface="Times New Roman"/>
-                <a:ea typeface="Times New Roman"/>
-                <a:cs typeface="Times New Roman"/>
-                <a:sym typeface="Times New Roman"/>
-              </a:rPr>
-              <a:t>Send connection request</a:t>
-            </a:r>
-          </a:p>
-          <a:p>
-            <a:pPr marL="914400" lvl="1" indent="-368300">
-              <a:spcBef>
-                <a:spcPts val="0"/>
-              </a:spcBef>
-              <a:buSzPts val="2200"/>
-              <a:buFont typeface="Times New Roman"/>
-              <a:buChar char="•"/>
-            </a:pPr>
-            <a:r>
-              <a:rPr lang="en-US" sz="2200" dirty="0">
-                <a:latin typeface="Times New Roman"/>
-                <a:ea typeface="Times New Roman"/>
-                <a:cs typeface="Times New Roman"/>
-                <a:sym typeface="Times New Roman"/>
-              </a:rPr>
-              <a:t>Accept c</a:t>
-            </a:r>
-            <a:r>
-              <a:rPr lang="en-US" sz="2200" dirty="0" smtClean="0">
-                <a:latin typeface="Times New Roman"/>
-                <a:ea typeface="Times New Roman"/>
-                <a:cs typeface="Times New Roman"/>
-                <a:sym typeface="Times New Roman"/>
-              </a:rPr>
-              <a:t>onnection </a:t>
-            </a:r>
-            <a:r>
-              <a:rPr lang="en-US" sz="2200" dirty="0">
-                <a:latin typeface="Times New Roman"/>
-                <a:ea typeface="Times New Roman"/>
-                <a:cs typeface="Times New Roman"/>
-                <a:sym typeface="Times New Roman"/>
-              </a:rPr>
-              <a:t>request</a:t>
-            </a:r>
-          </a:p>
-          <a:p>
-            <a:pPr marL="457200" lvl="0" indent="-368300">
-              <a:spcBef>
-                <a:spcPts val="0"/>
-              </a:spcBef>
-              <a:buSzPts val="2200"/>
-              <a:buFont typeface="Times New Roman"/>
-              <a:buChar char="•"/>
-            </a:pPr>
-            <a:r>
-              <a:rPr lang="en-US" sz="2200" dirty="0">
-                <a:latin typeface="Times New Roman"/>
-                <a:ea typeface="Times New Roman"/>
-                <a:cs typeface="Times New Roman"/>
-                <a:sym typeface="Times New Roman"/>
-              </a:rPr>
-              <a:t>Discussion/News Feed</a:t>
-            </a:r>
-          </a:p>
-          <a:p>
-            <a:pPr marL="914400" lvl="1" indent="-368300">
-              <a:spcBef>
-                <a:spcPts val="0"/>
-              </a:spcBef>
-              <a:buSzPts val="2200"/>
-              <a:buFont typeface="Times New Roman"/>
-              <a:buChar char="•"/>
-            </a:pPr>
-            <a:r>
-              <a:rPr lang="en-US" sz="2200" dirty="0">
-                <a:latin typeface="Times New Roman"/>
-                <a:ea typeface="Times New Roman"/>
-                <a:cs typeface="Times New Roman"/>
-                <a:sym typeface="Times New Roman"/>
-              </a:rPr>
-              <a:t>Post discussion</a:t>
-            </a:r>
-          </a:p>
-          <a:p>
-            <a:pPr marL="914400" lvl="1" indent="-368300">
-              <a:spcBef>
-                <a:spcPts val="0"/>
-              </a:spcBef>
-              <a:buSzPts val="2200"/>
-              <a:buFont typeface="Times New Roman"/>
-              <a:buChar char="•"/>
-            </a:pPr>
-            <a:r>
-              <a:rPr lang="en-US" sz="2200" dirty="0" smtClean="0">
-                <a:latin typeface="Times New Roman"/>
-                <a:ea typeface="Times New Roman"/>
-                <a:cs typeface="Times New Roman"/>
-                <a:sym typeface="Times New Roman"/>
-              </a:rPr>
-              <a:t>Geek/Comment</a:t>
-            </a:r>
-            <a:endParaRPr lang="en-US" sz="2200" dirty="0">
-              <a:latin typeface="Times New Roman"/>
-              <a:ea typeface="Times New Roman"/>
-              <a:cs typeface="Times New Roman"/>
-              <a:sym typeface="Times New Roman"/>
-            </a:endParaRPr>
-          </a:p>
-          <a:p>
-            <a:pPr marL="457200" lvl="0" indent="-368300">
-              <a:spcBef>
-                <a:spcPts val="0"/>
-              </a:spcBef>
-              <a:buSzPts val="2200"/>
-              <a:buFont typeface="Times New Roman"/>
-              <a:buChar char="•"/>
-            </a:pPr>
-            <a:r>
-              <a:rPr lang="en-US" sz="2200" dirty="0">
-                <a:latin typeface="Times New Roman"/>
-                <a:ea typeface="Times New Roman"/>
-                <a:cs typeface="Times New Roman"/>
-                <a:sym typeface="Times New Roman"/>
-              </a:rPr>
-              <a:t>Messaging</a:t>
-            </a:r>
-          </a:p>
-          <a:p>
-            <a:pPr marL="914400" lvl="1" indent="-368300">
-              <a:spcBef>
-                <a:spcPts val="0"/>
-              </a:spcBef>
-              <a:buSzPts val="2200"/>
-              <a:buFont typeface="Times New Roman"/>
-              <a:buChar char="•"/>
-            </a:pPr>
-            <a:r>
-              <a:rPr lang="en-US" sz="2200" dirty="0">
-                <a:latin typeface="Times New Roman"/>
-                <a:ea typeface="Times New Roman"/>
-                <a:cs typeface="Times New Roman"/>
-                <a:sym typeface="Times New Roman"/>
-              </a:rPr>
-              <a:t>Send and Receive messages</a:t>
-            </a:r>
-          </a:p>
-          <a:p>
-            <a:pPr marL="457200" lvl="0" indent="-368300">
-              <a:spcBef>
-                <a:spcPts val="0"/>
-              </a:spcBef>
-              <a:buSzPts val="2200"/>
-              <a:buFont typeface="Times New Roman"/>
-              <a:buChar char="•"/>
-            </a:pPr>
-            <a:r>
-              <a:rPr lang="en-US" sz="2200" dirty="0" smtClean="0">
-                <a:latin typeface="Times New Roman"/>
-                <a:ea typeface="Times New Roman"/>
-                <a:cs typeface="Times New Roman"/>
-                <a:sym typeface="Times New Roman"/>
-              </a:rPr>
-              <a:t>Notifications</a:t>
-            </a:r>
-            <a:endParaRPr lang="en-US" sz="2200" dirty="0">
-              <a:latin typeface="Times New Roman"/>
-              <a:ea typeface="Times New Roman"/>
-              <a:cs typeface="Times New Roman"/>
-              <a:sym typeface="Times New Roman"/>
-            </a:endParaRPr>
-          </a:p>
-          <a:p>
-            <a:pPr marL="0" lvl="0" indent="0">
-              <a:buClr>
-                <a:schemeClr val="dk1"/>
-              </a:buClr>
-              <a:buSzPts val="1100"/>
-              <a:buNone/>
-            </a:pPr>
-            <a:endParaRPr lang="en-US" sz="2200" dirty="0">
-              <a:latin typeface="Times New Roman"/>
-              <a:ea typeface="Times New Roman"/>
-              <a:cs typeface="Times New Roman"/>
-              <a:sym typeface="Times New Roman"/>
-            </a:endParaRPr>
-          </a:p>
-          <a:p>
-            <a:pPr marL="0" lvl="0" indent="0">
-              <a:buClr>
-                <a:schemeClr val="dk1"/>
-              </a:buClr>
-              <a:buSzPts val="1100"/>
-              <a:buNone/>
-            </a:pPr>
-            <a:endParaRPr lang="en-US" sz="2200" dirty="0">
-              <a:latin typeface="Times New Roman"/>
-              <a:ea typeface="Times New Roman"/>
-              <a:cs typeface="Times New Roman"/>
-              <a:sym typeface="Times New Roman"/>
-            </a:endParaRPr>
-          </a:p>
-          <a:p>
-            <a:pPr marL="0" lvl="0" indent="0">
-              <a:buNone/>
-            </a:pPr>
-            <a:endParaRPr lang="en-US" sz="2200" dirty="0">
-              <a:latin typeface="Times New Roman"/>
-              <a:ea typeface="Times New Roman"/>
-              <a:cs typeface="Times New Roman"/>
-              <a:sym typeface="Times New Roman"/>
-            </a:endParaRPr>
-          </a:p>
-          <a:p>
+        </p:txBody>
+      </p:sp>
+      <p:sp>
+        <p:nvSpPr>
+          <p:cNvPr id="4" name="Slide Number Placeholder 3"/>
+          <p:cNvSpPr>
+            <a:spLocks noGrp="1"/>
+          </p:cNvSpPr>
+          <p:nvPr>
+            <p:ph type="sldNum" sz="quarter" idx="12"/>
+          </p:nvPr>
+        </p:nvSpPr>
+        <p:spPr/>
+        <p:txBody>
+          <a:bodyPr/>
+          <a:lstStyle/>
+          <a:p>
+            <a:fld id="{EC5C04CC-AAE0-4DA8-BE54-D7078AB31EEA}" type="slidenum">
+              <a:rPr lang="en-US" smtClean="0"/>
+              <a:t>3</a:t>
+            </a:fld>
             <a:endParaRPr lang="en-US" dirty="0"/>
           </a:p>
         </p:txBody>
       </p:sp>
       <p:sp>
         <p:nvSpPr>
-          <p:cNvPr id="4" name="Date Placeholder 3"/>
+          <p:cNvPr id="5" name="Date Placeholder 4"/>
           <p:cNvSpPr>
             <a:spLocks noGrp="1"/>
           </p:cNvSpPr>
@@ -5286,32 +7735,9 @@
           <a:bodyPr/>
           <a:lstStyle/>
           <a:p>
-            <a:fld id="{61066859-9ABD-47EE-A13A-7683241B4E0D}" type="datetime1">
-              <a:rPr lang="en-US" smtClean="0"/>
-              <a:t>6/3/2023</a:t>
-            </a:fld>
-            <a:endParaRPr lang="en-US"/>
-          </a:p>
-        </p:txBody>
-      </p:sp>
-      <p:sp>
-        <p:nvSpPr>
-          <p:cNvPr id="5" name="Slide Number Placeholder 4"/>
-          <p:cNvSpPr>
-            <a:spLocks noGrp="1"/>
-          </p:cNvSpPr>
-          <p:nvPr>
-            <p:ph type="sldNum" sz="quarter" idx="12"/>
-          </p:nvPr>
-        </p:nvSpPr>
-        <p:spPr/>
-        <p:txBody>
-          <a:bodyPr/>
-          <a:lstStyle/>
-          <a:p>
-            <a:fld id="{EC5C04CC-AAE0-4DA8-BE54-D7078AB31EEA}" type="slidenum">
-              <a:rPr lang="en-US" smtClean="0"/>
-              <a:t>3</a:t>
+            <a:fld id="{EDC2E9A8-9B6C-49D4-8298-F9AA7E468CBB}" type="datetime1">
+              <a:rPr lang="en-US" smtClean="0"/>
+              <a:t>6/9/2023</a:t>
             </a:fld>
             <a:endParaRPr lang="en-US"/>
           </a:p>
@@ -5320,7 +7746,7 @@
     </p:spTree>
     <p:extLst>
       <p:ext uri="{BB962C8B-B14F-4D97-AF65-F5344CB8AC3E}">
-        <p14:creationId xmlns:p14="http://schemas.microsoft.com/office/powerpoint/2010/main" val="1200180017"/>
+        <p14:creationId xmlns:p14="http://schemas.microsoft.com/office/powerpoint/2010/main" val="4178703044"/>
       </p:ext>
     </p:extLst>
   </p:cSld>
@@ -5374,7 +7800,7 @@
                 <a:latin typeface="Times New Roman" panose="02020603050405020304" pitchFamily="18" charset="0"/>
                 <a:cs typeface="Times New Roman" panose="02020603050405020304" pitchFamily="18" charset="0"/>
               </a:rPr>
-              <a:t>Objectives</a:t>
+              <a:t>Problem Statement</a:t>
             </a:r>
             <a:endParaRPr lang="en-US" dirty="0">
               <a:latin typeface="Times New Roman" panose="02020603050405020304" pitchFamily="18" charset="0"/>
@@ -5395,52 +7821,110 @@
         </p:nvSpPr>
         <p:spPr/>
         <p:txBody>
-          <a:bodyPr>
-            <a:normAutofit/>
-          </a:bodyPr>
-          <a:lstStyle/>
-          <a:p>
-            <a:pPr algn="just"/>
-            <a:r>
-              <a:rPr lang="en-US" dirty="0"/>
-              <a:t>Develop a user-friendly </a:t>
-            </a:r>
-            <a:r>
-              <a:rPr lang="en-US" dirty="0" smtClean="0"/>
-              <a:t>social </a:t>
-            </a:r>
-            <a:r>
-              <a:rPr lang="en-US" dirty="0"/>
-              <a:t>media web app specifically tailored </a:t>
-            </a:r>
-            <a:r>
-              <a:rPr lang="en-US" dirty="0" smtClean="0"/>
-              <a:t>to </a:t>
-            </a:r>
-            <a:r>
-              <a:rPr lang="en-US" dirty="0"/>
-              <a:t>IT professionals.</a:t>
-            </a:r>
-          </a:p>
-          <a:p>
-            <a:pPr algn="just"/>
-            <a:r>
-              <a:rPr lang="en-US" dirty="0" smtClean="0"/>
-              <a:t>Exposure </a:t>
-            </a:r>
-            <a:r>
-              <a:rPr lang="en-US" dirty="0" smtClean="0"/>
-              <a:t>for new aspiring IT professionals for their career.</a:t>
-            </a:r>
-            <a:endParaRPr lang="en-US" dirty="0"/>
-          </a:p>
-          <a:p>
-            <a:pPr algn="just"/>
+          <a:bodyPr/>
+          <a:lstStyle/>
+          <a:p>
+            <a:r>
+              <a:rPr lang="en-US" dirty="0">
+                <a:latin typeface="Times New Roman" panose="02020603050405020304" pitchFamily="18" charset="0"/>
+                <a:cs typeface="Times New Roman" panose="02020603050405020304" pitchFamily="18" charset="0"/>
+              </a:rPr>
+              <a:t>Lack of </a:t>
+            </a:r>
+            <a:r>
+              <a:rPr lang="en-US" dirty="0" smtClean="0">
+                <a:latin typeface="Times New Roman" panose="02020603050405020304" pitchFamily="18" charset="0"/>
+                <a:cs typeface="Times New Roman" panose="02020603050405020304" pitchFamily="18" charset="0"/>
+              </a:rPr>
+              <a:t>specific social media for </a:t>
+            </a:r>
+            <a:r>
+              <a:rPr lang="en-US" dirty="0">
+                <a:latin typeface="Times New Roman" panose="02020603050405020304" pitchFamily="18" charset="0"/>
+                <a:cs typeface="Times New Roman" panose="02020603050405020304" pitchFamily="18" charset="0"/>
+              </a:rPr>
+              <a:t>IT </a:t>
+            </a:r>
+            <a:r>
+              <a:rPr lang="en-US" dirty="0">
+                <a:latin typeface="Times New Roman" panose="02020603050405020304" pitchFamily="18" charset="0"/>
+                <a:cs typeface="Times New Roman" panose="02020603050405020304" pitchFamily="18" charset="0"/>
+              </a:rPr>
+              <a:t>enthusiast</a:t>
+            </a:r>
+            <a:endParaRPr lang="en-US" dirty="0" smtClean="0">
+              <a:latin typeface="Times New Roman" panose="02020603050405020304" pitchFamily="18" charset="0"/>
+              <a:cs typeface="Times New Roman" panose="02020603050405020304" pitchFamily="18" charset="0"/>
+            </a:endParaRPr>
+          </a:p>
+          <a:p>
+            <a:r>
+              <a:rPr lang="en-US" dirty="0" smtClean="0">
+                <a:latin typeface="Times New Roman" panose="02020603050405020304" pitchFamily="18" charset="0"/>
+                <a:cs typeface="Times New Roman" panose="02020603050405020304" pitchFamily="18" charset="0"/>
+              </a:rPr>
+              <a:t>Limited Facilities for sharing </a:t>
+            </a:r>
+            <a:r>
+              <a:rPr lang="en-US" dirty="0" smtClean="0">
+                <a:latin typeface="Times New Roman" panose="02020603050405020304" pitchFamily="18" charset="0"/>
+                <a:cs typeface="Times New Roman" panose="02020603050405020304" pitchFamily="18" charset="0"/>
+              </a:rPr>
+              <a:t>Resume and Projects</a:t>
+            </a:r>
+            <a:endParaRPr lang="en-US" dirty="0" smtClean="0">
+              <a:latin typeface="Times New Roman" panose="02020603050405020304" pitchFamily="18" charset="0"/>
+              <a:cs typeface="Times New Roman" panose="02020603050405020304" pitchFamily="18" charset="0"/>
+            </a:endParaRPr>
+          </a:p>
+          <a:p>
+            <a:r>
+              <a:rPr lang="en-US" dirty="0" smtClean="0">
+                <a:latin typeface="Times New Roman" panose="02020603050405020304" pitchFamily="18" charset="0"/>
+                <a:cs typeface="Times New Roman" panose="02020603050405020304" pitchFamily="18" charset="0"/>
+              </a:rPr>
+              <a:t>Limited </a:t>
+            </a:r>
+            <a:r>
+              <a:rPr lang="en-US" dirty="0" smtClean="0">
+                <a:latin typeface="Times New Roman" panose="02020603050405020304" pitchFamily="18" charset="0"/>
+                <a:cs typeface="Times New Roman" panose="02020603050405020304" pitchFamily="18" charset="0"/>
+              </a:rPr>
+              <a:t>Exposure in other social media </a:t>
+            </a:r>
             <a:endParaRPr lang="en-US" dirty="0">
               <a:latin typeface="Times New Roman" panose="02020603050405020304" pitchFamily="18" charset="0"/>
               <a:cs typeface="Times New Roman" panose="02020603050405020304" pitchFamily="18" charset="0"/>
             </a:endParaRPr>
           </a:p>
+          <a:p>
+            <a:pPr lvl="1"/>
+            <a:r>
+              <a:rPr lang="en-US" dirty="0" smtClean="0">
+                <a:latin typeface="Times New Roman" panose="02020603050405020304" pitchFamily="18" charset="0"/>
+                <a:cs typeface="Times New Roman" panose="02020603050405020304" pitchFamily="18" charset="0"/>
+              </a:rPr>
+              <a:t>Specially </a:t>
+            </a:r>
+            <a:r>
+              <a:rPr lang="en-US" dirty="0" smtClean="0">
+                <a:latin typeface="Times New Roman" panose="02020603050405020304" pitchFamily="18" charset="0"/>
+                <a:cs typeface="Times New Roman" panose="02020603050405020304" pitchFamily="18" charset="0"/>
+              </a:rPr>
+              <a:t>for new aspiring </a:t>
+            </a:r>
+            <a:r>
+              <a:rPr lang="en-US" dirty="0" smtClean="0">
+                <a:latin typeface="Times New Roman" panose="02020603050405020304" pitchFamily="18" charset="0"/>
+                <a:cs typeface="Times New Roman" panose="02020603050405020304" pitchFamily="18" charset="0"/>
+              </a:rPr>
+              <a:t>developers and designers</a:t>
+            </a:r>
+            <a:endParaRPr lang="en-US" dirty="0">
+              <a:latin typeface="Times New Roman" panose="02020603050405020304" pitchFamily="18" charset="0"/>
+              <a:cs typeface="Times New Roman" panose="02020603050405020304" pitchFamily="18" charset="0"/>
+            </a:endParaRPr>
+          </a:p>
         </p:txBody>
       </p:sp>
       <p:sp>
@@ -5460,7 +7944,7 @@
           <a:p>
             <a:fld id="{61066859-9ABD-47EE-A13A-7683241B4E0D}" type="datetime1">
               <a:rPr lang="en-US" smtClean="0"/>
-              <a:t>6/3/2023</a:t>
+              <a:t>6/9/2023</a:t>
             </a:fld>
             <a:endParaRPr lang="en-US"/>
           </a:p>
@@ -5492,7 +7976,7 @@
     </p:spTree>
     <p:extLst>
       <p:ext uri="{BB962C8B-B14F-4D97-AF65-F5344CB8AC3E}">
-        <p14:creationId xmlns:p14="http://schemas.microsoft.com/office/powerpoint/2010/main" val="1278958902"/>
+        <p14:creationId xmlns:p14="http://schemas.microsoft.com/office/powerpoint/2010/main" val="1954468852"/>
       </p:ext>
     </p:extLst>
   </p:cSld>
@@ -5546,7 +8030,7 @@
                 <a:latin typeface="Times New Roman" panose="02020603050405020304" pitchFamily="18" charset="0"/>
                 <a:cs typeface="Times New Roman" panose="02020603050405020304" pitchFamily="18" charset="0"/>
               </a:rPr>
-              <a:t>Proposed Methodology</a:t>
+              <a:t>Objectives</a:t>
             </a:r>
             <a:endParaRPr lang="en-US" dirty="0">
               <a:latin typeface="Times New Roman" panose="02020603050405020304" pitchFamily="18" charset="0"/>
@@ -5572,127 +8056,32 @@
           </a:bodyPr>
           <a:lstStyle/>
           <a:p>
-            <a:r>
-              <a:rPr lang="en-US" dirty="0" smtClean="0">
-                <a:latin typeface="Times New Roman" panose="02020603050405020304" pitchFamily="18" charset="0"/>
-                <a:cs typeface="Times New Roman" panose="02020603050405020304" pitchFamily="18" charset="0"/>
-              </a:rPr>
-              <a:t>Requirement Identification</a:t>
-            </a:r>
-          </a:p>
-          <a:p>
-            <a:r>
-              <a:rPr lang="en-US" dirty="0" smtClean="0">
-                <a:latin typeface="Times New Roman" panose="02020603050405020304" pitchFamily="18" charset="0"/>
-                <a:cs typeface="Times New Roman" panose="02020603050405020304" pitchFamily="18" charset="0"/>
-              </a:rPr>
-              <a:t>Feasibility Study</a:t>
-            </a:r>
-          </a:p>
-          <a:p>
-            <a:r>
-              <a:rPr lang="en-US" dirty="0" smtClean="0">
-                <a:latin typeface="Times New Roman" panose="02020603050405020304" pitchFamily="18" charset="0"/>
-                <a:cs typeface="Times New Roman" panose="02020603050405020304" pitchFamily="18" charset="0"/>
-              </a:rPr>
-              <a:t>We will be using Agile Methodology</a:t>
-            </a:r>
-          </a:p>
-          <a:p>
-            <a:r>
-              <a:rPr lang="en-US" dirty="0" smtClean="0">
-                <a:latin typeface="Times New Roman" panose="02020603050405020304" pitchFamily="18" charset="0"/>
-                <a:cs typeface="Times New Roman" panose="02020603050405020304" pitchFamily="18" charset="0"/>
-              </a:rPr>
-              <a:t>Following SDLC phases </a:t>
-            </a:r>
-          </a:p>
-          <a:p>
-            <a:pPr lvl="1"/>
-            <a:r>
-              <a:rPr lang="en-US" dirty="0" smtClean="0">
-                <a:latin typeface="Times New Roman" panose="02020603050405020304" pitchFamily="18" charset="0"/>
-                <a:cs typeface="Times New Roman" panose="02020603050405020304" pitchFamily="18" charset="0"/>
-              </a:rPr>
-              <a:t>Planning, Analysis, Design, Implementation, Testing</a:t>
-            </a:r>
-          </a:p>
-          <a:p>
-            <a:r>
-              <a:rPr lang="en-US" dirty="0" smtClean="0">
-                <a:latin typeface="Times New Roman" panose="02020603050405020304" pitchFamily="18" charset="0"/>
-                <a:cs typeface="Times New Roman" panose="02020603050405020304" pitchFamily="18" charset="0"/>
-              </a:rPr>
-              <a:t>Designing </a:t>
-            </a:r>
-            <a:r>
-              <a:rPr lang="en-US" dirty="0">
-                <a:latin typeface="Times New Roman" panose="02020603050405020304" pitchFamily="18" charset="0"/>
-                <a:cs typeface="Times New Roman" panose="02020603050405020304" pitchFamily="18" charset="0"/>
-              </a:rPr>
-              <a:t>Tools</a:t>
-            </a:r>
-          </a:p>
-          <a:p>
-            <a:pPr lvl="1"/>
-            <a:r>
-              <a:rPr lang="en-US" dirty="0" smtClean="0">
-                <a:latin typeface="Times New Roman" panose="02020603050405020304" pitchFamily="18" charset="0"/>
-                <a:cs typeface="Times New Roman" panose="02020603050405020304" pitchFamily="18" charset="0"/>
-              </a:rPr>
-              <a:t>Photoshop (Graphics Design)</a:t>
-            </a:r>
-            <a:endParaRPr lang="en-US" dirty="0">
-              <a:latin typeface="Times New Roman" panose="02020603050405020304" pitchFamily="18" charset="0"/>
-              <a:cs typeface="Times New Roman" panose="02020603050405020304" pitchFamily="18" charset="0"/>
-            </a:endParaRPr>
-          </a:p>
-          <a:p>
-            <a:pPr lvl="1"/>
-            <a:r>
-              <a:rPr lang="en-US" dirty="0" err="1" smtClean="0">
-                <a:latin typeface="Times New Roman" panose="02020603050405020304" pitchFamily="18" charset="0"/>
-                <a:cs typeface="Times New Roman" panose="02020603050405020304" pitchFamily="18" charset="0"/>
-              </a:rPr>
-              <a:t>Figma</a:t>
-            </a:r>
-            <a:r>
-              <a:rPr lang="en-US" dirty="0" smtClean="0">
-                <a:latin typeface="Times New Roman" panose="02020603050405020304" pitchFamily="18" charset="0"/>
-                <a:cs typeface="Times New Roman" panose="02020603050405020304" pitchFamily="18" charset="0"/>
-              </a:rPr>
-              <a:t> </a:t>
-            </a:r>
-            <a:r>
-              <a:rPr lang="en-US" dirty="0" smtClean="0">
-                <a:latin typeface="Times New Roman" panose="02020603050405020304" pitchFamily="18" charset="0"/>
-                <a:cs typeface="Times New Roman" panose="02020603050405020304" pitchFamily="18" charset="0"/>
-              </a:rPr>
-              <a:t>(UI Design)</a:t>
-            </a:r>
-            <a:endParaRPr lang="en-US" dirty="0">
-              <a:latin typeface="Times New Roman" panose="02020603050405020304" pitchFamily="18" charset="0"/>
-              <a:cs typeface="Times New Roman" panose="02020603050405020304" pitchFamily="18" charset="0"/>
-            </a:endParaRPr>
-          </a:p>
-          <a:p>
-            <a:pPr lvl="1"/>
-            <a:r>
-              <a:rPr lang="en-US" dirty="0">
-                <a:latin typeface="Times New Roman" panose="02020603050405020304" pitchFamily="18" charset="0"/>
-                <a:cs typeface="Times New Roman" panose="02020603050405020304" pitchFamily="18" charset="0"/>
-              </a:rPr>
-              <a:t>Draw.io</a:t>
-            </a:r>
-          </a:p>
-          <a:p>
-            <a:pPr marL="0" indent="0">
-              <a:buNone/>
-            </a:pPr>
-            <a:endParaRPr lang="en-US" dirty="0" smtClean="0">
-              <a:latin typeface="Times New Roman" panose="02020603050405020304" pitchFamily="18" charset="0"/>
-              <a:cs typeface="Times New Roman" panose="02020603050405020304" pitchFamily="18" charset="0"/>
-            </a:endParaRPr>
+            <a:pPr algn="just"/>
+            <a:r>
+              <a:rPr lang="en-US" dirty="0"/>
+              <a:t>Develop a user-friendly </a:t>
+            </a:r>
+            <a:r>
+              <a:rPr lang="en-US" dirty="0" smtClean="0"/>
+              <a:t>social </a:t>
+            </a:r>
+            <a:r>
+              <a:rPr lang="en-US" dirty="0"/>
+              <a:t>media web app specifically tailored </a:t>
+            </a:r>
+            <a:r>
+              <a:rPr lang="en-US" dirty="0" smtClean="0"/>
+              <a:t>to </a:t>
+            </a:r>
+            <a:r>
+              <a:rPr lang="en-US" dirty="0"/>
+              <a:t>IT </a:t>
+            </a:r>
+            <a:r>
+              <a:rPr lang="en-US" dirty="0"/>
+              <a:t>enthusiast.</a:t>
+            </a:r>
+            <a:endParaRPr lang="en-US" dirty="0"/>
           </a:p>
         </p:txBody>
       </p:sp>
@@ -5713,7 +8102,7 @@
           <a:p>
             <a:fld id="{61066859-9ABD-47EE-A13A-7683241B4E0D}" type="datetime1">
               <a:rPr lang="en-US" smtClean="0"/>
-              <a:t>6/3/2023</a:t>
+              <a:t>6/9/2023</a:t>
             </a:fld>
             <a:endParaRPr lang="en-US"/>
           </a:p>
@@ -5745,7 +8134,7 @@
     </p:spTree>
     <p:extLst>
       <p:ext uri="{BB962C8B-B14F-4D97-AF65-F5344CB8AC3E}">
-        <p14:creationId xmlns:p14="http://schemas.microsoft.com/office/powerpoint/2010/main" val="1282512683"/>
+        <p14:creationId xmlns:p14="http://schemas.microsoft.com/office/powerpoint/2010/main" val="1278958902"/>
       </p:ext>
     </p:extLst>
   </p:cSld>
@@ -5799,7 +8188,7 @@
                 <a:latin typeface="Times New Roman" panose="02020603050405020304" pitchFamily="18" charset="0"/>
                 <a:cs typeface="Times New Roman" panose="02020603050405020304" pitchFamily="18" charset="0"/>
               </a:rPr>
-              <a:t>Contd…</a:t>
+              <a:t>Scope</a:t>
             </a:r>
             <a:endParaRPr lang="en-US" dirty="0">
               <a:latin typeface="Times New Roman" panose="02020603050405020304" pitchFamily="18" charset="0"/>
@@ -5830,70 +8219,25 @@
                 <a:latin typeface="Times New Roman" panose="02020603050405020304" pitchFamily="18" charset="0"/>
                 <a:cs typeface="Times New Roman" panose="02020603050405020304" pitchFamily="18" charset="0"/>
               </a:rPr>
-              <a:t>VCS : </a:t>
-            </a:r>
-            <a:r>
-              <a:rPr lang="en-US" dirty="0" err="1" smtClean="0">
-                <a:latin typeface="Times New Roman" panose="02020603050405020304" pitchFamily="18" charset="0"/>
-                <a:cs typeface="Times New Roman" panose="02020603050405020304" pitchFamily="18" charset="0"/>
-              </a:rPr>
-              <a:t>Git</a:t>
-            </a:r>
-            <a:endParaRPr lang="en-US" dirty="0" smtClean="0">
-              <a:latin typeface="Times New Roman" panose="02020603050405020304" pitchFamily="18" charset="0"/>
-              <a:cs typeface="Times New Roman" panose="02020603050405020304" pitchFamily="18" charset="0"/>
-            </a:endParaRPr>
-          </a:p>
-          <a:p>
-            <a:r>
-              <a:rPr lang="en-US" dirty="0">
-                <a:latin typeface="Times New Roman" panose="02020603050405020304" pitchFamily="18" charset="0"/>
-                <a:cs typeface="Times New Roman" panose="02020603050405020304" pitchFamily="18" charset="0"/>
-              </a:rPr>
-              <a:t>E-R Diagram for </a:t>
-            </a:r>
+              <a:t>Networking</a:t>
+            </a:r>
+          </a:p>
+          <a:p>
             <a:r>
               <a:rPr lang="en-US" dirty="0" smtClean="0">
                 <a:latin typeface="Times New Roman" panose="02020603050405020304" pitchFamily="18" charset="0"/>
                 <a:cs typeface="Times New Roman" panose="02020603050405020304" pitchFamily="18" charset="0"/>
               </a:rPr>
-              <a:t>DBMS</a:t>
-            </a:r>
-          </a:p>
-          <a:p>
-            <a:r>
-              <a:rPr lang="en-US" dirty="0">
-                <a:latin typeface="Times New Roman" panose="02020603050405020304" pitchFamily="18" charset="0"/>
-                <a:cs typeface="Times New Roman" panose="02020603050405020304" pitchFamily="18" charset="0"/>
-              </a:rPr>
-              <a:t>Software Engineering Diagrams</a:t>
-            </a:r>
-          </a:p>
-          <a:p>
-            <a:pPr lvl="1"/>
-            <a:r>
-              <a:rPr lang="en-US" dirty="0">
-                <a:latin typeface="Times New Roman" panose="02020603050405020304" pitchFamily="18" charset="0"/>
-                <a:cs typeface="Times New Roman" panose="02020603050405020304" pitchFamily="18" charset="0"/>
-              </a:rPr>
-              <a:t>DFD </a:t>
-            </a:r>
-          </a:p>
-          <a:p>
-            <a:pPr lvl="1"/>
-            <a:r>
-              <a:rPr lang="en-US" dirty="0">
-                <a:latin typeface="Times New Roman" panose="02020603050405020304" pitchFamily="18" charset="0"/>
-                <a:cs typeface="Times New Roman" panose="02020603050405020304" pitchFamily="18" charset="0"/>
-              </a:rPr>
-              <a:t>Use </a:t>
-            </a:r>
+              <a:t>Messaging</a:t>
+            </a:r>
+          </a:p>
+          <a:p>
             <a:r>
               <a:rPr lang="en-US" dirty="0" smtClean="0">
                 <a:latin typeface="Times New Roman" panose="02020603050405020304" pitchFamily="18" charset="0"/>
                 <a:cs typeface="Times New Roman" panose="02020603050405020304" pitchFamily="18" charset="0"/>
               </a:rPr>
-              <a:t>Case</a:t>
+              <a:t>Showcase</a:t>
             </a:r>
           </a:p>
           <a:p>
@@ -5902,72 +8246,13 @@
                 <a:latin typeface="Times New Roman" panose="02020603050405020304" pitchFamily="18" charset="0"/>
                 <a:cs typeface="Times New Roman" panose="02020603050405020304" pitchFamily="18" charset="0"/>
               </a:rPr>
-              <a:t>Repository Management : GitHub</a:t>
+              <a:t>Connection</a:t>
             </a:r>
             <a:endParaRPr lang="en-US" dirty="0">
               <a:latin typeface="Times New Roman" panose="02020603050405020304" pitchFamily="18" charset="0"/>
               <a:cs typeface="Times New Roman" panose="02020603050405020304" pitchFamily="18" charset="0"/>
             </a:endParaRPr>
           </a:p>
-          <a:p>
-            <a:r>
-              <a:rPr lang="en-US" dirty="0" smtClean="0">
-                <a:latin typeface="Times New Roman" panose="02020603050405020304" pitchFamily="18" charset="0"/>
-                <a:cs typeface="Times New Roman" panose="02020603050405020304" pitchFamily="18" charset="0"/>
-              </a:rPr>
-              <a:t>Frontend : HTML, CSS, JS, </a:t>
-            </a:r>
-            <a:r>
-              <a:rPr lang="en-US" dirty="0" smtClean="0">
-                <a:latin typeface="Times New Roman" panose="02020603050405020304" pitchFamily="18" charset="0"/>
-                <a:cs typeface="Times New Roman" panose="02020603050405020304" pitchFamily="18" charset="0"/>
-              </a:rPr>
-              <a:t>AJAX, Web Sockets </a:t>
-            </a:r>
-            <a:r>
-              <a:rPr lang="en-US" dirty="0" smtClean="0">
-                <a:latin typeface="Times New Roman" panose="02020603050405020304" pitchFamily="18" charset="0"/>
-                <a:cs typeface="Times New Roman" panose="02020603050405020304" pitchFamily="18" charset="0"/>
-              </a:rPr>
-              <a:t>and Bootstrap</a:t>
-            </a:r>
-          </a:p>
-          <a:p>
-            <a:r>
-              <a:rPr lang="en-US" dirty="0" smtClean="0">
-                <a:latin typeface="Times New Roman" panose="02020603050405020304" pitchFamily="18" charset="0"/>
-                <a:cs typeface="Times New Roman" panose="02020603050405020304" pitchFamily="18" charset="0"/>
-              </a:rPr>
-              <a:t>Database : MySQL </a:t>
-            </a:r>
-          </a:p>
-          <a:p>
-            <a:r>
-              <a:rPr lang="en-US" dirty="0" smtClean="0">
-                <a:latin typeface="Times New Roman" panose="02020603050405020304" pitchFamily="18" charset="0"/>
-                <a:cs typeface="Times New Roman" panose="02020603050405020304" pitchFamily="18" charset="0"/>
-              </a:rPr>
-              <a:t>Backend : PHP </a:t>
-            </a:r>
-            <a:r>
-              <a:rPr lang="en-US" dirty="0" smtClean="0">
-                <a:latin typeface="Times New Roman" panose="02020603050405020304" pitchFamily="18" charset="0"/>
-                <a:cs typeface="Times New Roman" panose="02020603050405020304" pitchFamily="18" charset="0"/>
-              </a:rPr>
-              <a:t>and </a:t>
-            </a:r>
-            <a:r>
-              <a:rPr lang="en-US" smtClean="0">
-                <a:latin typeface="Times New Roman" panose="02020603050405020304" pitchFamily="18" charset="0"/>
-                <a:cs typeface="Times New Roman" panose="02020603050405020304" pitchFamily="18" charset="0"/>
-              </a:rPr>
-              <a:t>Apache Server</a:t>
-            </a:r>
-            <a:endParaRPr lang="en-US" dirty="0">
-              <a:latin typeface="Times New Roman" panose="02020603050405020304" pitchFamily="18" charset="0"/>
-              <a:cs typeface="Times New Roman" panose="02020603050405020304" pitchFamily="18" charset="0"/>
-            </a:endParaRPr>
-          </a:p>
         </p:txBody>
       </p:sp>
       <p:sp>
@@ -5987,7 +8272,7 @@
           <a:p>
             <a:fld id="{61066859-9ABD-47EE-A13A-7683241B4E0D}" type="datetime1">
               <a:rPr lang="en-US" smtClean="0"/>
-              <a:t>6/3/2023</a:t>
+              <a:t>6/9/2023</a:t>
             </a:fld>
             <a:endParaRPr lang="en-US"/>
           </a:p>
@@ -6019,7 +8304,7 @@
     </p:spTree>
     <p:extLst>
       <p:ext uri="{BB962C8B-B14F-4D97-AF65-F5344CB8AC3E}">
-        <p14:creationId xmlns:p14="http://schemas.microsoft.com/office/powerpoint/2010/main" val="3871640837"/>
+        <p14:creationId xmlns:p14="http://schemas.microsoft.com/office/powerpoint/2010/main" val="3693853024"/>
       </p:ext>
     </p:extLst>
   </p:cSld>
@@ -6136,10 +8421,6 @@
               </a:rPr>
               <a:t>Discussion</a:t>
             </a:r>
-            <a:endParaRPr lang="en-US" dirty="0" smtClean="0">
-              <a:latin typeface="Times New Roman" panose="02020603050405020304" pitchFamily="18" charset="0"/>
-              <a:cs typeface="Times New Roman" panose="02020603050405020304" pitchFamily="18" charset="0"/>
-            </a:endParaRPr>
           </a:p>
           <a:p>
             <a:r>
@@ -6173,7 +8454,7 @@
           <a:p>
             <a:fld id="{61066859-9ABD-47EE-A13A-7683241B4E0D}" type="datetime1">
               <a:rPr lang="en-US" smtClean="0"/>
-              <a:t>6/3/2023</a:t>
+              <a:t>6/9/2023</a:t>
             </a:fld>
             <a:endParaRPr lang="en-US"/>
           </a:p>
@@ -6249,23 +8530,17 @@
             <p:ph type="title"/>
           </p:nvPr>
         </p:nvSpPr>
-        <p:spPr>
-          <a:xfrm>
-            <a:off x="838200" y="2772423"/>
-            <a:ext cx="10515600" cy="1325563"/>
-          </a:xfrm>
-        </p:spPr>
-        <p:txBody>
-          <a:bodyPr/>
-          <a:lstStyle/>
-          <a:p>
-            <a:pPr algn="ctr"/>
+        <p:spPr/>
+        <p:txBody>
+          <a:bodyPr/>
+          <a:lstStyle/>
+          <a:p>
             <a:r>
               <a:rPr lang="en-US" dirty="0" smtClean="0">
                 <a:latin typeface="Times New Roman" panose="02020603050405020304" pitchFamily="18" charset="0"/>
                 <a:cs typeface="Times New Roman" panose="02020603050405020304" pitchFamily="18" charset="0"/>
               </a:rPr>
-              <a:t>Q/A Session</a:t>
+              <a:t>Literature Review</a:t>
             </a:r>
             <a:endParaRPr lang="en-US" dirty="0">
               <a:latin typeface="Times New Roman" panose="02020603050405020304" pitchFamily="18" charset="0"/>
@@ -6276,6 +8551,100 @@
       </p:sp>
       <p:sp>
         <p:nvSpPr>
+          <p:cNvPr id="3" name="Content Placeholder 2"/>
+          <p:cNvSpPr>
+            <a:spLocks noGrp="1"/>
+          </p:cNvSpPr>
+          <p:nvPr>
+            <p:ph idx="1"/>
+          </p:nvPr>
+        </p:nvSpPr>
+        <p:spPr/>
+        <p:txBody>
+          <a:bodyPr>
+            <a:normAutofit/>
+          </a:bodyPr>
+          <a:lstStyle/>
+          <a:p>
+            <a:r>
+              <a:rPr lang="en-US" dirty="0">
+                <a:latin typeface="Times New Roman" panose="02020603050405020304" pitchFamily="18" charset="0"/>
+                <a:cs typeface="Times New Roman" panose="02020603050405020304" pitchFamily="18" charset="0"/>
+              </a:rPr>
+              <a:t>Social networks are like groups of people who know each other and interact with each other</a:t>
+            </a:r>
+            <a:r>
+              <a:rPr lang="en-US" dirty="0" smtClean="0">
+                <a:latin typeface="Times New Roman" panose="02020603050405020304" pitchFamily="18" charset="0"/>
+                <a:cs typeface="Times New Roman" panose="02020603050405020304" pitchFamily="18" charset="0"/>
+              </a:rPr>
+              <a:t>.[1] </a:t>
+            </a:r>
+          </a:p>
+          <a:p>
+            <a:r>
+              <a:rPr lang="en-US" dirty="0">
+                <a:latin typeface="Times New Roman" panose="02020603050405020304" pitchFamily="18" charset="0"/>
+                <a:cs typeface="Times New Roman" panose="02020603050405020304" pitchFamily="18" charset="0"/>
+              </a:rPr>
+              <a:t>LinkedIn is the preferred social media platform for recruiters, while Twitter and Facebook are </a:t>
+            </a:r>
+            <a:r>
+              <a:rPr lang="en-US" dirty="0">
+                <a:latin typeface="Times New Roman" panose="02020603050405020304" pitchFamily="18" charset="0"/>
+                <a:cs typeface="Times New Roman" panose="02020603050405020304" pitchFamily="18" charset="0"/>
+              </a:rPr>
+              <a:t>less</a:t>
+            </a:r>
+            <a:r>
+              <a:rPr lang="en-US" dirty="0" smtClean="0">
+                <a:latin typeface="Times New Roman" panose="02020603050405020304" pitchFamily="18" charset="0"/>
+                <a:cs typeface="Times New Roman" panose="02020603050405020304" pitchFamily="18" charset="0"/>
+              </a:rPr>
+              <a:t>.[2]</a:t>
+            </a:r>
+          </a:p>
+          <a:p>
+            <a:r>
+              <a:rPr lang="en-US" dirty="0">
+                <a:latin typeface="Times New Roman" panose="02020603050405020304" pitchFamily="18" charset="0"/>
+                <a:cs typeface="Times New Roman" panose="02020603050405020304" pitchFamily="18" charset="0"/>
+              </a:rPr>
+              <a:t>Complete profiles in Stack Overflow lead to </a:t>
+            </a:r>
+            <a:r>
+              <a:rPr lang="en-US" dirty="0" smtClean="0">
+                <a:latin typeface="Times New Roman" panose="02020603050405020304" pitchFamily="18" charset="0"/>
+                <a:cs typeface="Times New Roman" panose="02020603050405020304" pitchFamily="18" charset="0"/>
+              </a:rPr>
+              <a:t>better </a:t>
+            </a:r>
+            <a:r>
+              <a:rPr lang="en-US" dirty="0">
+                <a:latin typeface="Times New Roman" panose="02020603050405020304" pitchFamily="18" charset="0"/>
+                <a:cs typeface="Times New Roman" panose="02020603050405020304" pitchFamily="18" charset="0"/>
+              </a:rPr>
+              <a:t>quality </a:t>
+            </a:r>
+            <a:r>
+              <a:rPr lang="en-US" dirty="0">
+                <a:latin typeface="Times New Roman" panose="02020603050405020304" pitchFamily="18" charset="0"/>
+                <a:cs typeface="Times New Roman" panose="02020603050405020304" pitchFamily="18" charset="0"/>
+              </a:rPr>
+              <a:t>posts</a:t>
+            </a:r>
+            <a:r>
+              <a:rPr lang="en-US" dirty="0" smtClean="0">
+                <a:latin typeface="Times New Roman" panose="02020603050405020304" pitchFamily="18" charset="0"/>
+                <a:cs typeface="Times New Roman" panose="02020603050405020304" pitchFamily="18" charset="0"/>
+              </a:rPr>
+              <a:t>.[3]</a:t>
+            </a:r>
+          </a:p>
+        </p:txBody>
+      </p:sp>
+      <p:sp>
+        <p:nvSpPr>
           <p:cNvPr id="4" name="Date Placeholder 3"/>
           <p:cNvSpPr>
             <a:spLocks noGrp="1"/>
@@ -6291,7 +8660,7 @@
           <a:p>
             <a:fld id="{61066859-9ABD-47EE-A13A-7683241B4E0D}" type="datetime1">
               <a:rPr lang="en-US" smtClean="0"/>
-              <a:t>6/3/2023</a:t>
+              <a:t>6/9/2023</a:t>
             </a:fld>
             <a:endParaRPr lang="en-US"/>
           </a:p>
@@ -6323,7 +8692,7 @@
     </p:spTree>
     <p:extLst>
       <p:ext uri="{BB962C8B-B14F-4D97-AF65-F5344CB8AC3E}">
-        <p14:creationId xmlns:p14="http://schemas.microsoft.com/office/powerpoint/2010/main" val="728221586"/>
+        <p14:creationId xmlns:p14="http://schemas.microsoft.com/office/powerpoint/2010/main" val="41453864"/>
       </p:ext>
     </p:extLst>
   </p:cSld>
